--- a/PD5/Prezentacja_PD5.pptx
+++ b/PD5/Prezentacja_PD5.pptx
@@ -1,36 +1,50 @@
 
 <file path=ppt/presentation.xml><?xml version="1.0" encoding="utf-8"?>
-<p:presentation xmlns:a="http://schemas.openxmlformats.org/drawingml/2006/main" xmlns:r="http://schemas.openxmlformats.org/officeDocument/2006/relationships" xmlns:mc="http://schemas.openxmlformats.org/markup-compatibility/2006" xmlns:mv="urn:schemas-microsoft-com:mac:vml" xmlns:p="http://schemas.openxmlformats.org/presentationml/2006/main" xmlns:c="http://schemas.openxmlformats.org/drawingml/2006/chart" xmlns:dgm="http://schemas.openxmlformats.org/drawingml/2006/diagram" xmlns:o="urn:schemas-microsoft-com:office:office" xmlns:v="urn:schemas-microsoft-com:vml" xmlns:pvml="urn:schemas-microsoft-com:office:powerpoint" xmlns:com="http://schemas.openxmlformats.org/drawingml/2006/compatibility" xmlns:p14="http://schemas.microsoft.com/office/powerpoint/2010/main" xmlns:p15="http://schemas.microsoft.com/office/powerpoint/2012/main" xmlns:ahyp="http://schemas.microsoft.com/office/drawing/2018/hyperlinkcolor" autoCompressPictures="0" embedTrueTypeFonts="1" strictFirstAndLastChars="0" saveSubsetFonts="1">
+<p:presentation xmlns:a="http://schemas.openxmlformats.org/drawingml/2006/main" xmlns:r="http://schemas.openxmlformats.org/officeDocument/2006/relationships" xmlns:p="http://schemas.openxmlformats.org/presentationml/2006/main" strictFirstAndLastChars="0" embedTrueTypeFonts="1" saveSubsetFonts="1" autoCompressPictures="0">
   <p:sldMasterIdLst>
-    <p:sldMasterId id="2147483659" r:id="rId4"/>
+    <p:sldMasterId id="2147483659" r:id="rId1"/>
   </p:sldMasterIdLst>
   <p:notesMasterIdLst>
-    <p:notesMasterId r:id="rId5"/>
+    <p:notesMasterId r:id="rId11"/>
   </p:notesMasterIdLst>
   <p:sldIdLst>
-    <p:sldId id="256" r:id="rId6"/>
-    <p:sldId id="257" r:id="rId7"/>
-    <p:sldId id="258" r:id="rId8"/>
-    <p:sldId id="259" r:id="rId9"/>
-    <p:sldId id="260" r:id="rId10"/>
-    <p:sldId id="261" r:id="rId11"/>
-    <p:sldId id="262" r:id="rId12"/>
-    <p:sldId id="263" r:id="rId13"/>
-    <p:sldId id="264" r:id="rId14"/>
+    <p:sldId id="256" r:id="rId2"/>
+    <p:sldId id="257" r:id="rId3"/>
+    <p:sldId id="258" r:id="rId4"/>
+    <p:sldId id="259" r:id="rId5"/>
+    <p:sldId id="260" r:id="rId6"/>
+    <p:sldId id="261" r:id="rId7"/>
+    <p:sldId id="262" r:id="rId8"/>
+    <p:sldId id="263" r:id="rId9"/>
+    <p:sldId id="264" r:id="rId10"/>
   </p:sldIdLst>
-  <p:sldSz cy="5143500" cx="9144000"/>
+  <p:sldSz cx="9144000" cy="5143500" type="screen16x9"/>
   <p:notesSz cx="6858000" cy="9144000"/>
   <p:embeddedFontLst>
     <p:embeddedFont>
-      <p:font typeface="Nunito"/>
-      <p:regular r:id="rId15"/>
-      <p:bold r:id="rId16"/>
-      <p:italic r:id="rId17"/>
-      <p:boldItalic r:id="rId18"/>
+      <p:font typeface="Calibri" panose="020F0502020204030204" pitchFamily="34" charset="0"/>
+      <p:regular r:id="rId12"/>
+      <p:bold r:id="rId13"/>
+      <p:italic r:id="rId14"/>
+      <p:boldItalic r:id="rId15"/>
+    </p:embeddedFont>
+    <p:embeddedFont>
+      <p:font typeface="Nunito" panose="020B0604020202020204" charset="0"/>
+      <p:regular r:id="rId16"/>
+      <p:bold r:id="rId17"/>
+      <p:italic r:id="rId18"/>
+      <p:boldItalic r:id="rId19"/>
+    </p:embeddedFont>
+    <p:embeddedFont>
+      <p:font typeface="Source Sans Pro" panose="020B0503030403020204" pitchFamily="34" charset="0"/>
+      <p:regular r:id="rId20"/>
+      <p:bold r:id="rId21"/>
+      <p:italic r:id="rId22"/>
+      <p:boldItalic r:id="rId23"/>
     </p:embeddedFont>
   </p:embeddedFontLst>
   <p:defaultTextStyle>
-    <a:defPPr lvl="0" marR="0" rtl="0" algn="l">
+    <a:defPPr marR="0" lvl="0" algn="l" rtl="0">
       <a:lnSpc>
         <a:spcPct val="100000"/>
       </a:lnSpc>
@@ -41,7 +55,7 @@
         <a:spcPts val="0"/>
       </a:spcAft>
     </a:defPPr>
-    <a:lvl1pPr lvl="0" marR="0" rtl="0" algn="l">
+    <a:lvl1pPr marR="0" lvl="0" algn="l" rtl="0">
       <a:lnSpc>
         <a:spcPct val="100000"/>
       </a:lnSpc>
@@ -55,7 +69,7 @@
         <a:srgbClr val="000000"/>
       </a:buClr>
       <a:buFont typeface="Arial"/>
-      <a:defRPr b="0" i="0" sz="1400" u="none" cap="none" strike="noStrike">
+      <a:defRPr sz="1400" b="0" i="0" u="none" strike="noStrike" cap="none">
         <a:solidFill>
           <a:srgbClr val="000000"/>
         </a:solidFill>
@@ -65,7 +79,7 @@
         <a:sym typeface="Arial"/>
       </a:defRPr>
     </a:lvl1pPr>
-    <a:lvl2pPr lvl="1" marR="0" rtl="0" algn="l">
+    <a:lvl2pPr marR="0" lvl="1" algn="l" rtl="0">
       <a:lnSpc>
         <a:spcPct val="100000"/>
       </a:lnSpc>
@@ -79,7 +93,7 @@
         <a:srgbClr val="000000"/>
       </a:buClr>
       <a:buFont typeface="Arial"/>
-      <a:defRPr b="0" i="0" sz="1400" u="none" cap="none" strike="noStrike">
+      <a:defRPr sz="1400" b="0" i="0" u="none" strike="noStrike" cap="none">
         <a:solidFill>
           <a:srgbClr val="000000"/>
         </a:solidFill>
@@ -89,7 +103,7 @@
         <a:sym typeface="Arial"/>
       </a:defRPr>
     </a:lvl2pPr>
-    <a:lvl3pPr lvl="2" marR="0" rtl="0" algn="l">
+    <a:lvl3pPr marR="0" lvl="2" algn="l" rtl="0">
       <a:lnSpc>
         <a:spcPct val="100000"/>
       </a:lnSpc>
@@ -103,7 +117,7 @@
         <a:srgbClr val="000000"/>
       </a:buClr>
       <a:buFont typeface="Arial"/>
-      <a:defRPr b="0" i="0" sz="1400" u="none" cap="none" strike="noStrike">
+      <a:defRPr sz="1400" b="0" i="0" u="none" strike="noStrike" cap="none">
         <a:solidFill>
           <a:srgbClr val="000000"/>
         </a:solidFill>
@@ -113,7 +127,7 @@
         <a:sym typeface="Arial"/>
       </a:defRPr>
     </a:lvl3pPr>
-    <a:lvl4pPr lvl="3" marR="0" rtl="0" algn="l">
+    <a:lvl4pPr marR="0" lvl="3" algn="l" rtl="0">
       <a:lnSpc>
         <a:spcPct val="100000"/>
       </a:lnSpc>
@@ -127,7 +141,7 @@
         <a:srgbClr val="000000"/>
       </a:buClr>
       <a:buFont typeface="Arial"/>
-      <a:defRPr b="0" i="0" sz="1400" u="none" cap="none" strike="noStrike">
+      <a:defRPr sz="1400" b="0" i="0" u="none" strike="noStrike" cap="none">
         <a:solidFill>
           <a:srgbClr val="000000"/>
         </a:solidFill>
@@ -137,7 +151,7 @@
         <a:sym typeface="Arial"/>
       </a:defRPr>
     </a:lvl4pPr>
-    <a:lvl5pPr lvl="4" marR="0" rtl="0" algn="l">
+    <a:lvl5pPr marR="0" lvl="4" algn="l" rtl="0">
       <a:lnSpc>
         <a:spcPct val="100000"/>
       </a:lnSpc>
@@ -151,7 +165,7 @@
         <a:srgbClr val="000000"/>
       </a:buClr>
       <a:buFont typeface="Arial"/>
-      <a:defRPr b="0" i="0" sz="1400" u="none" cap="none" strike="noStrike">
+      <a:defRPr sz="1400" b="0" i="0" u="none" strike="noStrike" cap="none">
         <a:solidFill>
           <a:srgbClr val="000000"/>
         </a:solidFill>
@@ -161,7 +175,7 @@
         <a:sym typeface="Arial"/>
       </a:defRPr>
     </a:lvl5pPr>
-    <a:lvl6pPr lvl="5" marR="0" rtl="0" algn="l">
+    <a:lvl6pPr marR="0" lvl="5" algn="l" rtl="0">
       <a:lnSpc>
         <a:spcPct val="100000"/>
       </a:lnSpc>
@@ -175,7 +189,7 @@
         <a:srgbClr val="000000"/>
       </a:buClr>
       <a:buFont typeface="Arial"/>
-      <a:defRPr b="0" i="0" sz="1400" u="none" cap="none" strike="noStrike">
+      <a:defRPr sz="1400" b="0" i="0" u="none" strike="noStrike" cap="none">
         <a:solidFill>
           <a:srgbClr val="000000"/>
         </a:solidFill>
@@ -185,7 +199,7 @@
         <a:sym typeface="Arial"/>
       </a:defRPr>
     </a:lvl6pPr>
-    <a:lvl7pPr lvl="6" marR="0" rtl="0" algn="l">
+    <a:lvl7pPr marR="0" lvl="6" algn="l" rtl="0">
       <a:lnSpc>
         <a:spcPct val="100000"/>
       </a:lnSpc>
@@ -199,7 +213,7 @@
         <a:srgbClr val="000000"/>
       </a:buClr>
       <a:buFont typeface="Arial"/>
-      <a:defRPr b="0" i="0" sz="1400" u="none" cap="none" strike="noStrike">
+      <a:defRPr sz="1400" b="0" i="0" u="none" strike="noStrike" cap="none">
         <a:solidFill>
           <a:srgbClr val="000000"/>
         </a:solidFill>
@@ -209,7 +223,7 @@
         <a:sym typeface="Arial"/>
       </a:defRPr>
     </a:lvl7pPr>
-    <a:lvl8pPr lvl="7" marR="0" rtl="0" algn="l">
+    <a:lvl8pPr marR="0" lvl="7" algn="l" rtl="0">
       <a:lnSpc>
         <a:spcPct val="100000"/>
       </a:lnSpc>
@@ -223,7 +237,7 @@
         <a:srgbClr val="000000"/>
       </a:buClr>
       <a:buFont typeface="Arial"/>
-      <a:defRPr b="0" i="0" sz="1400" u="none" cap="none" strike="noStrike">
+      <a:defRPr sz="1400" b="0" i="0" u="none" strike="noStrike" cap="none">
         <a:solidFill>
           <a:srgbClr val="000000"/>
         </a:solidFill>
@@ -233,7 +247,7 @@
         <a:sym typeface="Arial"/>
       </a:defRPr>
     </a:lvl8pPr>
-    <a:lvl9pPr lvl="8" marR="0" rtl="0" algn="l">
+    <a:lvl9pPr marR="0" lvl="8" algn="l" rtl="0">
       <a:lnSpc>
         <a:spcPct val="100000"/>
       </a:lnSpc>
@@ -247,7 +261,7 @@
         <a:srgbClr val="000000"/>
       </a:buClr>
       <a:buFont typeface="Arial"/>
-      <a:defRPr b="0" i="0" sz="1400" u="none" cap="none" strike="noStrike">
+      <a:defRPr sz="1400" b="0" i="0" u="none" strike="noStrike" cap="none">
         <a:solidFill>
           <a:srgbClr val="000000"/>
         </a:solidFill>
@@ -260,7 +274,7 @@
   </p:defaultTextStyle>
   <p:extLst>
     <p:ext uri="{EFAFB233-063F-42B5-8137-9DF3F51BA10A}">
-      <p15:sldGuideLst>
+      <p15:sldGuideLst xmlns:p15="http://schemas.microsoft.com/office/powerpoint/2012/main">
         <p15:guide id="1" orient="horz" pos="1620">
           <p15:clr>
             <a:srgbClr val="A4A3A4"/>
@@ -278,11 +292,16 @@
 </file>
 
 <file path=ppt/notesMasters/notesMaster1.xml><?xml version="1.0" encoding="utf-8"?>
-<p:notesMaster xmlns:a="http://schemas.openxmlformats.org/drawingml/2006/main" xmlns:r="http://schemas.openxmlformats.org/officeDocument/2006/relationships" xmlns:mc="http://schemas.openxmlformats.org/markup-compatibility/2006" xmlns:mv="urn:schemas-microsoft-com:mac:vml" xmlns:p="http://schemas.openxmlformats.org/presentationml/2006/main" xmlns:c="http://schemas.openxmlformats.org/drawingml/2006/chart" xmlns:dgm="http://schemas.openxmlformats.org/drawingml/2006/diagram" xmlns:o="urn:schemas-microsoft-com:office:office" xmlns:v="urn:schemas-microsoft-com:vml" xmlns:pvml="urn:schemas-microsoft-com:office:powerpoint" xmlns:com="http://schemas.openxmlformats.org/drawingml/2006/compatibility" xmlns:p14="http://schemas.microsoft.com/office/powerpoint/2010/main" xmlns:p15="http://schemas.microsoft.com/office/powerpoint/2012/main" xmlns:ahyp="http://schemas.microsoft.com/office/drawing/2018/hyperlinkcolor">
+<p:notesMaster xmlns:a="http://schemas.openxmlformats.org/drawingml/2006/main" xmlns:r="http://schemas.openxmlformats.org/officeDocument/2006/relationships" xmlns:p="http://schemas.openxmlformats.org/presentationml/2006/main">
   <p:cSld>
+    <p:bg>
+      <p:bgRef idx="1001">
+        <a:schemeClr val="bg1"/>
+      </p:bgRef>
+    </p:bg>
     <p:spTree>
       <p:nvGrpSpPr>
-        <p:cNvPr id="2" name="Shape 2"/>
+        <p:cNvPr id="1" name="Shape 2"/>
         <p:cNvGrpSpPr/>
         <p:nvPr/>
       </p:nvGrpSpPr>
@@ -297,9 +316,11 @@
       <p:sp>
         <p:nvSpPr>
           <p:cNvPr id="3" name="Google Shape;3;n"/>
-          <p:cNvSpPr/>
+          <p:cNvSpPr>
+            <a:spLocks noGrp="1" noRot="1" noChangeAspect="1"/>
+          </p:cNvSpPr>
           <p:nvPr>
-            <p:ph idx="2" type="sldImg"/>
+            <p:ph type="sldImg" idx="2"/>
           </p:nvPr>
         </p:nvSpPr>
         <p:spPr>
@@ -308,9 +329,13 @@
             <a:ext cx="6096075" cy="3429000"/>
           </a:xfrm>
           <a:custGeom>
-            <a:rect b="b" l="l" r="r" t="t"/>
+            <a:avLst/>
+            <a:gdLst/>
+            <a:ahLst/>
+            <a:cxnLst/>
+            <a:rect l="l" t="t" r="r" b="b"/>
             <a:pathLst>
-              <a:path extrusionOk="0" h="120000" w="120000">
+              <a:path w="120000" h="120000" extrusionOk="0">
                 <a:moveTo>
                   <a:pt x="0" y="0"/>
                 </a:moveTo>
@@ -328,23 +353,25 @@
             </a:pathLst>
           </a:custGeom>
           <a:noFill/>
-          <a:ln cap="flat" cmpd="sng" w="9525">
+          <a:ln w="9525" cap="flat" cmpd="sng">
             <a:solidFill>
               <a:srgbClr val="000000"/>
             </a:solidFill>
             <a:prstDash val="solid"/>
             <a:round/>
-            <a:headEnd len="sm" w="sm" type="none"/>
-            <a:tailEnd len="sm" w="sm" type="none"/>
+            <a:headEnd type="none" w="sm" len="sm"/>
+            <a:tailEnd type="none" w="sm" len="sm"/>
           </a:ln>
         </p:spPr>
       </p:sp>
       <p:sp>
         <p:nvSpPr>
           <p:cNvPr id="4" name="Google Shape;4;n"/>
-          <p:cNvSpPr txBox="1"/>
+          <p:cNvSpPr txBox="1">
+            <a:spLocks noGrp="1"/>
+          </p:cNvSpPr>
           <p:nvPr>
-            <p:ph idx="1" type="body"/>
+            <p:ph type="body" idx="1"/>
           </p:nvPr>
         </p:nvSpPr>
         <p:spPr>
@@ -361,11 +388,11 @@
           </a:ln>
         </p:spPr>
         <p:txBody>
-          <a:bodyPr anchorCtr="0" anchor="t" bIns="91425" lIns="91425" spcFirstLastPara="1" rIns="91425" wrap="square" tIns="91425">
+          <a:bodyPr spcFirstLastPara="1" wrap="square" lIns="91425" tIns="91425" rIns="91425" bIns="91425" anchor="t" anchorCtr="0">
             <a:noAutofit/>
           </a:bodyPr>
           <a:lstStyle>
-            <a:lvl1pPr indent="-298450" lvl="0" marL="457200">
+            <a:lvl1pPr marL="457200" lvl="0" indent="-298450">
               <a:spcBef>
                 <a:spcPts val="0"/>
               </a:spcBef>
@@ -376,7 +403,7 @@
               <a:buChar char="●"/>
               <a:defRPr sz="1100"/>
             </a:lvl1pPr>
-            <a:lvl2pPr indent="-298450" lvl="1" marL="914400">
+            <a:lvl2pPr marL="914400" lvl="1" indent="-298450">
               <a:spcBef>
                 <a:spcPts val="0"/>
               </a:spcBef>
@@ -387,7 +414,7 @@
               <a:buChar char="○"/>
               <a:defRPr sz="1100"/>
             </a:lvl2pPr>
-            <a:lvl3pPr indent="-298450" lvl="2" marL="1371600">
+            <a:lvl3pPr marL="1371600" lvl="2" indent="-298450">
               <a:spcBef>
                 <a:spcPts val="0"/>
               </a:spcBef>
@@ -398,7 +425,7 @@
               <a:buChar char="■"/>
               <a:defRPr sz="1100"/>
             </a:lvl3pPr>
-            <a:lvl4pPr indent="-298450" lvl="3" marL="1828800">
+            <a:lvl4pPr marL="1828800" lvl="3" indent="-298450">
               <a:spcBef>
                 <a:spcPts val="0"/>
               </a:spcBef>
@@ -409,7 +436,7 @@
               <a:buChar char="●"/>
               <a:defRPr sz="1100"/>
             </a:lvl4pPr>
-            <a:lvl5pPr indent="-298450" lvl="4" marL="2286000">
+            <a:lvl5pPr marL="2286000" lvl="4" indent="-298450">
               <a:spcBef>
                 <a:spcPts val="0"/>
               </a:spcBef>
@@ -420,7 +447,7 @@
               <a:buChar char="○"/>
               <a:defRPr sz="1100"/>
             </a:lvl5pPr>
-            <a:lvl6pPr indent="-298450" lvl="5" marL="2743200">
+            <a:lvl6pPr marL="2743200" lvl="5" indent="-298450">
               <a:spcBef>
                 <a:spcPts val="0"/>
               </a:spcBef>
@@ -431,7 +458,7 @@
               <a:buChar char="■"/>
               <a:defRPr sz="1100"/>
             </a:lvl6pPr>
-            <a:lvl7pPr indent="-298450" lvl="6" marL="3200400">
+            <a:lvl7pPr marL="3200400" lvl="6" indent="-298450">
               <a:spcBef>
                 <a:spcPts val="0"/>
               </a:spcBef>
@@ -442,7 +469,7 @@
               <a:buChar char="●"/>
               <a:defRPr sz="1100"/>
             </a:lvl7pPr>
-            <a:lvl8pPr indent="-298450" lvl="7" marL="3657600">
+            <a:lvl8pPr marL="3657600" lvl="7" indent="-298450">
               <a:spcBef>
                 <a:spcPts val="0"/>
               </a:spcBef>
@@ -453,7 +480,7 @@
               <a:buChar char="○"/>
               <a:defRPr sz="1100"/>
             </a:lvl8pPr>
-            <a:lvl9pPr indent="-298450" lvl="8" marL="4114800">
+            <a:lvl9pPr marL="4114800" lvl="8" indent="-298450">
               <a:spcBef>
                 <a:spcPts val="0"/>
               </a:spcBef>
@@ -465,14 +492,16 @@
               <a:defRPr sz="1100"/>
             </a:lvl9pPr>
           </a:lstStyle>
-          <a:p/>
+          <a:p>
+            <a:endParaRPr/>
+          </a:p>
         </p:txBody>
       </p:sp>
     </p:spTree>
   </p:cSld>
-  <p:clrMap accent1="accent1" accent2="accent2" accent3="accent3" accent4="accent4" accent5="accent5" accent6="accent6" bg1="lt1" bg2="dk2" tx1="dk1" tx2="lt2" folHlink="folHlink" hlink="hlink"/>
+  <p:clrMap bg1="lt1" tx1="dk1" bg2="dk2" tx2="lt2" accent1="accent1" accent2="accent2" accent3="accent3" accent4="accent4" accent5="accent5" accent6="accent6" hlink="hlink" folHlink="folHlink"/>
   <p:notesStyle>
-    <a:defPPr lvl="0" marR="0" rtl="0" algn="l">
+    <a:defPPr marR="0" lvl="0" algn="l" rtl="0">
       <a:lnSpc>
         <a:spcPct val="100000"/>
       </a:lnSpc>
@@ -483,7 +512,7 @@
         <a:spcPts val="0"/>
       </a:spcAft>
     </a:defPPr>
-    <a:lvl1pPr lvl="0" marR="0" rtl="0" algn="l">
+    <a:lvl1pPr marR="0" lvl="0" algn="l" rtl="0">
       <a:lnSpc>
         <a:spcPct val="100000"/>
       </a:lnSpc>
@@ -497,7 +526,7 @@
         <a:srgbClr val="000000"/>
       </a:buClr>
       <a:buFont typeface="Arial"/>
-      <a:defRPr b="0" i="0" sz="1400" u="none" cap="none" strike="noStrike">
+      <a:defRPr sz="1400" b="0" i="0" u="none" strike="noStrike" cap="none">
         <a:solidFill>
           <a:srgbClr val="000000"/>
         </a:solidFill>
@@ -507,7 +536,7 @@
         <a:sym typeface="Arial"/>
       </a:defRPr>
     </a:lvl1pPr>
-    <a:lvl2pPr lvl="1" marR="0" rtl="0" algn="l">
+    <a:lvl2pPr marR="0" lvl="1" algn="l" rtl="0">
       <a:lnSpc>
         <a:spcPct val="100000"/>
       </a:lnSpc>
@@ -521,7 +550,7 @@
         <a:srgbClr val="000000"/>
       </a:buClr>
       <a:buFont typeface="Arial"/>
-      <a:defRPr b="0" i="0" sz="1400" u="none" cap="none" strike="noStrike">
+      <a:defRPr sz="1400" b="0" i="0" u="none" strike="noStrike" cap="none">
         <a:solidFill>
           <a:srgbClr val="000000"/>
         </a:solidFill>
@@ -531,7 +560,7 @@
         <a:sym typeface="Arial"/>
       </a:defRPr>
     </a:lvl2pPr>
-    <a:lvl3pPr lvl="2" marR="0" rtl="0" algn="l">
+    <a:lvl3pPr marR="0" lvl="2" algn="l" rtl="0">
       <a:lnSpc>
         <a:spcPct val="100000"/>
       </a:lnSpc>
@@ -545,7 +574,7 @@
         <a:srgbClr val="000000"/>
       </a:buClr>
       <a:buFont typeface="Arial"/>
-      <a:defRPr b="0" i="0" sz="1400" u="none" cap="none" strike="noStrike">
+      <a:defRPr sz="1400" b="0" i="0" u="none" strike="noStrike" cap="none">
         <a:solidFill>
           <a:srgbClr val="000000"/>
         </a:solidFill>
@@ -555,7 +584,7 @@
         <a:sym typeface="Arial"/>
       </a:defRPr>
     </a:lvl3pPr>
-    <a:lvl4pPr lvl="3" marR="0" rtl="0" algn="l">
+    <a:lvl4pPr marR="0" lvl="3" algn="l" rtl="0">
       <a:lnSpc>
         <a:spcPct val="100000"/>
       </a:lnSpc>
@@ -569,7 +598,7 @@
         <a:srgbClr val="000000"/>
       </a:buClr>
       <a:buFont typeface="Arial"/>
-      <a:defRPr b="0" i="0" sz="1400" u="none" cap="none" strike="noStrike">
+      <a:defRPr sz="1400" b="0" i="0" u="none" strike="noStrike" cap="none">
         <a:solidFill>
           <a:srgbClr val="000000"/>
         </a:solidFill>
@@ -579,7 +608,7 @@
         <a:sym typeface="Arial"/>
       </a:defRPr>
     </a:lvl4pPr>
-    <a:lvl5pPr lvl="4" marR="0" rtl="0" algn="l">
+    <a:lvl5pPr marR="0" lvl="4" algn="l" rtl="0">
       <a:lnSpc>
         <a:spcPct val="100000"/>
       </a:lnSpc>
@@ -593,7 +622,7 @@
         <a:srgbClr val="000000"/>
       </a:buClr>
       <a:buFont typeface="Arial"/>
-      <a:defRPr b="0" i="0" sz="1400" u="none" cap="none" strike="noStrike">
+      <a:defRPr sz="1400" b="0" i="0" u="none" strike="noStrike" cap="none">
         <a:solidFill>
           <a:srgbClr val="000000"/>
         </a:solidFill>
@@ -603,7 +632,7 @@
         <a:sym typeface="Arial"/>
       </a:defRPr>
     </a:lvl5pPr>
-    <a:lvl6pPr lvl="5" marR="0" rtl="0" algn="l">
+    <a:lvl6pPr marR="0" lvl="5" algn="l" rtl="0">
       <a:lnSpc>
         <a:spcPct val="100000"/>
       </a:lnSpc>
@@ -617,7 +646,7 @@
         <a:srgbClr val="000000"/>
       </a:buClr>
       <a:buFont typeface="Arial"/>
-      <a:defRPr b="0" i="0" sz="1400" u="none" cap="none" strike="noStrike">
+      <a:defRPr sz="1400" b="0" i="0" u="none" strike="noStrike" cap="none">
         <a:solidFill>
           <a:srgbClr val="000000"/>
         </a:solidFill>
@@ -627,7 +656,7 @@
         <a:sym typeface="Arial"/>
       </a:defRPr>
     </a:lvl6pPr>
-    <a:lvl7pPr lvl="6" marR="0" rtl="0" algn="l">
+    <a:lvl7pPr marR="0" lvl="6" algn="l" rtl="0">
       <a:lnSpc>
         <a:spcPct val="100000"/>
       </a:lnSpc>
@@ -641,7 +670,7 @@
         <a:srgbClr val="000000"/>
       </a:buClr>
       <a:buFont typeface="Arial"/>
-      <a:defRPr b="0" i="0" sz="1400" u="none" cap="none" strike="noStrike">
+      <a:defRPr sz="1400" b="0" i="0" u="none" strike="noStrike" cap="none">
         <a:solidFill>
           <a:srgbClr val="000000"/>
         </a:solidFill>
@@ -651,7 +680,7 @@
         <a:sym typeface="Arial"/>
       </a:defRPr>
     </a:lvl7pPr>
-    <a:lvl8pPr lvl="7" marR="0" rtl="0" algn="l">
+    <a:lvl8pPr marR="0" lvl="7" algn="l" rtl="0">
       <a:lnSpc>
         <a:spcPct val="100000"/>
       </a:lnSpc>
@@ -665,7 +694,7 @@
         <a:srgbClr val="000000"/>
       </a:buClr>
       <a:buFont typeface="Arial"/>
-      <a:defRPr b="0" i="0" sz="1400" u="none" cap="none" strike="noStrike">
+      <a:defRPr sz="1400" b="0" i="0" u="none" strike="noStrike" cap="none">
         <a:solidFill>
           <a:srgbClr val="000000"/>
         </a:solidFill>
@@ -675,7 +704,7 @@
         <a:sym typeface="Arial"/>
       </a:defRPr>
     </a:lvl8pPr>
-    <a:lvl9pPr lvl="8" marR="0" rtl="0" algn="l">
+    <a:lvl9pPr marR="0" lvl="8" algn="l" rtl="0">
       <a:lnSpc>
         <a:spcPct val="100000"/>
       </a:lnSpc>
@@ -689,7 +718,7 @@
         <a:srgbClr val="000000"/>
       </a:buClr>
       <a:buFont typeface="Arial"/>
-      <a:defRPr b="0" i="0" sz="1400" u="none" cap="none" strike="noStrike">
+      <a:defRPr sz="1400" b="0" i="0" u="none" strike="noStrike" cap="none">
         <a:solidFill>
           <a:srgbClr val="000000"/>
         </a:solidFill>
@@ -704,11 +733,11 @@
 </file>
 
 <file path=ppt/notesSlides/notesSlide1.xml><?xml version="1.0" encoding="utf-8"?>
-<p:notes xmlns:a="http://schemas.openxmlformats.org/drawingml/2006/main" xmlns:r="http://schemas.openxmlformats.org/officeDocument/2006/relationships" xmlns:mc="http://schemas.openxmlformats.org/markup-compatibility/2006" xmlns:mv="urn:schemas-microsoft-com:mac:vml" xmlns:p="http://schemas.openxmlformats.org/presentationml/2006/main" xmlns:c="http://schemas.openxmlformats.org/drawingml/2006/chart" xmlns:dgm="http://schemas.openxmlformats.org/drawingml/2006/diagram" xmlns:o="urn:schemas-microsoft-com:office:office" xmlns:v="urn:schemas-microsoft-com:vml" xmlns:pvml="urn:schemas-microsoft-com:office:powerpoint" xmlns:com="http://schemas.openxmlformats.org/drawingml/2006/compatibility" xmlns:p14="http://schemas.microsoft.com/office/powerpoint/2010/main" xmlns:p15="http://schemas.microsoft.com/office/powerpoint/2012/main" xmlns:ahyp="http://schemas.microsoft.com/office/drawing/2018/hyperlinkcolor" showMasterPhAnim="0" showMasterSp="0">
+<p:notes xmlns:a="http://schemas.openxmlformats.org/drawingml/2006/main" xmlns:r="http://schemas.openxmlformats.org/officeDocument/2006/relationships" xmlns:p="http://schemas.openxmlformats.org/presentationml/2006/main" showMasterSp="0" showMasterPhAnim="0">
   <p:cSld>
     <p:spTree>
       <p:nvGrpSpPr>
-        <p:cNvPr id="124" name="Shape 124"/>
+        <p:cNvPr id="1" name="Shape 124"/>
         <p:cNvGrpSpPr/>
         <p:nvPr/>
       </p:nvGrpSpPr>
@@ -723,9 +752,11 @@
       <p:sp>
         <p:nvSpPr>
           <p:cNvPr id="125" name="Google Shape;125;p:notes"/>
-          <p:cNvSpPr/>
+          <p:cNvSpPr>
+            <a:spLocks noGrp="1" noRot="1" noChangeAspect="1"/>
+          </p:cNvSpPr>
           <p:nvPr>
-            <p:ph idx="2" type="sldImg"/>
+            <p:ph type="sldImg" idx="2"/>
           </p:nvPr>
         </p:nvSpPr>
         <p:spPr>
@@ -734,9 +765,13 @@
             <a:ext cx="6096075" cy="3429000"/>
           </a:xfrm>
           <a:custGeom>
-            <a:rect b="b" l="l" r="r" t="t"/>
+            <a:avLst/>
+            <a:gdLst/>
+            <a:ahLst/>
+            <a:cxnLst/>
+            <a:rect l="l" t="t" r="r" b="b"/>
             <a:pathLst>
-              <a:path extrusionOk="0" h="120000" w="120000">
+              <a:path w="120000" h="120000" extrusionOk="0">
                 <a:moveTo>
                   <a:pt x="0" y="0"/>
                 </a:moveTo>
@@ -758,9 +793,11 @@
       <p:sp>
         <p:nvSpPr>
           <p:cNvPr id="126" name="Google Shape;126;p:notes"/>
-          <p:cNvSpPr txBox="1"/>
+          <p:cNvSpPr txBox="1">
+            <a:spLocks noGrp="1"/>
+          </p:cNvSpPr>
           <p:nvPr>
-            <p:ph idx="1" type="body"/>
+            <p:ph type="body" idx="1"/>
           </p:nvPr>
         </p:nvSpPr>
         <p:spPr>
@@ -773,12 +810,12 @@
           </a:prstGeom>
         </p:spPr>
         <p:txBody>
-          <a:bodyPr anchorCtr="0" anchor="t" bIns="91425" lIns="91425" spcFirstLastPara="1" rIns="91425" wrap="square" tIns="91425">
+          <a:bodyPr spcFirstLastPara="1" wrap="square" lIns="91425" tIns="91425" rIns="91425" bIns="91425" anchor="t" anchorCtr="0">
             <a:noAutofit/>
           </a:bodyPr>
           <a:lstStyle/>
           <a:p>
-            <a:pPr indent="0" lvl="0" marL="0" rtl="0" algn="l">
+            <a:pPr marL="0" lvl="0" indent="0" algn="l" rtl="0">
               <a:spcBef>
                 <a:spcPts val="0"/>
               </a:spcBef>
@@ -787,9 +824,6 @@
               </a:spcAft>
               <a:buNone/>
             </a:pPr>
-            <a:r>
-              <a:t/>
-            </a:r>
             <a:endParaRPr/>
           </a:p>
         </p:txBody>
@@ -803,11 +837,11 @@
 </file>
 
 <file path=ppt/notesSlides/notesSlide2.xml><?xml version="1.0" encoding="utf-8"?>
-<p:notes xmlns:a="http://schemas.openxmlformats.org/drawingml/2006/main" xmlns:r="http://schemas.openxmlformats.org/officeDocument/2006/relationships" xmlns:mc="http://schemas.openxmlformats.org/markup-compatibility/2006" xmlns:mv="urn:schemas-microsoft-com:mac:vml" xmlns:p="http://schemas.openxmlformats.org/presentationml/2006/main" xmlns:c="http://schemas.openxmlformats.org/drawingml/2006/chart" xmlns:dgm="http://schemas.openxmlformats.org/drawingml/2006/diagram" xmlns:o="urn:schemas-microsoft-com:office:office" xmlns:v="urn:schemas-microsoft-com:vml" xmlns:pvml="urn:schemas-microsoft-com:office:powerpoint" xmlns:com="http://schemas.openxmlformats.org/drawingml/2006/compatibility" xmlns:p14="http://schemas.microsoft.com/office/powerpoint/2010/main" xmlns:p15="http://schemas.microsoft.com/office/powerpoint/2012/main" xmlns:ahyp="http://schemas.microsoft.com/office/drawing/2018/hyperlinkcolor" showMasterPhAnim="0" showMasterSp="0">
+<p:notes xmlns:a="http://schemas.openxmlformats.org/drawingml/2006/main" xmlns:r="http://schemas.openxmlformats.org/officeDocument/2006/relationships" xmlns:p="http://schemas.openxmlformats.org/presentationml/2006/main" showMasterSp="0" showMasterPhAnim="0">
   <p:cSld>
     <p:spTree>
       <p:nvGrpSpPr>
-        <p:cNvPr id="130" name="Shape 130"/>
+        <p:cNvPr id="1" name="Shape 130"/>
         <p:cNvGrpSpPr/>
         <p:nvPr/>
       </p:nvGrpSpPr>
@@ -822,20 +856,26 @@
       <p:sp>
         <p:nvSpPr>
           <p:cNvPr id="131" name="Google Shape;131;g6d4308dbce_0_0:notes"/>
-          <p:cNvSpPr/>
+          <p:cNvSpPr>
+            <a:spLocks noGrp="1" noRot="1" noChangeAspect="1"/>
+          </p:cNvSpPr>
           <p:nvPr>
-            <p:ph idx="2" type="sldImg"/>
+            <p:ph type="sldImg" idx="2"/>
           </p:nvPr>
         </p:nvSpPr>
         <p:spPr>
           <a:xfrm>
-            <a:off x="381300" y="685800"/>
+            <a:off x="381000" y="685800"/>
             <a:ext cx="6096000" cy="3429000"/>
           </a:xfrm>
           <a:custGeom>
-            <a:rect b="b" l="l" r="r" t="t"/>
+            <a:avLst/>
+            <a:gdLst/>
+            <a:ahLst/>
+            <a:cxnLst/>
+            <a:rect l="l" t="t" r="r" b="b"/>
             <a:pathLst>
-              <a:path extrusionOk="0" h="120000" w="120000">
+              <a:path w="120000" h="120000" extrusionOk="0">
                 <a:moveTo>
                   <a:pt x="0" y="0"/>
                 </a:moveTo>
@@ -857,9 +897,11 @@
       <p:sp>
         <p:nvSpPr>
           <p:cNvPr id="132" name="Google Shape;132;g6d4308dbce_0_0:notes"/>
-          <p:cNvSpPr txBox="1"/>
+          <p:cNvSpPr txBox="1">
+            <a:spLocks noGrp="1"/>
+          </p:cNvSpPr>
           <p:nvPr>
-            <p:ph idx="1" type="body"/>
+            <p:ph type="body" idx="1"/>
           </p:nvPr>
         </p:nvSpPr>
         <p:spPr>
@@ -872,12 +914,12 @@
           </a:prstGeom>
         </p:spPr>
         <p:txBody>
-          <a:bodyPr anchorCtr="0" anchor="t" bIns="91425" lIns="91425" spcFirstLastPara="1" rIns="91425" wrap="square" tIns="91425">
+          <a:bodyPr spcFirstLastPara="1" wrap="square" lIns="91425" tIns="91425" rIns="91425" bIns="91425" anchor="t" anchorCtr="0">
             <a:noAutofit/>
           </a:bodyPr>
           <a:lstStyle/>
           <a:p>
-            <a:pPr indent="0" lvl="0" marL="0" rtl="0" algn="l">
+            <a:pPr marL="0" lvl="0" indent="0" algn="l" rtl="0">
               <a:spcBef>
                 <a:spcPts val="0"/>
               </a:spcBef>
@@ -886,9 +928,6 @@
               </a:spcAft>
               <a:buNone/>
             </a:pPr>
-            <a:r>
-              <a:t/>
-            </a:r>
             <a:endParaRPr/>
           </a:p>
         </p:txBody>
@@ -902,11 +941,11 @@
 </file>
 
 <file path=ppt/notesSlides/notesSlide3.xml><?xml version="1.0" encoding="utf-8"?>
-<p:notes xmlns:a="http://schemas.openxmlformats.org/drawingml/2006/main" xmlns:r="http://schemas.openxmlformats.org/officeDocument/2006/relationships" xmlns:mc="http://schemas.openxmlformats.org/markup-compatibility/2006" xmlns:mv="urn:schemas-microsoft-com:mac:vml" xmlns:p="http://schemas.openxmlformats.org/presentationml/2006/main" xmlns:c="http://schemas.openxmlformats.org/drawingml/2006/chart" xmlns:dgm="http://schemas.openxmlformats.org/drawingml/2006/diagram" xmlns:o="urn:schemas-microsoft-com:office:office" xmlns:v="urn:schemas-microsoft-com:vml" xmlns:pvml="urn:schemas-microsoft-com:office:powerpoint" xmlns:com="http://schemas.openxmlformats.org/drawingml/2006/compatibility" xmlns:p14="http://schemas.microsoft.com/office/powerpoint/2010/main" xmlns:p15="http://schemas.microsoft.com/office/powerpoint/2012/main" xmlns:ahyp="http://schemas.microsoft.com/office/drawing/2018/hyperlinkcolor" showMasterPhAnim="0" showMasterSp="0">
+<p:notes xmlns:a="http://schemas.openxmlformats.org/drawingml/2006/main" xmlns:r="http://schemas.openxmlformats.org/officeDocument/2006/relationships" xmlns:p="http://schemas.openxmlformats.org/presentationml/2006/main" showMasterSp="0" showMasterPhAnim="0">
   <p:cSld>
     <p:spTree>
       <p:nvGrpSpPr>
-        <p:cNvPr id="136" name="Shape 136"/>
+        <p:cNvPr id="1" name="Shape 136"/>
         <p:cNvGrpSpPr/>
         <p:nvPr/>
       </p:nvGrpSpPr>
@@ -921,20 +960,26 @@
       <p:sp>
         <p:nvSpPr>
           <p:cNvPr id="137" name="Google Shape;137;g6d4308dbce_0_5:notes"/>
-          <p:cNvSpPr/>
+          <p:cNvSpPr>
+            <a:spLocks noGrp="1" noRot="1" noChangeAspect="1"/>
+          </p:cNvSpPr>
           <p:nvPr>
-            <p:ph idx="2" type="sldImg"/>
+            <p:ph type="sldImg" idx="2"/>
           </p:nvPr>
         </p:nvSpPr>
         <p:spPr>
           <a:xfrm>
-            <a:off x="381300" y="685800"/>
+            <a:off x="381000" y="685800"/>
             <a:ext cx="6096000" cy="3429000"/>
           </a:xfrm>
           <a:custGeom>
-            <a:rect b="b" l="l" r="r" t="t"/>
+            <a:avLst/>
+            <a:gdLst/>
+            <a:ahLst/>
+            <a:cxnLst/>
+            <a:rect l="l" t="t" r="r" b="b"/>
             <a:pathLst>
-              <a:path extrusionOk="0" h="120000" w="120000">
+              <a:path w="120000" h="120000" extrusionOk="0">
                 <a:moveTo>
                   <a:pt x="0" y="0"/>
                 </a:moveTo>
@@ -956,9 +1001,11 @@
       <p:sp>
         <p:nvSpPr>
           <p:cNvPr id="138" name="Google Shape;138;g6d4308dbce_0_5:notes"/>
-          <p:cNvSpPr txBox="1"/>
+          <p:cNvSpPr txBox="1">
+            <a:spLocks noGrp="1"/>
+          </p:cNvSpPr>
           <p:nvPr>
-            <p:ph idx="1" type="body"/>
+            <p:ph type="body" idx="1"/>
           </p:nvPr>
         </p:nvSpPr>
         <p:spPr>
@@ -971,12 +1018,12 @@
           </a:prstGeom>
         </p:spPr>
         <p:txBody>
-          <a:bodyPr anchorCtr="0" anchor="t" bIns="91425" lIns="91425" spcFirstLastPara="1" rIns="91425" wrap="square" tIns="91425">
+          <a:bodyPr spcFirstLastPara="1" wrap="square" lIns="91425" tIns="91425" rIns="91425" bIns="91425" anchor="t" anchorCtr="0">
             <a:noAutofit/>
           </a:bodyPr>
           <a:lstStyle/>
           <a:p>
-            <a:pPr indent="0" lvl="0" marL="0" rtl="0" algn="l">
+            <a:pPr marL="0" lvl="0" indent="0" algn="l" rtl="0">
               <a:spcBef>
                 <a:spcPts val="0"/>
               </a:spcBef>
@@ -985,9 +1032,6 @@
               </a:spcAft>
               <a:buNone/>
             </a:pPr>
-            <a:r>
-              <a:t/>
-            </a:r>
             <a:endParaRPr/>
           </a:p>
         </p:txBody>
@@ -1001,11 +1045,11 @@
 </file>
 
 <file path=ppt/notesSlides/notesSlide4.xml><?xml version="1.0" encoding="utf-8"?>
-<p:notes xmlns:a="http://schemas.openxmlformats.org/drawingml/2006/main" xmlns:r="http://schemas.openxmlformats.org/officeDocument/2006/relationships" xmlns:mc="http://schemas.openxmlformats.org/markup-compatibility/2006" xmlns:mv="urn:schemas-microsoft-com:mac:vml" xmlns:p="http://schemas.openxmlformats.org/presentationml/2006/main" xmlns:c="http://schemas.openxmlformats.org/drawingml/2006/chart" xmlns:dgm="http://schemas.openxmlformats.org/drawingml/2006/diagram" xmlns:o="urn:schemas-microsoft-com:office:office" xmlns:v="urn:schemas-microsoft-com:vml" xmlns:pvml="urn:schemas-microsoft-com:office:powerpoint" xmlns:com="http://schemas.openxmlformats.org/drawingml/2006/compatibility" xmlns:p14="http://schemas.microsoft.com/office/powerpoint/2010/main" xmlns:p15="http://schemas.microsoft.com/office/powerpoint/2012/main" xmlns:ahyp="http://schemas.microsoft.com/office/drawing/2018/hyperlinkcolor" showMasterPhAnim="0" showMasterSp="0">
+<p:notes xmlns:a="http://schemas.openxmlformats.org/drawingml/2006/main" xmlns:r="http://schemas.openxmlformats.org/officeDocument/2006/relationships" xmlns:p="http://schemas.openxmlformats.org/presentationml/2006/main" showMasterSp="0" showMasterPhAnim="0">
   <p:cSld>
     <p:spTree>
       <p:nvGrpSpPr>
-        <p:cNvPr id="144" name="Shape 144"/>
+        <p:cNvPr id="1" name="Shape 144"/>
         <p:cNvGrpSpPr/>
         <p:nvPr/>
       </p:nvGrpSpPr>
@@ -1020,20 +1064,26 @@
       <p:sp>
         <p:nvSpPr>
           <p:cNvPr id="145" name="Google Shape;145;g6d4308dbce_0_10:notes"/>
-          <p:cNvSpPr/>
+          <p:cNvSpPr>
+            <a:spLocks noGrp="1" noRot="1" noChangeAspect="1"/>
+          </p:cNvSpPr>
           <p:nvPr>
-            <p:ph idx="2" type="sldImg"/>
+            <p:ph type="sldImg" idx="2"/>
           </p:nvPr>
         </p:nvSpPr>
         <p:spPr>
           <a:xfrm>
-            <a:off x="381300" y="685800"/>
+            <a:off x="381000" y="685800"/>
             <a:ext cx="6096000" cy="3429000"/>
           </a:xfrm>
           <a:custGeom>
-            <a:rect b="b" l="l" r="r" t="t"/>
+            <a:avLst/>
+            <a:gdLst/>
+            <a:ahLst/>
+            <a:cxnLst/>
+            <a:rect l="l" t="t" r="r" b="b"/>
             <a:pathLst>
-              <a:path extrusionOk="0" h="120000" w="120000">
+              <a:path w="120000" h="120000" extrusionOk="0">
                 <a:moveTo>
                   <a:pt x="0" y="0"/>
                 </a:moveTo>
@@ -1055,9 +1105,11 @@
       <p:sp>
         <p:nvSpPr>
           <p:cNvPr id="146" name="Google Shape;146;g6d4308dbce_0_10:notes"/>
-          <p:cNvSpPr txBox="1"/>
+          <p:cNvSpPr txBox="1">
+            <a:spLocks noGrp="1"/>
+          </p:cNvSpPr>
           <p:nvPr>
-            <p:ph idx="1" type="body"/>
+            <p:ph type="body" idx="1"/>
           </p:nvPr>
         </p:nvSpPr>
         <p:spPr>
@@ -1070,12 +1122,12 @@
           </a:prstGeom>
         </p:spPr>
         <p:txBody>
-          <a:bodyPr anchorCtr="0" anchor="t" bIns="91425" lIns="91425" spcFirstLastPara="1" rIns="91425" wrap="square" tIns="91425">
+          <a:bodyPr spcFirstLastPara="1" wrap="square" lIns="91425" tIns="91425" rIns="91425" bIns="91425" anchor="t" anchorCtr="0">
             <a:noAutofit/>
           </a:bodyPr>
           <a:lstStyle/>
           <a:p>
-            <a:pPr indent="0" lvl="0" marL="0" rtl="0" algn="l">
+            <a:pPr marL="0" lvl="0" indent="0" algn="l" rtl="0">
               <a:spcBef>
                 <a:spcPts val="0"/>
               </a:spcBef>
@@ -1084,9 +1136,6 @@
               </a:spcAft>
               <a:buNone/>
             </a:pPr>
-            <a:r>
-              <a:t/>
-            </a:r>
             <a:endParaRPr/>
           </a:p>
         </p:txBody>
@@ -1100,11 +1149,11 @@
 </file>
 
 <file path=ppt/notesSlides/notesSlide5.xml><?xml version="1.0" encoding="utf-8"?>
-<p:notes xmlns:a="http://schemas.openxmlformats.org/drawingml/2006/main" xmlns:r="http://schemas.openxmlformats.org/officeDocument/2006/relationships" xmlns:mc="http://schemas.openxmlformats.org/markup-compatibility/2006" xmlns:mv="urn:schemas-microsoft-com:mac:vml" xmlns:p="http://schemas.openxmlformats.org/presentationml/2006/main" xmlns:c="http://schemas.openxmlformats.org/drawingml/2006/chart" xmlns:dgm="http://schemas.openxmlformats.org/drawingml/2006/diagram" xmlns:o="urn:schemas-microsoft-com:office:office" xmlns:v="urn:schemas-microsoft-com:vml" xmlns:pvml="urn:schemas-microsoft-com:office:powerpoint" xmlns:com="http://schemas.openxmlformats.org/drawingml/2006/compatibility" xmlns:p14="http://schemas.microsoft.com/office/powerpoint/2010/main" xmlns:p15="http://schemas.microsoft.com/office/powerpoint/2012/main" xmlns:ahyp="http://schemas.microsoft.com/office/drawing/2018/hyperlinkcolor" showMasterPhAnim="0" showMasterSp="0">
+<p:notes xmlns:a="http://schemas.openxmlformats.org/drawingml/2006/main" xmlns:r="http://schemas.openxmlformats.org/officeDocument/2006/relationships" xmlns:p="http://schemas.openxmlformats.org/presentationml/2006/main" showMasterSp="0" showMasterPhAnim="0">
   <p:cSld>
     <p:spTree>
       <p:nvGrpSpPr>
-        <p:cNvPr id="153" name="Shape 153"/>
+        <p:cNvPr id="1" name="Shape 153"/>
         <p:cNvGrpSpPr/>
         <p:nvPr/>
       </p:nvGrpSpPr>
@@ -1119,20 +1168,26 @@
       <p:sp>
         <p:nvSpPr>
           <p:cNvPr id="154" name="Google Shape;154;g6d4308dbce_0_15:notes"/>
-          <p:cNvSpPr/>
+          <p:cNvSpPr>
+            <a:spLocks noGrp="1" noRot="1" noChangeAspect="1"/>
+          </p:cNvSpPr>
           <p:nvPr>
-            <p:ph idx="2" type="sldImg"/>
+            <p:ph type="sldImg" idx="2"/>
           </p:nvPr>
         </p:nvSpPr>
         <p:spPr>
           <a:xfrm>
-            <a:off x="381300" y="685800"/>
+            <a:off x="381000" y="685800"/>
             <a:ext cx="6096000" cy="3429000"/>
           </a:xfrm>
           <a:custGeom>
-            <a:rect b="b" l="l" r="r" t="t"/>
+            <a:avLst/>
+            <a:gdLst/>
+            <a:ahLst/>
+            <a:cxnLst/>
+            <a:rect l="l" t="t" r="r" b="b"/>
             <a:pathLst>
-              <a:path extrusionOk="0" h="120000" w="120000">
+              <a:path w="120000" h="120000" extrusionOk="0">
                 <a:moveTo>
                   <a:pt x="0" y="0"/>
                 </a:moveTo>
@@ -1154,9 +1209,11 @@
       <p:sp>
         <p:nvSpPr>
           <p:cNvPr id="155" name="Google Shape;155;g6d4308dbce_0_15:notes"/>
-          <p:cNvSpPr txBox="1"/>
+          <p:cNvSpPr txBox="1">
+            <a:spLocks noGrp="1"/>
+          </p:cNvSpPr>
           <p:nvPr>
-            <p:ph idx="1" type="body"/>
+            <p:ph type="body" idx="1"/>
           </p:nvPr>
         </p:nvSpPr>
         <p:spPr>
@@ -1169,12 +1226,12 @@
           </a:prstGeom>
         </p:spPr>
         <p:txBody>
-          <a:bodyPr anchorCtr="0" anchor="t" bIns="91425" lIns="91425" spcFirstLastPara="1" rIns="91425" wrap="square" tIns="91425">
+          <a:bodyPr spcFirstLastPara="1" wrap="square" lIns="91425" tIns="91425" rIns="91425" bIns="91425" anchor="t" anchorCtr="0">
             <a:noAutofit/>
           </a:bodyPr>
           <a:lstStyle/>
           <a:p>
-            <a:pPr indent="0" lvl="0" marL="0" rtl="0" algn="l">
+            <a:pPr marL="0" lvl="0" indent="0" algn="l" rtl="0">
               <a:spcBef>
                 <a:spcPts val="0"/>
               </a:spcBef>
@@ -1183,9 +1240,6 @@
               </a:spcAft>
               <a:buNone/>
             </a:pPr>
-            <a:r>
-              <a:t/>
-            </a:r>
             <a:endParaRPr/>
           </a:p>
         </p:txBody>
@@ -1199,11 +1253,11 @@
 </file>
 
 <file path=ppt/notesSlides/notesSlide6.xml><?xml version="1.0" encoding="utf-8"?>
-<p:notes xmlns:a="http://schemas.openxmlformats.org/drawingml/2006/main" xmlns:r="http://schemas.openxmlformats.org/officeDocument/2006/relationships" xmlns:mc="http://schemas.openxmlformats.org/markup-compatibility/2006" xmlns:mv="urn:schemas-microsoft-com:mac:vml" xmlns:p="http://schemas.openxmlformats.org/presentationml/2006/main" xmlns:c="http://schemas.openxmlformats.org/drawingml/2006/chart" xmlns:dgm="http://schemas.openxmlformats.org/drawingml/2006/diagram" xmlns:o="urn:schemas-microsoft-com:office:office" xmlns:v="urn:schemas-microsoft-com:vml" xmlns:pvml="urn:schemas-microsoft-com:office:powerpoint" xmlns:com="http://schemas.openxmlformats.org/drawingml/2006/compatibility" xmlns:p14="http://schemas.microsoft.com/office/powerpoint/2010/main" xmlns:p15="http://schemas.microsoft.com/office/powerpoint/2012/main" xmlns:ahyp="http://schemas.microsoft.com/office/drawing/2018/hyperlinkcolor" showMasterPhAnim="0" showMasterSp="0">
+<p:notes xmlns:a="http://schemas.openxmlformats.org/drawingml/2006/main" xmlns:r="http://schemas.openxmlformats.org/officeDocument/2006/relationships" xmlns:p="http://schemas.openxmlformats.org/presentationml/2006/main" showMasterSp="0" showMasterPhAnim="0">
   <p:cSld>
     <p:spTree>
       <p:nvGrpSpPr>
-        <p:cNvPr id="160" name="Shape 160"/>
+        <p:cNvPr id="1" name="Shape 160"/>
         <p:cNvGrpSpPr/>
         <p:nvPr/>
       </p:nvGrpSpPr>
@@ -1218,20 +1272,26 @@
       <p:sp>
         <p:nvSpPr>
           <p:cNvPr id="161" name="Google Shape;161;g6d4308dbce_0_20:notes"/>
-          <p:cNvSpPr/>
+          <p:cNvSpPr>
+            <a:spLocks noGrp="1" noRot="1" noChangeAspect="1"/>
+          </p:cNvSpPr>
           <p:nvPr>
-            <p:ph idx="2" type="sldImg"/>
+            <p:ph type="sldImg" idx="2"/>
           </p:nvPr>
         </p:nvSpPr>
         <p:spPr>
           <a:xfrm>
-            <a:off x="381300" y="685800"/>
+            <a:off x="381000" y="685800"/>
             <a:ext cx="6096000" cy="3429000"/>
           </a:xfrm>
           <a:custGeom>
-            <a:rect b="b" l="l" r="r" t="t"/>
+            <a:avLst/>
+            <a:gdLst/>
+            <a:ahLst/>
+            <a:cxnLst/>
+            <a:rect l="l" t="t" r="r" b="b"/>
             <a:pathLst>
-              <a:path extrusionOk="0" h="120000" w="120000">
+              <a:path w="120000" h="120000" extrusionOk="0">
                 <a:moveTo>
                   <a:pt x="0" y="0"/>
                 </a:moveTo>
@@ -1253,9 +1313,11 @@
       <p:sp>
         <p:nvSpPr>
           <p:cNvPr id="162" name="Google Shape;162;g6d4308dbce_0_20:notes"/>
-          <p:cNvSpPr txBox="1"/>
+          <p:cNvSpPr txBox="1">
+            <a:spLocks noGrp="1"/>
+          </p:cNvSpPr>
           <p:nvPr>
-            <p:ph idx="1" type="body"/>
+            <p:ph type="body" idx="1"/>
           </p:nvPr>
         </p:nvSpPr>
         <p:spPr>
@@ -1268,12 +1330,12 @@
           </a:prstGeom>
         </p:spPr>
         <p:txBody>
-          <a:bodyPr anchorCtr="0" anchor="t" bIns="91425" lIns="91425" spcFirstLastPara="1" rIns="91425" wrap="square" tIns="91425">
+          <a:bodyPr spcFirstLastPara="1" wrap="square" lIns="91425" tIns="91425" rIns="91425" bIns="91425" anchor="t" anchorCtr="0">
             <a:noAutofit/>
           </a:bodyPr>
           <a:lstStyle/>
           <a:p>
-            <a:pPr indent="0" lvl="0" marL="0" rtl="0" algn="l">
+            <a:pPr marL="0" lvl="0" indent="0" algn="l" rtl="0">
               <a:spcBef>
                 <a:spcPts val="0"/>
               </a:spcBef>
@@ -1282,9 +1344,6 @@
               </a:spcAft>
               <a:buNone/>
             </a:pPr>
-            <a:r>
-              <a:t/>
-            </a:r>
             <a:endParaRPr/>
           </a:p>
         </p:txBody>
@@ -1298,11 +1357,11 @@
 </file>
 
 <file path=ppt/notesSlides/notesSlide7.xml><?xml version="1.0" encoding="utf-8"?>
-<p:notes xmlns:a="http://schemas.openxmlformats.org/drawingml/2006/main" xmlns:r="http://schemas.openxmlformats.org/officeDocument/2006/relationships" xmlns:mc="http://schemas.openxmlformats.org/markup-compatibility/2006" xmlns:mv="urn:schemas-microsoft-com:mac:vml" xmlns:p="http://schemas.openxmlformats.org/presentationml/2006/main" xmlns:c="http://schemas.openxmlformats.org/drawingml/2006/chart" xmlns:dgm="http://schemas.openxmlformats.org/drawingml/2006/diagram" xmlns:o="urn:schemas-microsoft-com:office:office" xmlns:v="urn:schemas-microsoft-com:vml" xmlns:pvml="urn:schemas-microsoft-com:office:powerpoint" xmlns:com="http://schemas.openxmlformats.org/drawingml/2006/compatibility" xmlns:p14="http://schemas.microsoft.com/office/powerpoint/2010/main" xmlns:p15="http://schemas.microsoft.com/office/powerpoint/2012/main" xmlns:ahyp="http://schemas.microsoft.com/office/drawing/2018/hyperlinkcolor" showMasterPhAnim="0" showMasterSp="0">
+<p:notes xmlns:a="http://schemas.openxmlformats.org/drawingml/2006/main" xmlns:r="http://schemas.openxmlformats.org/officeDocument/2006/relationships" xmlns:p="http://schemas.openxmlformats.org/presentationml/2006/main" showMasterSp="0" showMasterPhAnim="0">
   <p:cSld>
     <p:spTree>
       <p:nvGrpSpPr>
-        <p:cNvPr id="168" name="Shape 168"/>
+        <p:cNvPr id="1" name="Shape 168"/>
         <p:cNvGrpSpPr/>
         <p:nvPr/>
       </p:nvGrpSpPr>
@@ -1317,20 +1376,26 @@
       <p:sp>
         <p:nvSpPr>
           <p:cNvPr id="169" name="Google Shape;169;g6d4308dbce_0_25:notes"/>
-          <p:cNvSpPr/>
+          <p:cNvSpPr>
+            <a:spLocks noGrp="1" noRot="1" noChangeAspect="1"/>
+          </p:cNvSpPr>
           <p:nvPr>
-            <p:ph idx="2" type="sldImg"/>
+            <p:ph type="sldImg" idx="2"/>
           </p:nvPr>
         </p:nvSpPr>
         <p:spPr>
           <a:xfrm>
-            <a:off x="381300" y="685800"/>
+            <a:off x="381000" y="685800"/>
             <a:ext cx="6096000" cy="3429000"/>
           </a:xfrm>
           <a:custGeom>
-            <a:rect b="b" l="l" r="r" t="t"/>
+            <a:avLst/>
+            <a:gdLst/>
+            <a:ahLst/>
+            <a:cxnLst/>
+            <a:rect l="l" t="t" r="r" b="b"/>
             <a:pathLst>
-              <a:path extrusionOk="0" h="120000" w="120000">
+              <a:path w="120000" h="120000" extrusionOk="0">
                 <a:moveTo>
                   <a:pt x="0" y="0"/>
                 </a:moveTo>
@@ -1352,9 +1417,11 @@
       <p:sp>
         <p:nvSpPr>
           <p:cNvPr id="170" name="Google Shape;170;g6d4308dbce_0_25:notes"/>
-          <p:cNvSpPr txBox="1"/>
+          <p:cNvSpPr txBox="1">
+            <a:spLocks noGrp="1"/>
+          </p:cNvSpPr>
           <p:nvPr>
-            <p:ph idx="1" type="body"/>
+            <p:ph type="body" idx="1"/>
           </p:nvPr>
         </p:nvSpPr>
         <p:spPr>
@@ -1367,12 +1434,12 @@
           </a:prstGeom>
         </p:spPr>
         <p:txBody>
-          <a:bodyPr anchorCtr="0" anchor="t" bIns="91425" lIns="91425" spcFirstLastPara="1" rIns="91425" wrap="square" tIns="91425">
+          <a:bodyPr spcFirstLastPara="1" wrap="square" lIns="91425" tIns="91425" rIns="91425" bIns="91425" anchor="t" anchorCtr="0">
             <a:noAutofit/>
           </a:bodyPr>
           <a:lstStyle/>
           <a:p>
-            <a:pPr indent="0" lvl="0" marL="0" rtl="0" algn="l">
+            <a:pPr marL="0" lvl="0" indent="0" algn="l" rtl="0">
               <a:spcBef>
                 <a:spcPts val="0"/>
               </a:spcBef>
@@ -1381,9 +1448,6 @@
               </a:spcAft>
               <a:buNone/>
             </a:pPr>
-            <a:r>
-              <a:t/>
-            </a:r>
             <a:endParaRPr/>
           </a:p>
         </p:txBody>
@@ -1397,11 +1461,11 @@
 </file>
 
 <file path=ppt/notesSlides/notesSlide8.xml><?xml version="1.0" encoding="utf-8"?>
-<p:notes xmlns:a="http://schemas.openxmlformats.org/drawingml/2006/main" xmlns:r="http://schemas.openxmlformats.org/officeDocument/2006/relationships" xmlns:mc="http://schemas.openxmlformats.org/markup-compatibility/2006" xmlns:mv="urn:schemas-microsoft-com:mac:vml" xmlns:p="http://schemas.openxmlformats.org/presentationml/2006/main" xmlns:c="http://schemas.openxmlformats.org/drawingml/2006/chart" xmlns:dgm="http://schemas.openxmlformats.org/drawingml/2006/diagram" xmlns:o="urn:schemas-microsoft-com:office:office" xmlns:v="urn:schemas-microsoft-com:vml" xmlns:pvml="urn:schemas-microsoft-com:office:powerpoint" xmlns:com="http://schemas.openxmlformats.org/drawingml/2006/compatibility" xmlns:p14="http://schemas.microsoft.com/office/powerpoint/2010/main" xmlns:p15="http://schemas.microsoft.com/office/powerpoint/2012/main" xmlns:ahyp="http://schemas.microsoft.com/office/drawing/2018/hyperlinkcolor" showMasterPhAnim="0" showMasterSp="0">
+<p:notes xmlns:a="http://schemas.openxmlformats.org/drawingml/2006/main" xmlns:r="http://schemas.openxmlformats.org/officeDocument/2006/relationships" xmlns:p="http://schemas.openxmlformats.org/presentationml/2006/main" showMasterSp="0" showMasterPhAnim="0">
   <p:cSld>
     <p:spTree>
       <p:nvGrpSpPr>
-        <p:cNvPr id="174" name="Shape 174"/>
+        <p:cNvPr id="1" name="Shape 174"/>
         <p:cNvGrpSpPr/>
         <p:nvPr/>
       </p:nvGrpSpPr>
@@ -1416,20 +1480,26 @@
       <p:sp>
         <p:nvSpPr>
           <p:cNvPr id="175" name="Google Shape;175;g6d4308dbce_0_30:notes"/>
-          <p:cNvSpPr/>
+          <p:cNvSpPr>
+            <a:spLocks noGrp="1" noRot="1" noChangeAspect="1"/>
+          </p:cNvSpPr>
           <p:nvPr>
-            <p:ph idx="2" type="sldImg"/>
+            <p:ph type="sldImg" idx="2"/>
           </p:nvPr>
         </p:nvSpPr>
         <p:spPr>
           <a:xfrm>
-            <a:off x="381300" y="685800"/>
+            <a:off x="381000" y="685800"/>
             <a:ext cx="6096000" cy="3429000"/>
           </a:xfrm>
           <a:custGeom>
-            <a:rect b="b" l="l" r="r" t="t"/>
+            <a:avLst/>
+            <a:gdLst/>
+            <a:ahLst/>
+            <a:cxnLst/>
+            <a:rect l="l" t="t" r="r" b="b"/>
             <a:pathLst>
-              <a:path extrusionOk="0" h="120000" w="120000">
+              <a:path w="120000" h="120000" extrusionOk="0">
                 <a:moveTo>
                   <a:pt x="0" y="0"/>
                 </a:moveTo>
@@ -1451,9 +1521,11 @@
       <p:sp>
         <p:nvSpPr>
           <p:cNvPr id="176" name="Google Shape;176;g6d4308dbce_0_30:notes"/>
-          <p:cNvSpPr txBox="1"/>
+          <p:cNvSpPr txBox="1">
+            <a:spLocks noGrp="1"/>
+          </p:cNvSpPr>
           <p:nvPr>
-            <p:ph idx="1" type="body"/>
+            <p:ph type="body" idx="1"/>
           </p:nvPr>
         </p:nvSpPr>
         <p:spPr>
@@ -1466,12 +1538,12 @@
           </a:prstGeom>
         </p:spPr>
         <p:txBody>
-          <a:bodyPr anchorCtr="0" anchor="t" bIns="91425" lIns="91425" spcFirstLastPara="1" rIns="91425" wrap="square" tIns="91425">
+          <a:bodyPr spcFirstLastPara="1" wrap="square" lIns="91425" tIns="91425" rIns="91425" bIns="91425" anchor="t" anchorCtr="0">
             <a:noAutofit/>
           </a:bodyPr>
           <a:lstStyle/>
           <a:p>
-            <a:pPr indent="0" lvl="0" marL="0" rtl="0" algn="l">
+            <a:pPr marL="0" lvl="0" indent="0" algn="l" rtl="0">
               <a:spcBef>
                 <a:spcPts val="0"/>
               </a:spcBef>
@@ -1480,9 +1552,6 @@
               </a:spcAft>
               <a:buNone/>
             </a:pPr>
-            <a:r>
-              <a:t/>
-            </a:r>
             <a:endParaRPr/>
           </a:p>
         </p:txBody>
@@ -1496,11 +1565,11 @@
 </file>
 
 <file path=ppt/notesSlides/notesSlide9.xml><?xml version="1.0" encoding="utf-8"?>
-<p:notes xmlns:a="http://schemas.openxmlformats.org/drawingml/2006/main" xmlns:r="http://schemas.openxmlformats.org/officeDocument/2006/relationships" xmlns:mc="http://schemas.openxmlformats.org/markup-compatibility/2006" xmlns:mv="urn:schemas-microsoft-com:mac:vml" xmlns:p="http://schemas.openxmlformats.org/presentationml/2006/main" xmlns:c="http://schemas.openxmlformats.org/drawingml/2006/chart" xmlns:dgm="http://schemas.openxmlformats.org/drawingml/2006/diagram" xmlns:o="urn:schemas-microsoft-com:office:office" xmlns:v="urn:schemas-microsoft-com:vml" xmlns:pvml="urn:schemas-microsoft-com:office:powerpoint" xmlns:com="http://schemas.openxmlformats.org/drawingml/2006/compatibility" xmlns:p14="http://schemas.microsoft.com/office/powerpoint/2010/main" xmlns:p15="http://schemas.microsoft.com/office/powerpoint/2012/main" xmlns:ahyp="http://schemas.microsoft.com/office/drawing/2018/hyperlinkcolor" showMasterPhAnim="0" showMasterSp="0">
+<p:notes xmlns:a="http://schemas.openxmlformats.org/drawingml/2006/main" xmlns:r="http://schemas.openxmlformats.org/officeDocument/2006/relationships" xmlns:p="http://schemas.openxmlformats.org/presentationml/2006/main" showMasterSp="0" showMasterPhAnim="0">
   <p:cSld>
     <p:spTree>
       <p:nvGrpSpPr>
-        <p:cNvPr id="182" name="Shape 182"/>
+        <p:cNvPr id="1" name="Shape 182"/>
         <p:cNvGrpSpPr/>
         <p:nvPr/>
       </p:nvGrpSpPr>
@@ -1515,20 +1584,26 @@
       <p:sp>
         <p:nvSpPr>
           <p:cNvPr id="183" name="Google Shape;183;gd034c88904_1_31:notes"/>
-          <p:cNvSpPr/>
+          <p:cNvSpPr>
+            <a:spLocks noGrp="1" noRot="1" noChangeAspect="1"/>
+          </p:cNvSpPr>
           <p:nvPr>
-            <p:ph idx="2" type="sldImg"/>
+            <p:ph type="sldImg" idx="2"/>
           </p:nvPr>
         </p:nvSpPr>
         <p:spPr>
           <a:xfrm>
-            <a:off x="381300" y="685800"/>
+            <a:off x="381000" y="685800"/>
             <a:ext cx="6096000" cy="3429000"/>
           </a:xfrm>
           <a:custGeom>
-            <a:rect b="b" l="l" r="r" t="t"/>
+            <a:avLst/>
+            <a:gdLst/>
+            <a:ahLst/>
+            <a:cxnLst/>
+            <a:rect l="l" t="t" r="r" b="b"/>
             <a:pathLst>
-              <a:path extrusionOk="0" h="120000" w="120000">
+              <a:path w="120000" h="120000" extrusionOk="0">
                 <a:moveTo>
                   <a:pt x="0" y="0"/>
                 </a:moveTo>
@@ -1550,9 +1625,11 @@
       <p:sp>
         <p:nvSpPr>
           <p:cNvPr id="184" name="Google Shape;184;gd034c88904_1_31:notes"/>
-          <p:cNvSpPr txBox="1"/>
+          <p:cNvSpPr txBox="1">
+            <a:spLocks noGrp="1"/>
+          </p:cNvSpPr>
           <p:nvPr>
-            <p:ph idx="1" type="body"/>
+            <p:ph type="body" idx="1"/>
           </p:nvPr>
         </p:nvSpPr>
         <p:spPr>
@@ -1565,12 +1642,12 @@
           </a:prstGeom>
         </p:spPr>
         <p:txBody>
-          <a:bodyPr anchorCtr="0" anchor="t" bIns="91425" lIns="91425" spcFirstLastPara="1" rIns="91425" wrap="square" tIns="91425">
+          <a:bodyPr spcFirstLastPara="1" wrap="square" lIns="91425" tIns="91425" rIns="91425" bIns="91425" anchor="t" anchorCtr="0">
             <a:noAutofit/>
           </a:bodyPr>
           <a:lstStyle/>
           <a:p>
-            <a:pPr indent="0" lvl="0" marL="0" rtl="0" algn="l">
+            <a:pPr marL="0" lvl="0" indent="0" algn="l" rtl="0">
               <a:spcBef>
                 <a:spcPts val="0"/>
               </a:spcBef>
@@ -1579,10 +1656,7 @@
               </a:spcAft>
               <a:buNone/>
             </a:pPr>
-            <a:r>
-              <a:t/>
-            </a:r>
-            <a:endParaRPr/>
+            <a:endParaRPr dirty="0"/>
           </a:p>
         </p:txBody>
       </p:sp>
@@ -1595,18 +1669,19 @@
 </file>
 
 <file path=ppt/slideLayouts/slideLayout1.xml><?xml version="1.0" encoding="utf-8"?>
-<p:sldLayout xmlns:a="http://schemas.openxmlformats.org/drawingml/2006/main" xmlns:r="http://schemas.openxmlformats.org/officeDocument/2006/relationships" xmlns:mc="http://schemas.openxmlformats.org/markup-compatibility/2006" xmlns:mv="urn:schemas-microsoft-com:mac:vml" xmlns:p="http://schemas.openxmlformats.org/presentationml/2006/main" xmlns:c="http://schemas.openxmlformats.org/drawingml/2006/chart" xmlns:dgm="http://schemas.openxmlformats.org/drawingml/2006/diagram" xmlns:o="urn:schemas-microsoft-com:office:office" xmlns:v="urn:schemas-microsoft-com:vml" xmlns:pvml="urn:schemas-microsoft-com:office:powerpoint" xmlns:com="http://schemas.openxmlformats.org/drawingml/2006/compatibility" xmlns:p14="http://schemas.microsoft.com/office/powerpoint/2010/main" xmlns:p15="http://schemas.microsoft.com/office/powerpoint/2012/main" xmlns:ahyp="http://schemas.microsoft.com/office/drawing/2018/hyperlinkcolor" matchingName="Title slide" type="title">
+<p:sldLayout xmlns:a="http://schemas.openxmlformats.org/drawingml/2006/main" xmlns:r="http://schemas.openxmlformats.org/officeDocument/2006/relationships" xmlns:p="http://schemas.openxmlformats.org/presentationml/2006/main" matchingName="Title slide" type="title">
   <p:cSld name="TITLE">
     <p:bg>
       <p:bgPr>
         <a:solidFill>
           <a:schemeClr val="accent6"/>
         </a:solidFill>
+        <a:effectLst/>
       </p:bgPr>
     </p:bg>
     <p:spTree>
       <p:nvGrpSpPr>
-        <p:cNvPr id="9" name="Shape 9"/>
+        <p:cNvPr id="1" name="Shape 9"/>
         <p:cNvGrpSpPr/>
         <p:nvPr/>
       </p:nvGrpSpPr>
@@ -1640,12 +1715,12 @@
           </a:ln>
         </p:spPr>
         <p:txBody>
-          <a:bodyPr anchorCtr="0" anchor="ctr" bIns="91425" lIns="91425" spcFirstLastPara="1" rIns="91425" wrap="square" tIns="91425">
+          <a:bodyPr spcFirstLastPara="1" wrap="square" lIns="91425" tIns="91425" rIns="91425" bIns="91425" anchor="ctr" anchorCtr="0">
             <a:noAutofit/>
           </a:bodyPr>
           <a:lstStyle/>
           <a:p>
-            <a:pPr indent="0" lvl="0" marL="0" rtl="0" algn="l">
+            <a:pPr marL="0" lvl="0" indent="0" algn="l" rtl="0">
               <a:spcBef>
                 <a:spcPts val="0"/>
               </a:spcBef>
@@ -1654,9 +1729,6 @@
               </a:spcAft>
               <a:buNone/>
             </a:pPr>
-            <a:r>
-              <a:t/>
-            </a:r>
             <a:endParaRPr/>
           </a:p>
         </p:txBody>
@@ -1683,12 +1755,12 @@
           </a:ln>
         </p:spPr>
         <p:txBody>
-          <a:bodyPr anchorCtr="0" anchor="ctr" bIns="91425" lIns="91425" spcFirstLastPara="1" rIns="91425" wrap="square" tIns="91425">
+          <a:bodyPr spcFirstLastPara="1" wrap="square" lIns="91425" tIns="91425" rIns="91425" bIns="91425" anchor="ctr" anchorCtr="0">
             <a:noAutofit/>
           </a:bodyPr>
           <a:lstStyle/>
           <a:p>
-            <a:pPr indent="0" lvl="0" marL="0" rtl="0" algn="l">
+            <a:pPr marL="0" lvl="0" indent="0" algn="l" rtl="0">
               <a:spcBef>
                 <a:spcPts val="0"/>
               </a:spcBef>
@@ -1697,9 +1769,6 @@
               </a:spcAft>
               <a:buNone/>
             </a:pPr>
-            <a:r>
-              <a:t/>
-            </a:r>
             <a:endParaRPr/>
           </a:p>
         </p:txBody>
@@ -1726,12 +1795,12 @@
           </a:ln>
         </p:spPr>
         <p:txBody>
-          <a:bodyPr anchorCtr="0" anchor="ctr" bIns="91425" lIns="91425" spcFirstLastPara="1" rIns="91425" wrap="square" tIns="91425">
+          <a:bodyPr spcFirstLastPara="1" wrap="square" lIns="91425" tIns="91425" rIns="91425" bIns="91425" anchor="ctr" anchorCtr="0">
             <a:noAutofit/>
           </a:bodyPr>
           <a:lstStyle/>
           <a:p>
-            <a:pPr indent="0" lvl="0" marL="0" rtl="0" algn="l">
+            <a:pPr marL="0" lvl="0" indent="0" algn="l" rtl="0">
               <a:spcBef>
                 <a:spcPts val="0"/>
               </a:spcBef>
@@ -1740,9 +1809,6 @@
               </a:spcAft>
               <a:buNone/>
             </a:pPr>
-            <a:r>
-              <a:t/>
-            </a:r>
             <a:endParaRPr/>
           </a:p>
         </p:txBody>
@@ -1768,7 +1834,7 @@
             <a:noFill/>
           </a:ln>
           <a:effectLst>
-            <a:outerShdw blurRad="228600" sx="101000" rotWithShape="0" algn="ctr" sy="101000">
+            <a:outerShdw blurRad="228600" sx="101000" sy="101000" algn="ctr" rotWithShape="0">
               <a:srgbClr val="000000">
                 <a:alpha val="40000"/>
               </a:srgbClr>
@@ -1776,12 +1842,12 @@
           </a:effectLst>
         </p:spPr>
         <p:txBody>
-          <a:bodyPr anchorCtr="0" anchor="ctr" bIns="91425" lIns="91425" spcFirstLastPara="1" rIns="91425" wrap="square" tIns="91425">
+          <a:bodyPr spcFirstLastPara="1" wrap="square" lIns="91425" tIns="91425" rIns="91425" bIns="91425" anchor="ctr" anchorCtr="0">
             <a:noAutofit/>
           </a:bodyPr>
           <a:lstStyle/>
           <a:p>
-            <a:pPr indent="0" lvl="0" marL="0" rtl="0" algn="l">
+            <a:pPr marL="0" lvl="0" indent="0" algn="l" rtl="0">
               <a:spcBef>
                 <a:spcPts val="0"/>
               </a:spcBef>
@@ -1790,9 +1856,6 @@
               </a:spcAft>
               <a:buNone/>
             </a:pPr>
-            <a:r>
-              <a:t/>
-            </a:r>
             <a:endParaRPr/>
           </a:p>
         </p:txBody>
@@ -1824,7 +1887,7 @@
             </a:xfrm>
             <a:prstGeom prst="parallelogram">
               <a:avLst>
-                <a:gd fmla="val 153193" name="adj"/>
+                <a:gd name="adj" fmla="val 153193"/>
               </a:avLst>
             </a:prstGeom>
             <a:solidFill>
@@ -1835,12 +1898,12 @@
             </a:ln>
           </p:spPr>
           <p:txBody>
-            <a:bodyPr anchorCtr="0" anchor="ctr" bIns="91425" lIns="91425" spcFirstLastPara="1" rIns="91425" wrap="square" tIns="91425">
+            <a:bodyPr spcFirstLastPara="1" wrap="square" lIns="91425" tIns="91425" rIns="91425" bIns="91425" anchor="ctr" anchorCtr="0">
               <a:noAutofit/>
             </a:bodyPr>
             <a:lstStyle/>
             <a:p>
-              <a:pPr indent="0" lvl="0" marL="0" rtl="0" algn="l">
+              <a:pPr marL="0" lvl="0" indent="0" algn="l" rtl="0">
                 <a:spcBef>
                   <a:spcPts val="0"/>
                 </a:spcBef>
@@ -1849,9 +1912,6 @@
                 </a:spcAft>
                 <a:buNone/>
               </a:pPr>
-              <a:r>
-                <a:t/>
-              </a:r>
               <a:endParaRPr/>
             </a:p>
           </p:txBody>
@@ -1869,7 +1929,7 @@
             </a:xfrm>
             <a:prstGeom prst="parallelogram">
               <a:avLst>
-                <a:gd fmla="val 153193" name="adj"/>
+                <a:gd name="adj" fmla="val 153193"/>
               </a:avLst>
             </a:prstGeom>
             <a:solidFill>
@@ -1880,12 +1940,12 @@
             </a:ln>
           </p:spPr>
           <p:txBody>
-            <a:bodyPr anchorCtr="0" anchor="ctr" bIns="91425" lIns="91425" spcFirstLastPara="1" rIns="91425" wrap="square" tIns="91425">
+            <a:bodyPr spcFirstLastPara="1" wrap="square" lIns="91425" tIns="91425" rIns="91425" bIns="91425" anchor="ctr" anchorCtr="0">
               <a:noAutofit/>
             </a:bodyPr>
             <a:lstStyle/>
             <a:p>
-              <a:pPr indent="0" lvl="0" marL="0" rtl="0" algn="l">
+              <a:pPr marL="0" lvl="0" indent="0" algn="l" rtl="0">
                 <a:spcBef>
                   <a:spcPts val="0"/>
                 </a:spcBef>
@@ -1894,9 +1954,6 @@
                 </a:spcAft>
                 <a:buNone/>
               </a:pPr>
-              <a:r>
-                <a:t/>
-              </a:r>
               <a:endParaRPr/>
             </a:p>
           </p:txBody>
@@ -1914,7 +1971,7 @@
             </a:xfrm>
             <a:prstGeom prst="parallelogram">
               <a:avLst>
-                <a:gd fmla="val 153193" name="adj"/>
+                <a:gd name="adj" fmla="val 153193"/>
               </a:avLst>
             </a:prstGeom>
             <a:solidFill>
@@ -1925,12 +1982,12 @@
             </a:ln>
           </p:spPr>
           <p:txBody>
-            <a:bodyPr anchorCtr="0" anchor="ctr" bIns="91425" lIns="91425" spcFirstLastPara="1" rIns="91425" wrap="square" tIns="91425">
+            <a:bodyPr spcFirstLastPara="1" wrap="square" lIns="91425" tIns="91425" rIns="91425" bIns="91425" anchor="ctr" anchorCtr="0">
               <a:noAutofit/>
             </a:bodyPr>
             <a:lstStyle/>
             <a:p>
-              <a:pPr indent="0" lvl="0" marL="0" rtl="0" algn="l">
+              <a:pPr marL="0" lvl="0" indent="0" algn="l" rtl="0">
                 <a:spcBef>
                   <a:spcPts val="0"/>
                 </a:spcBef>
@@ -1939,9 +1996,6 @@
                 </a:spcAft>
                 <a:buNone/>
               </a:pPr>
-              <a:r>
-                <a:t/>
-              </a:r>
               <a:endParaRPr/>
             </a:p>
           </p:txBody>
@@ -1974,7 +2028,7 @@
             </a:xfrm>
             <a:prstGeom prst="parallelogram">
               <a:avLst>
-                <a:gd fmla="val 153193" name="adj"/>
+                <a:gd name="adj" fmla="val 153193"/>
               </a:avLst>
             </a:prstGeom>
             <a:solidFill>
@@ -1985,12 +2039,12 @@
             </a:ln>
           </p:spPr>
           <p:txBody>
-            <a:bodyPr anchorCtr="0" anchor="ctr" bIns="91425" lIns="91425" spcFirstLastPara="1" rIns="91425" wrap="square" tIns="91425">
+            <a:bodyPr spcFirstLastPara="1" wrap="square" lIns="91425" tIns="91425" rIns="91425" bIns="91425" anchor="ctr" anchorCtr="0">
               <a:noAutofit/>
             </a:bodyPr>
             <a:lstStyle/>
             <a:p>
-              <a:pPr indent="0" lvl="0" marL="0" rtl="0" algn="l">
+              <a:pPr marL="0" lvl="0" indent="0" algn="l" rtl="0">
                 <a:spcBef>
                   <a:spcPts val="0"/>
                 </a:spcBef>
@@ -1999,9 +2053,6 @@
                 </a:spcAft>
                 <a:buNone/>
               </a:pPr>
-              <a:r>
-                <a:t/>
-              </a:r>
               <a:endParaRPr/>
             </a:p>
           </p:txBody>
@@ -2019,7 +2070,7 @@
             </a:xfrm>
             <a:prstGeom prst="parallelogram">
               <a:avLst>
-                <a:gd fmla="val 153193" name="adj"/>
+                <a:gd name="adj" fmla="val 153193"/>
               </a:avLst>
             </a:prstGeom>
             <a:solidFill>
@@ -2030,12 +2081,12 @@
             </a:ln>
           </p:spPr>
           <p:txBody>
-            <a:bodyPr anchorCtr="0" anchor="ctr" bIns="91425" lIns="91425" spcFirstLastPara="1" rIns="91425" wrap="square" tIns="91425">
+            <a:bodyPr spcFirstLastPara="1" wrap="square" lIns="91425" tIns="91425" rIns="91425" bIns="91425" anchor="ctr" anchorCtr="0">
               <a:noAutofit/>
             </a:bodyPr>
             <a:lstStyle/>
             <a:p>
-              <a:pPr indent="0" lvl="0" marL="0" rtl="0" algn="l">
+              <a:pPr marL="0" lvl="0" indent="0" algn="l" rtl="0">
                 <a:spcBef>
                   <a:spcPts val="0"/>
                 </a:spcBef>
@@ -2044,9 +2095,6 @@
                 </a:spcAft>
                 <a:buNone/>
               </a:pPr>
-              <a:r>
-                <a:t/>
-              </a:r>
               <a:endParaRPr/>
             </a:p>
           </p:txBody>
@@ -2064,7 +2112,7 @@
             </a:xfrm>
             <a:prstGeom prst="parallelogram">
               <a:avLst>
-                <a:gd fmla="val 153193" name="adj"/>
+                <a:gd name="adj" fmla="val 153193"/>
               </a:avLst>
             </a:prstGeom>
             <a:solidFill>
@@ -2075,12 +2123,12 @@
             </a:ln>
           </p:spPr>
           <p:txBody>
-            <a:bodyPr anchorCtr="0" anchor="ctr" bIns="91425" lIns="91425" spcFirstLastPara="1" rIns="91425" wrap="square" tIns="91425">
+            <a:bodyPr spcFirstLastPara="1" wrap="square" lIns="91425" tIns="91425" rIns="91425" bIns="91425" anchor="ctr" anchorCtr="0">
               <a:noAutofit/>
             </a:bodyPr>
             <a:lstStyle/>
             <a:p>
-              <a:pPr indent="0" lvl="0" marL="0" rtl="0" algn="l">
+              <a:pPr marL="0" lvl="0" indent="0" algn="l" rtl="0">
                 <a:spcBef>
                   <a:spcPts val="0"/>
                 </a:spcBef>
@@ -2089,9 +2137,6 @@
                 </a:spcAft>
                 <a:buNone/>
               </a:pPr>
-              <a:r>
-                <a:t/>
-              </a:r>
               <a:endParaRPr/>
             </a:p>
           </p:txBody>
@@ -2124,7 +2169,7 @@
             </a:xfrm>
             <a:prstGeom prst="parallelogram">
               <a:avLst>
-                <a:gd fmla="val 158024" name="adj"/>
+                <a:gd name="adj" fmla="val 158024"/>
               </a:avLst>
             </a:prstGeom>
             <a:solidFill>
@@ -2135,12 +2180,12 @@
             </a:ln>
           </p:spPr>
           <p:txBody>
-            <a:bodyPr anchorCtr="0" anchor="ctr" bIns="91425" lIns="91425" spcFirstLastPara="1" rIns="91425" wrap="square" tIns="91425">
+            <a:bodyPr spcFirstLastPara="1" wrap="square" lIns="91425" tIns="91425" rIns="91425" bIns="91425" anchor="ctr" anchorCtr="0">
               <a:noAutofit/>
             </a:bodyPr>
             <a:lstStyle/>
             <a:p>
-              <a:pPr indent="0" lvl="0" marL="0" rtl="0" algn="l">
+              <a:pPr marL="0" lvl="0" indent="0" algn="l" rtl="0">
                 <a:spcBef>
                   <a:spcPts val="0"/>
                 </a:spcBef>
@@ -2149,9 +2194,6 @@
                 </a:spcAft>
                 <a:buNone/>
               </a:pPr>
-              <a:r>
-                <a:t/>
-              </a:r>
               <a:endParaRPr/>
             </a:p>
           </p:txBody>
@@ -2169,7 +2211,7 @@
             </a:xfrm>
             <a:prstGeom prst="parallelogram">
               <a:avLst>
-                <a:gd fmla="val 158024" name="adj"/>
+                <a:gd name="adj" fmla="val 158024"/>
               </a:avLst>
             </a:prstGeom>
             <a:solidFill>
@@ -2180,12 +2222,12 @@
             </a:ln>
           </p:spPr>
           <p:txBody>
-            <a:bodyPr anchorCtr="0" anchor="ctr" bIns="91425" lIns="91425" spcFirstLastPara="1" rIns="91425" wrap="square" tIns="91425">
+            <a:bodyPr spcFirstLastPara="1" wrap="square" lIns="91425" tIns="91425" rIns="91425" bIns="91425" anchor="ctr" anchorCtr="0">
               <a:noAutofit/>
             </a:bodyPr>
             <a:lstStyle/>
             <a:p>
-              <a:pPr indent="0" lvl="0" marL="0" rtl="0" algn="l">
+              <a:pPr marL="0" lvl="0" indent="0" algn="l" rtl="0">
                 <a:spcBef>
                   <a:spcPts val="0"/>
                 </a:spcBef>
@@ -2194,9 +2236,6 @@
                 </a:spcAft>
                 <a:buNone/>
               </a:pPr>
-              <a:r>
-                <a:t/>
-              </a:r>
               <a:endParaRPr/>
             </a:p>
           </p:txBody>
@@ -2214,7 +2253,7 @@
             </a:xfrm>
             <a:prstGeom prst="parallelogram">
               <a:avLst>
-                <a:gd fmla="val 158024" name="adj"/>
+                <a:gd name="adj" fmla="val 158024"/>
               </a:avLst>
             </a:prstGeom>
             <a:solidFill>
@@ -2225,12 +2264,12 @@
             </a:ln>
           </p:spPr>
           <p:txBody>
-            <a:bodyPr anchorCtr="0" anchor="ctr" bIns="91425" lIns="91425" spcFirstLastPara="1" rIns="91425" wrap="square" tIns="91425">
+            <a:bodyPr spcFirstLastPara="1" wrap="square" lIns="91425" tIns="91425" rIns="91425" bIns="91425" anchor="ctr" anchorCtr="0">
               <a:noAutofit/>
             </a:bodyPr>
             <a:lstStyle/>
             <a:p>
-              <a:pPr indent="0" lvl="0" marL="0" rtl="0" algn="l">
+              <a:pPr marL="0" lvl="0" indent="0" algn="l" rtl="0">
                 <a:spcBef>
                   <a:spcPts val="0"/>
                 </a:spcBef>
@@ -2239,9 +2278,6 @@
                 </a:spcAft>
                 <a:buNone/>
               </a:pPr>
-              <a:r>
-                <a:t/>
-              </a:r>
               <a:endParaRPr/>
             </a:p>
           </p:txBody>
@@ -2274,7 +2310,7 @@
             </a:xfrm>
             <a:prstGeom prst="parallelogram">
               <a:avLst>
-                <a:gd fmla="val 158024" name="adj"/>
+                <a:gd name="adj" fmla="val 158024"/>
               </a:avLst>
             </a:prstGeom>
             <a:solidFill>
@@ -2285,12 +2321,12 @@
             </a:ln>
           </p:spPr>
           <p:txBody>
-            <a:bodyPr anchorCtr="0" anchor="ctr" bIns="91425" lIns="91425" spcFirstLastPara="1" rIns="91425" wrap="square" tIns="91425">
+            <a:bodyPr spcFirstLastPara="1" wrap="square" lIns="91425" tIns="91425" rIns="91425" bIns="91425" anchor="ctr" anchorCtr="0">
               <a:noAutofit/>
             </a:bodyPr>
             <a:lstStyle/>
             <a:p>
-              <a:pPr indent="0" lvl="0" marL="0" rtl="0" algn="l">
+              <a:pPr marL="0" lvl="0" indent="0" algn="l" rtl="0">
                 <a:spcBef>
                   <a:spcPts val="0"/>
                 </a:spcBef>
@@ -2299,9 +2335,6 @@
                 </a:spcAft>
                 <a:buNone/>
               </a:pPr>
-              <a:r>
-                <a:t/>
-              </a:r>
               <a:endParaRPr/>
             </a:p>
           </p:txBody>
@@ -2319,7 +2352,7 @@
             </a:xfrm>
             <a:prstGeom prst="parallelogram">
               <a:avLst>
-                <a:gd fmla="val 158024" name="adj"/>
+                <a:gd name="adj" fmla="val 158024"/>
               </a:avLst>
             </a:prstGeom>
             <a:solidFill>
@@ -2330,12 +2363,12 @@
             </a:ln>
           </p:spPr>
           <p:txBody>
-            <a:bodyPr anchorCtr="0" anchor="ctr" bIns="91425" lIns="91425" spcFirstLastPara="1" rIns="91425" wrap="square" tIns="91425">
+            <a:bodyPr spcFirstLastPara="1" wrap="square" lIns="91425" tIns="91425" rIns="91425" bIns="91425" anchor="ctr" anchorCtr="0">
               <a:noAutofit/>
             </a:bodyPr>
             <a:lstStyle/>
             <a:p>
-              <a:pPr indent="0" lvl="0" marL="0" rtl="0" algn="l">
+              <a:pPr marL="0" lvl="0" indent="0" algn="l" rtl="0">
                 <a:spcBef>
                   <a:spcPts val="0"/>
                 </a:spcBef>
@@ -2344,9 +2377,6 @@
                 </a:spcAft>
                 <a:buNone/>
               </a:pPr>
-              <a:r>
-                <a:t/>
-              </a:r>
               <a:endParaRPr/>
             </a:p>
           </p:txBody>
@@ -2364,7 +2394,7 @@
             </a:xfrm>
             <a:prstGeom prst="parallelogram">
               <a:avLst>
-                <a:gd fmla="val 158024" name="adj"/>
+                <a:gd name="adj" fmla="val 158024"/>
               </a:avLst>
             </a:prstGeom>
             <a:solidFill>
@@ -2375,12 +2405,12 @@
             </a:ln>
           </p:spPr>
           <p:txBody>
-            <a:bodyPr anchorCtr="0" anchor="ctr" bIns="91425" lIns="91425" spcFirstLastPara="1" rIns="91425" wrap="square" tIns="91425">
+            <a:bodyPr spcFirstLastPara="1" wrap="square" lIns="91425" tIns="91425" rIns="91425" bIns="91425" anchor="ctr" anchorCtr="0">
               <a:noAutofit/>
             </a:bodyPr>
             <a:lstStyle/>
             <a:p>
-              <a:pPr indent="0" lvl="0" marL="0" rtl="0" algn="l">
+              <a:pPr marL="0" lvl="0" indent="0" algn="l" rtl="0">
                 <a:spcBef>
                   <a:spcPts val="0"/>
                 </a:spcBef>
@@ -2389,9 +2419,6 @@
                 </a:spcAft>
                 <a:buNone/>
               </a:pPr>
-              <a:r>
-                <a:t/>
-              </a:r>
               <a:endParaRPr/>
             </a:p>
           </p:txBody>
@@ -2424,7 +2451,7 @@
             </a:xfrm>
             <a:prstGeom prst="parallelogram">
               <a:avLst>
-                <a:gd fmla="val 158024" name="adj"/>
+                <a:gd name="adj" fmla="val 158024"/>
               </a:avLst>
             </a:prstGeom>
             <a:solidFill>
@@ -2435,12 +2462,12 @@
             </a:ln>
           </p:spPr>
           <p:txBody>
-            <a:bodyPr anchorCtr="0" anchor="ctr" bIns="91425" lIns="91425" spcFirstLastPara="1" rIns="91425" wrap="square" tIns="91425">
+            <a:bodyPr spcFirstLastPara="1" wrap="square" lIns="91425" tIns="91425" rIns="91425" bIns="91425" anchor="ctr" anchorCtr="0">
               <a:noAutofit/>
             </a:bodyPr>
             <a:lstStyle/>
             <a:p>
-              <a:pPr indent="0" lvl="0" marL="0" rtl="0" algn="l">
+              <a:pPr marL="0" lvl="0" indent="0" algn="l" rtl="0">
                 <a:spcBef>
                   <a:spcPts val="0"/>
                 </a:spcBef>
@@ -2449,9 +2476,6 @@
                 </a:spcAft>
                 <a:buNone/>
               </a:pPr>
-              <a:r>
-                <a:t/>
-              </a:r>
               <a:endParaRPr/>
             </a:p>
           </p:txBody>
@@ -2469,7 +2493,7 @@
             </a:xfrm>
             <a:prstGeom prst="parallelogram">
               <a:avLst>
-                <a:gd fmla="val 158024" name="adj"/>
+                <a:gd name="adj" fmla="val 158024"/>
               </a:avLst>
             </a:prstGeom>
             <a:solidFill>
@@ -2480,12 +2504,12 @@
             </a:ln>
           </p:spPr>
           <p:txBody>
-            <a:bodyPr anchorCtr="0" anchor="ctr" bIns="91425" lIns="91425" spcFirstLastPara="1" rIns="91425" wrap="square" tIns="91425">
+            <a:bodyPr spcFirstLastPara="1" wrap="square" lIns="91425" tIns="91425" rIns="91425" bIns="91425" anchor="ctr" anchorCtr="0">
               <a:noAutofit/>
             </a:bodyPr>
             <a:lstStyle/>
             <a:p>
-              <a:pPr indent="0" lvl="0" marL="0" rtl="0" algn="l">
+              <a:pPr marL="0" lvl="0" indent="0" algn="l" rtl="0">
                 <a:spcBef>
                   <a:spcPts val="0"/>
                 </a:spcBef>
@@ -2494,9 +2518,6 @@
                 </a:spcAft>
                 <a:buNone/>
               </a:pPr>
-              <a:r>
-                <a:t/>
-              </a:r>
               <a:endParaRPr/>
             </a:p>
           </p:txBody>
@@ -2514,7 +2535,7 @@
             </a:xfrm>
             <a:prstGeom prst="parallelogram">
               <a:avLst>
-                <a:gd fmla="val 158024" name="adj"/>
+                <a:gd name="adj" fmla="val 158024"/>
               </a:avLst>
             </a:prstGeom>
             <a:solidFill>
@@ -2525,12 +2546,12 @@
             </a:ln>
           </p:spPr>
           <p:txBody>
-            <a:bodyPr anchorCtr="0" anchor="ctr" bIns="91425" lIns="91425" spcFirstLastPara="1" rIns="91425" wrap="square" tIns="91425">
+            <a:bodyPr spcFirstLastPara="1" wrap="square" lIns="91425" tIns="91425" rIns="91425" bIns="91425" anchor="ctr" anchorCtr="0">
               <a:noAutofit/>
             </a:bodyPr>
             <a:lstStyle/>
             <a:p>
-              <a:pPr indent="0" lvl="0" marL="0" rtl="0" algn="l">
+              <a:pPr marL="0" lvl="0" indent="0" algn="l" rtl="0">
                 <a:spcBef>
                   <a:spcPts val="0"/>
                 </a:spcBef>
@@ -2539,9 +2560,6 @@
                 </a:spcAft>
                 <a:buNone/>
               </a:pPr>
-              <a:r>
-                <a:t/>
-              </a:r>
               <a:endParaRPr/>
             </a:p>
           </p:txBody>
@@ -2550,7 +2568,9 @@
       <p:sp>
         <p:nvSpPr>
           <p:cNvPr id="34" name="Google Shape;34;p2"/>
-          <p:cNvSpPr txBox="1"/>
+          <p:cNvSpPr txBox="1">
+            <a:spLocks noGrp="1"/>
+          </p:cNvSpPr>
           <p:nvPr>
             <p:ph type="ctrTitle"/>
           </p:nvPr>
@@ -2565,11 +2585,11 @@
           </a:prstGeom>
         </p:spPr>
         <p:txBody>
-          <a:bodyPr anchorCtr="0" anchor="ctr" bIns="91425" lIns="91425" spcFirstLastPara="1" rIns="91425" wrap="square" tIns="91425">
+          <a:bodyPr spcFirstLastPara="1" wrap="square" lIns="91425" tIns="91425" rIns="91425" bIns="91425" anchor="ctr" anchorCtr="0">
             <a:noAutofit/>
           </a:bodyPr>
           <a:lstStyle>
-            <a:lvl1pPr lvl="0" rtl="0" algn="ctr">
+            <a:lvl1pPr lvl="0" algn="ctr" rtl="0">
               <a:spcBef>
                 <a:spcPts val="0"/>
               </a:spcBef>
@@ -2580,7 +2600,7 @@
               <a:buNone/>
               <a:defRPr sz="3800"/>
             </a:lvl1pPr>
-            <a:lvl2pPr lvl="1" rtl="0" algn="ctr">
+            <a:lvl2pPr lvl="1" algn="ctr" rtl="0">
               <a:spcBef>
                 <a:spcPts val="0"/>
               </a:spcBef>
@@ -2591,7 +2611,7 @@
               <a:buNone/>
               <a:defRPr sz="3800"/>
             </a:lvl2pPr>
-            <a:lvl3pPr lvl="2" rtl="0" algn="ctr">
+            <a:lvl3pPr lvl="2" algn="ctr" rtl="0">
               <a:spcBef>
                 <a:spcPts val="0"/>
               </a:spcBef>
@@ -2602,7 +2622,7 @@
               <a:buNone/>
               <a:defRPr sz="3800"/>
             </a:lvl3pPr>
-            <a:lvl4pPr lvl="3" rtl="0" algn="ctr">
+            <a:lvl4pPr lvl="3" algn="ctr" rtl="0">
               <a:spcBef>
                 <a:spcPts val="0"/>
               </a:spcBef>
@@ -2613,7 +2633,7 @@
               <a:buNone/>
               <a:defRPr sz="3800"/>
             </a:lvl4pPr>
-            <a:lvl5pPr lvl="4" rtl="0" algn="ctr">
+            <a:lvl5pPr lvl="4" algn="ctr" rtl="0">
               <a:spcBef>
                 <a:spcPts val="0"/>
               </a:spcBef>
@@ -2624,7 +2644,7 @@
               <a:buNone/>
               <a:defRPr sz="3800"/>
             </a:lvl5pPr>
-            <a:lvl6pPr lvl="5" rtl="0" algn="ctr">
+            <a:lvl6pPr lvl="5" algn="ctr" rtl="0">
               <a:spcBef>
                 <a:spcPts val="0"/>
               </a:spcBef>
@@ -2635,7 +2655,7 @@
               <a:buNone/>
               <a:defRPr sz="3800"/>
             </a:lvl6pPr>
-            <a:lvl7pPr lvl="6" rtl="0" algn="ctr">
+            <a:lvl7pPr lvl="6" algn="ctr" rtl="0">
               <a:spcBef>
                 <a:spcPts val="0"/>
               </a:spcBef>
@@ -2646,7 +2666,7 @@
               <a:buNone/>
               <a:defRPr sz="3800"/>
             </a:lvl7pPr>
-            <a:lvl8pPr lvl="7" rtl="0" algn="ctr">
+            <a:lvl8pPr lvl="7" algn="ctr" rtl="0">
               <a:spcBef>
                 <a:spcPts val="0"/>
               </a:spcBef>
@@ -2657,7 +2677,7 @@
               <a:buNone/>
               <a:defRPr sz="3800"/>
             </a:lvl8pPr>
-            <a:lvl9pPr lvl="8" rtl="0" algn="ctr">
+            <a:lvl9pPr lvl="8" algn="ctr" rtl="0">
               <a:spcBef>
                 <a:spcPts val="0"/>
               </a:spcBef>
@@ -2669,15 +2689,19 @@
               <a:defRPr sz="3800"/>
             </a:lvl9pPr>
           </a:lstStyle>
-          <a:p/>
+          <a:p>
+            <a:endParaRPr/>
+          </a:p>
         </p:txBody>
       </p:sp>
       <p:sp>
         <p:nvSpPr>
           <p:cNvPr id="35" name="Google Shape;35;p2"/>
-          <p:cNvSpPr txBox="1"/>
+          <p:cNvSpPr txBox="1">
+            <a:spLocks noGrp="1"/>
+          </p:cNvSpPr>
           <p:nvPr>
-            <p:ph idx="1" type="subTitle"/>
+            <p:ph type="subTitle" idx="1"/>
           </p:nvPr>
         </p:nvSpPr>
         <p:spPr>
@@ -2690,11 +2714,11 @@
           </a:prstGeom>
         </p:spPr>
         <p:txBody>
-          <a:bodyPr anchorCtr="0" anchor="t" bIns="91425" lIns="91425" spcFirstLastPara="1" rIns="91425" wrap="square" tIns="91425">
+          <a:bodyPr spcFirstLastPara="1" wrap="square" lIns="91425" tIns="91425" rIns="91425" bIns="91425" anchor="t" anchorCtr="0">
             <a:noAutofit/>
           </a:bodyPr>
           <a:lstStyle>
-            <a:lvl1pPr lvl="0" rtl="0" algn="ctr">
+            <a:lvl1pPr lvl="0" algn="ctr" rtl="0">
               <a:lnSpc>
                 <a:spcPct val="100000"/>
               </a:lnSpc>
@@ -2715,7 +2739,7 @@
                 </a:solidFill>
               </a:defRPr>
             </a:lvl1pPr>
-            <a:lvl2pPr lvl="1" rtl="0" algn="ctr">
+            <a:lvl2pPr lvl="1" algn="ctr" rtl="0">
               <a:lnSpc>
                 <a:spcPct val="100000"/>
               </a:lnSpc>
@@ -2736,7 +2760,7 @@
                 </a:solidFill>
               </a:defRPr>
             </a:lvl2pPr>
-            <a:lvl3pPr lvl="2" rtl="0" algn="ctr">
+            <a:lvl3pPr lvl="2" algn="ctr" rtl="0">
               <a:lnSpc>
                 <a:spcPct val="100000"/>
               </a:lnSpc>
@@ -2757,7 +2781,7 @@
                 </a:solidFill>
               </a:defRPr>
             </a:lvl3pPr>
-            <a:lvl4pPr lvl="3" rtl="0" algn="ctr">
+            <a:lvl4pPr lvl="3" algn="ctr" rtl="0">
               <a:lnSpc>
                 <a:spcPct val="100000"/>
               </a:lnSpc>
@@ -2778,7 +2802,7 @@
                 </a:solidFill>
               </a:defRPr>
             </a:lvl4pPr>
-            <a:lvl5pPr lvl="4" rtl="0" algn="ctr">
+            <a:lvl5pPr lvl="4" algn="ctr" rtl="0">
               <a:lnSpc>
                 <a:spcPct val="100000"/>
               </a:lnSpc>
@@ -2799,7 +2823,7 @@
                 </a:solidFill>
               </a:defRPr>
             </a:lvl5pPr>
-            <a:lvl6pPr lvl="5" rtl="0" algn="ctr">
+            <a:lvl6pPr lvl="5" algn="ctr" rtl="0">
               <a:lnSpc>
                 <a:spcPct val="100000"/>
               </a:lnSpc>
@@ -2820,7 +2844,7 @@
                 </a:solidFill>
               </a:defRPr>
             </a:lvl6pPr>
-            <a:lvl7pPr lvl="6" rtl="0" algn="ctr">
+            <a:lvl7pPr lvl="6" algn="ctr" rtl="0">
               <a:lnSpc>
                 <a:spcPct val="100000"/>
               </a:lnSpc>
@@ -2841,7 +2865,7 @@
                 </a:solidFill>
               </a:defRPr>
             </a:lvl7pPr>
-            <a:lvl8pPr lvl="7" rtl="0" algn="ctr">
+            <a:lvl8pPr lvl="7" algn="ctr" rtl="0">
               <a:lnSpc>
                 <a:spcPct val="100000"/>
               </a:lnSpc>
@@ -2862,7 +2886,7 @@
                 </a:solidFill>
               </a:defRPr>
             </a:lvl8pPr>
-            <a:lvl9pPr lvl="8" rtl="0" algn="ctr">
+            <a:lvl9pPr lvl="8" algn="ctr" rtl="0">
               <a:lnSpc>
                 <a:spcPct val="100000"/>
               </a:lnSpc>
@@ -2884,15 +2908,19 @@
               </a:defRPr>
             </a:lvl9pPr>
           </a:lstStyle>
-          <a:p/>
+          <a:p>
+            <a:endParaRPr/>
+          </a:p>
         </p:txBody>
       </p:sp>
       <p:sp>
         <p:nvSpPr>
           <p:cNvPr id="36" name="Google Shape;36;p2"/>
-          <p:cNvSpPr txBox="1"/>
+          <p:cNvSpPr txBox="1">
+            <a:spLocks noGrp="1"/>
+          </p:cNvSpPr>
           <p:nvPr>
-            <p:ph idx="12" type="sldNum"/>
+            <p:ph type="sldNum" idx="12"/>
           </p:nvPr>
         </p:nvSpPr>
         <p:spPr>
@@ -2905,7 +2933,7 @@
           </a:prstGeom>
         </p:spPr>
         <p:txBody>
-          <a:bodyPr anchorCtr="0" anchor="ctr" bIns="91425" lIns="91425" spcFirstLastPara="1" rIns="91425" wrap="square" tIns="91425">
+          <a:bodyPr spcFirstLastPara="1" wrap="square" lIns="91425" tIns="91425" rIns="91425" bIns="91425" anchor="ctr" anchorCtr="0">
             <a:noAutofit/>
           </a:bodyPr>
           <a:lstStyle>
@@ -2947,7 +2975,7 @@
             </a:lvl9pPr>
           </a:lstStyle>
           <a:p>
-            <a:pPr indent="0" lvl="0" marL="0" rtl="0" algn="r">
+            <a:pPr marL="0" lvl="0" indent="0" algn="r" rtl="0">
               <a:spcBef>
                 <a:spcPts val="0"/>
               </a:spcBef>
@@ -2973,18 +3001,19 @@
 </file>
 
 <file path=ppt/slideLayouts/slideLayout10.xml><?xml version="1.0" encoding="utf-8"?>
-<p:sldLayout xmlns:a="http://schemas.openxmlformats.org/drawingml/2006/main" xmlns:r="http://schemas.openxmlformats.org/officeDocument/2006/relationships" xmlns:mc="http://schemas.openxmlformats.org/markup-compatibility/2006" xmlns:mv="urn:schemas-microsoft-com:mac:vml" xmlns:p="http://schemas.openxmlformats.org/presentationml/2006/main" xmlns:c="http://schemas.openxmlformats.org/drawingml/2006/chart" xmlns:dgm="http://schemas.openxmlformats.org/drawingml/2006/diagram" xmlns:o="urn:schemas-microsoft-com:office:office" xmlns:v="urn:schemas-microsoft-com:vml" xmlns:pvml="urn:schemas-microsoft-com:office:powerpoint" xmlns:com="http://schemas.openxmlformats.org/drawingml/2006/compatibility" xmlns:p14="http://schemas.microsoft.com/office/powerpoint/2010/main" xmlns:p15="http://schemas.microsoft.com/office/powerpoint/2012/main" xmlns:ahyp="http://schemas.microsoft.com/office/drawing/2018/hyperlinkcolor" matchingName="Big number">
+<p:sldLayout xmlns:a="http://schemas.openxmlformats.org/drawingml/2006/main" xmlns:r="http://schemas.openxmlformats.org/officeDocument/2006/relationships" xmlns:p="http://schemas.openxmlformats.org/presentationml/2006/main" matchingName="Big number">
   <p:cSld name="BIG_NUMBER">
     <p:bg>
       <p:bgPr>
         <a:solidFill>
           <a:schemeClr val="accent3"/>
         </a:solidFill>
+        <a:effectLst/>
       </p:bgPr>
     </p:bg>
     <p:spTree>
       <p:nvGrpSpPr>
-        <p:cNvPr id="109" name="Shape 109"/>
+        <p:cNvPr id="1" name="Shape 109"/>
         <p:cNvGrpSpPr/>
         <p:nvPr/>
       </p:nvGrpSpPr>
@@ -3018,12 +3047,12 @@
           </a:ln>
         </p:spPr>
         <p:txBody>
-          <a:bodyPr anchorCtr="0" anchor="ctr" bIns="91425" lIns="91425" spcFirstLastPara="1" rIns="91425" wrap="square" tIns="91425">
+          <a:bodyPr spcFirstLastPara="1" wrap="square" lIns="91425" tIns="91425" rIns="91425" bIns="91425" anchor="ctr" anchorCtr="0">
             <a:noAutofit/>
           </a:bodyPr>
           <a:lstStyle/>
           <a:p>
-            <a:pPr indent="0" lvl="0" marL="0" rtl="0" algn="l">
+            <a:pPr marL="0" lvl="0" indent="0" algn="l" rtl="0">
               <a:spcBef>
                 <a:spcPts val="0"/>
               </a:spcBef>
@@ -3032,9 +3061,6 @@
               </a:spcAft>
               <a:buNone/>
             </a:pPr>
-            <a:r>
-              <a:t/>
-            </a:r>
             <a:endParaRPr/>
           </a:p>
         </p:txBody>
@@ -3066,7 +3092,7 @@
             </a:xfrm>
             <a:prstGeom prst="parallelogram">
               <a:avLst>
-                <a:gd fmla="val 158024" name="adj"/>
+                <a:gd name="adj" fmla="val 158024"/>
               </a:avLst>
             </a:prstGeom>
             <a:solidFill>
@@ -3077,12 +3103,12 @@
             </a:ln>
           </p:spPr>
           <p:txBody>
-            <a:bodyPr anchorCtr="0" anchor="ctr" bIns="91425" lIns="91425" spcFirstLastPara="1" rIns="91425" wrap="square" tIns="91425">
+            <a:bodyPr spcFirstLastPara="1" wrap="square" lIns="91425" tIns="91425" rIns="91425" bIns="91425" anchor="ctr" anchorCtr="0">
               <a:noAutofit/>
             </a:bodyPr>
             <a:lstStyle/>
             <a:p>
-              <a:pPr indent="0" lvl="0" marL="0" rtl="0" algn="l">
+              <a:pPr marL="0" lvl="0" indent="0" algn="l" rtl="0">
                 <a:spcBef>
                   <a:spcPts val="0"/>
                 </a:spcBef>
@@ -3091,9 +3117,6 @@
                 </a:spcAft>
                 <a:buNone/>
               </a:pPr>
-              <a:r>
-                <a:t/>
-              </a:r>
               <a:endParaRPr/>
             </a:p>
           </p:txBody>
@@ -3111,7 +3134,7 @@
             </a:xfrm>
             <a:prstGeom prst="parallelogram">
               <a:avLst>
-                <a:gd fmla="val 158024" name="adj"/>
+                <a:gd name="adj" fmla="val 158024"/>
               </a:avLst>
             </a:prstGeom>
             <a:solidFill>
@@ -3122,12 +3145,12 @@
             </a:ln>
           </p:spPr>
           <p:txBody>
-            <a:bodyPr anchorCtr="0" anchor="ctr" bIns="91425" lIns="91425" spcFirstLastPara="1" rIns="91425" wrap="square" tIns="91425">
+            <a:bodyPr spcFirstLastPara="1" wrap="square" lIns="91425" tIns="91425" rIns="91425" bIns="91425" anchor="ctr" anchorCtr="0">
               <a:noAutofit/>
             </a:bodyPr>
             <a:lstStyle/>
             <a:p>
-              <a:pPr indent="0" lvl="0" marL="0" rtl="0" algn="l">
+              <a:pPr marL="0" lvl="0" indent="0" algn="l" rtl="0">
                 <a:spcBef>
                   <a:spcPts val="0"/>
                 </a:spcBef>
@@ -3136,9 +3159,6 @@
                 </a:spcAft>
                 <a:buNone/>
               </a:pPr>
-              <a:r>
-                <a:t/>
-              </a:r>
               <a:endParaRPr/>
             </a:p>
           </p:txBody>
@@ -3156,7 +3176,7 @@
             </a:xfrm>
             <a:prstGeom prst="parallelogram">
               <a:avLst>
-                <a:gd fmla="val 158024" name="adj"/>
+                <a:gd name="adj" fmla="val 158024"/>
               </a:avLst>
             </a:prstGeom>
             <a:solidFill>
@@ -3167,12 +3187,12 @@
             </a:ln>
           </p:spPr>
           <p:txBody>
-            <a:bodyPr anchorCtr="0" anchor="ctr" bIns="91425" lIns="91425" spcFirstLastPara="1" rIns="91425" wrap="square" tIns="91425">
+            <a:bodyPr spcFirstLastPara="1" wrap="square" lIns="91425" tIns="91425" rIns="91425" bIns="91425" anchor="ctr" anchorCtr="0">
               <a:noAutofit/>
             </a:bodyPr>
             <a:lstStyle/>
             <a:p>
-              <a:pPr indent="0" lvl="0" marL="0" rtl="0" algn="l">
+              <a:pPr marL="0" lvl="0" indent="0" algn="l" rtl="0">
                 <a:spcBef>
                   <a:spcPts val="0"/>
                 </a:spcBef>
@@ -3181,9 +3201,6 @@
                 </a:spcAft>
                 <a:buNone/>
               </a:pPr>
-              <a:r>
-                <a:t/>
-              </a:r>
               <a:endParaRPr/>
             </a:p>
           </p:txBody>
@@ -3216,7 +3233,7 @@
             </a:xfrm>
             <a:prstGeom prst="parallelogram">
               <a:avLst>
-                <a:gd fmla="val 158024" name="adj"/>
+                <a:gd name="adj" fmla="val 158024"/>
               </a:avLst>
             </a:prstGeom>
             <a:solidFill>
@@ -3227,12 +3244,12 @@
             </a:ln>
           </p:spPr>
           <p:txBody>
-            <a:bodyPr anchorCtr="0" anchor="ctr" bIns="91425" lIns="91425" spcFirstLastPara="1" rIns="91425" wrap="square" tIns="91425">
+            <a:bodyPr spcFirstLastPara="1" wrap="square" lIns="91425" tIns="91425" rIns="91425" bIns="91425" anchor="ctr" anchorCtr="0">
               <a:noAutofit/>
             </a:bodyPr>
             <a:lstStyle/>
             <a:p>
-              <a:pPr indent="0" lvl="0" marL="0" rtl="0" algn="l">
+              <a:pPr marL="0" lvl="0" indent="0" algn="l" rtl="0">
                 <a:spcBef>
                   <a:spcPts val="0"/>
                 </a:spcBef>
@@ -3241,9 +3258,6 @@
                 </a:spcAft>
                 <a:buNone/>
               </a:pPr>
-              <a:r>
-                <a:t/>
-              </a:r>
               <a:endParaRPr/>
             </a:p>
           </p:txBody>
@@ -3261,7 +3275,7 @@
             </a:xfrm>
             <a:prstGeom prst="parallelogram">
               <a:avLst>
-                <a:gd fmla="val 158024" name="adj"/>
+                <a:gd name="adj" fmla="val 158024"/>
               </a:avLst>
             </a:prstGeom>
             <a:solidFill>
@@ -3272,12 +3286,12 @@
             </a:ln>
           </p:spPr>
           <p:txBody>
-            <a:bodyPr anchorCtr="0" anchor="ctr" bIns="91425" lIns="91425" spcFirstLastPara="1" rIns="91425" wrap="square" tIns="91425">
+            <a:bodyPr spcFirstLastPara="1" wrap="square" lIns="91425" tIns="91425" rIns="91425" bIns="91425" anchor="ctr" anchorCtr="0">
               <a:noAutofit/>
             </a:bodyPr>
             <a:lstStyle/>
             <a:p>
-              <a:pPr indent="0" lvl="0" marL="0" rtl="0" algn="l">
+              <a:pPr marL="0" lvl="0" indent="0" algn="l" rtl="0">
                 <a:spcBef>
                   <a:spcPts val="0"/>
                 </a:spcBef>
@@ -3286,9 +3300,6 @@
                 </a:spcAft>
                 <a:buNone/>
               </a:pPr>
-              <a:r>
-                <a:t/>
-              </a:r>
               <a:endParaRPr/>
             </a:p>
           </p:txBody>
@@ -3306,7 +3317,7 @@
             </a:xfrm>
             <a:prstGeom prst="parallelogram">
               <a:avLst>
-                <a:gd fmla="val 158024" name="adj"/>
+                <a:gd name="adj" fmla="val 158024"/>
               </a:avLst>
             </a:prstGeom>
             <a:solidFill>
@@ -3317,12 +3328,12 @@
             </a:ln>
           </p:spPr>
           <p:txBody>
-            <a:bodyPr anchorCtr="0" anchor="ctr" bIns="91425" lIns="91425" spcFirstLastPara="1" rIns="91425" wrap="square" tIns="91425">
+            <a:bodyPr spcFirstLastPara="1" wrap="square" lIns="91425" tIns="91425" rIns="91425" bIns="91425" anchor="ctr" anchorCtr="0">
               <a:noAutofit/>
             </a:bodyPr>
             <a:lstStyle/>
             <a:p>
-              <a:pPr indent="0" lvl="0" marL="0" rtl="0" algn="l">
+              <a:pPr marL="0" lvl="0" indent="0" algn="l" rtl="0">
                 <a:spcBef>
                   <a:spcPts val="0"/>
                 </a:spcBef>
@@ -3331,9 +3342,6 @@
                 </a:spcAft>
                 <a:buNone/>
               </a:pPr>
-              <a:r>
-                <a:t/>
-              </a:r>
               <a:endParaRPr/>
             </a:p>
           </p:txBody>
@@ -3342,9 +3350,11 @@
       <p:sp>
         <p:nvSpPr>
           <p:cNvPr id="119" name="Google Shape;119;p11"/>
-          <p:cNvSpPr txBox="1"/>
+          <p:cNvSpPr txBox="1">
+            <a:spLocks noGrp="1"/>
+          </p:cNvSpPr>
           <p:nvPr>
-            <p:ph hasCustomPrompt="1" type="title"/>
+            <p:ph type="title" hasCustomPrompt="1"/>
           </p:nvPr>
         </p:nvSpPr>
         <p:spPr>
@@ -3357,11 +3367,11 @@
           </a:prstGeom>
         </p:spPr>
         <p:txBody>
-          <a:bodyPr anchorCtr="0" anchor="ctr" bIns="91425" lIns="91425" spcFirstLastPara="1" rIns="91425" wrap="square" tIns="91425">
+          <a:bodyPr spcFirstLastPara="1" wrap="square" lIns="91425" tIns="91425" rIns="91425" bIns="91425" anchor="ctr" anchorCtr="0">
             <a:noAutofit/>
           </a:bodyPr>
           <a:lstStyle>
-            <a:lvl1pPr lvl="0" rtl="0" algn="ctr">
+            <a:lvl1pPr lvl="0" algn="ctr" rtl="0">
               <a:spcBef>
                 <a:spcPts val="0"/>
               </a:spcBef>
@@ -3379,7 +3389,7 @@
                 </a:solidFill>
               </a:defRPr>
             </a:lvl1pPr>
-            <a:lvl2pPr lvl="1" rtl="0" algn="ctr">
+            <a:lvl2pPr lvl="1" algn="ctr" rtl="0">
               <a:spcBef>
                 <a:spcPts val="0"/>
               </a:spcBef>
@@ -3397,7 +3407,7 @@
                 </a:solidFill>
               </a:defRPr>
             </a:lvl2pPr>
-            <a:lvl3pPr lvl="2" rtl="0" algn="ctr">
+            <a:lvl3pPr lvl="2" algn="ctr" rtl="0">
               <a:spcBef>
                 <a:spcPts val="0"/>
               </a:spcBef>
@@ -3415,7 +3425,7 @@
                 </a:solidFill>
               </a:defRPr>
             </a:lvl3pPr>
-            <a:lvl4pPr lvl="3" rtl="0" algn="ctr">
+            <a:lvl4pPr lvl="3" algn="ctr" rtl="0">
               <a:spcBef>
                 <a:spcPts val="0"/>
               </a:spcBef>
@@ -3433,7 +3443,7 @@
                 </a:solidFill>
               </a:defRPr>
             </a:lvl4pPr>
-            <a:lvl5pPr lvl="4" rtl="0" algn="ctr">
+            <a:lvl5pPr lvl="4" algn="ctr" rtl="0">
               <a:spcBef>
                 <a:spcPts val="0"/>
               </a:spcBef>
@@ -3451,7 +3461,7 @@
                 </a:solidFill>
               </a:defRPr>
             </a:lvl5pPr>
-            <a:lvl6pPr lvl="5" rtl="0" algn="ctr">
+            <a:lvl6pPr lvl="5" algn="ctr" rtl="0">
               <a:spcBef>
                 <a:spcPts val="0"/>
               </a:spcBef>
@@ -3469,7 +3479,7 @@
                 </a:solidFill>
               </a:defRPr>
             </a:lvl6pPr>
-            <a:lvl7pPr lvl="6" rtl="0" algn="ctr">
+            <a:lvl7pPr lvl="6" algn="ctr" rtl="0">
               <a:spcBef>
                 <a:spcPts val="0"/>
               </a:spcBef>
@@ -3487,7 +3497,7 @@
                 </a:solidFill>
               </a:defRPr>
             </a:lvl7pPr>
-            <a:lvl8pPr lvl="7" rtl="0" algn="ctr">
+            <a:lvl8pPr lvl="7" algn="ctr" rtl="0">
               <a:spcBef>
                 <a:spcPts val="0"/>
               </a:spcBef>
@@ -3505,7 +3515,7 @@
                 </a:solidFill>
               </a:defRPr>
             </a:lvl8pPr>
-            <a:lvl9pPr lvl="8" rtl="0" algn="ctr">
+            <a:lvl9pPr lvl="8" algn="ctr" rtl="0">
               <a:spcBef>
                 <a:spcPts val="0"/>
               </a:spcBef>
@@ -3534,9 +3544,11 @@
       <p:sp>
         <p:nvSpPr>
           <p:cNvPr id="120" name="Google Shape;120;p11"/>
-          <p:cNvSpPr txBox="1"/>
+          <p:cNvSpPr txBox="1">
+            <a:spLocks noGrp="1"/>
+          </p:cNvSpPr>
           <p:nvPr>
-            <p:ph idx="1" type="body"/>
+            <p:ph type="body" idx="1"/>
           </p:nvPr>
         </p:nvSpPr>
         <p:spPr>
@@ -3549,11 +3561,11 @@
           </a:prstGeom>
         </p:spPr>
         <p:txBody>
-          <a:bodyPr anchorCtr="0" anchor="t" bIns="91425" lIns="91425" spcFirstLastPara="1" rIns="91425" wrap="square" tIns="91425">
+          <a:bodyPr spcFirstLastPara="1" wrap="square" lIns="91425" tIns="91425" rIns="91425" bIns="91425" anchor="t" anchorCtr="0">
             <a:noAutofit/>
           </a:bodyPr>
           <a:lstStyle>
-            <a:lvl1pPr indent="-311150" lvl="0" marL="457200" rtl="0" algn="ctr">
+            <a:lvl1pPr marL="457200" lvl="0" indent="-311150" algn="ctr" rtl="0">
               <a:spcBef>
                 <a:spcPts val="0"/>
               </a:spcBef>
@@ -3564,7 +3576,7 @@
               <a:buChar char="●"/>
               <a:defRPr/>
             </a:lvl1pPr>
-            <a:lvl2pPr indent="-298450" lvl="1" marL="914400" rtl="0" algn="ctr">
+            <a:lvl2pPr marL="914400" lvl="1" indent="-298450" algn="ctr" rtl="0">
               <a:spcBef>
                 <a:spcPts val="1600"/>
               </a:spcBef>
@@ -3575,7 +3587,7 @@
               <a:buChar char="○"/>
               <a:defRPr/>
             </a:lvl2pPr>
-            <a:lvl3pPr indent="-298450" lvl="2" marL="1371600" rtl="0" algn="ctr">
+            <a:lvl3pPr marL="1371600" lvl="2" indent="-298450" algn="ctr" rtl="0">
               <a:spcBef>
                 <a:spcPts val="1600"/>
               </a:spcBef>
@@ -3586,7 +3598,7 @@
               <a:buChar char="■"/>
               <a:defRPr/>
             </a:lvl3pPr>
-            <a:lvl4pPr indent="-298450" lvl="3" marL="1828800" rtl="0" algn="ctr">
+            <a:lvl4pPr marL="1828800" lvl="3" indent="-298450" algn="ctr" rtl="0">
               <a:spcBef>
                 <a:spcPts val="1600"/>
               </a:spcBef>
@@ -3597,7 +3609,7 @@
               <a:buChar char="●"/>
               <a:defRPr/>
             </a:lvl4pPr>
-            <a:lvl5pPr indent="-298450" lvl="4" marL="2286000" rtl="0" algn="ctr">
+            <a:lvl5pPr marL="2286000" lvl="4" indent="-298450" algn="ctr" rtl="0">
               <a:spcBef>
                 <a:spcPts val="1600"/>
               </a:spcBef>
@@ -3608,7 +3620,7 @@
               <a:buChar char="○"/>
               <a:defRPr/>
             </a:lvl5pPr>
-            <a:lvl6pPr indent="-298450" lvl="5" marL="2743200" rtl="0" algn="ctr">
+            <a:lvl6pPr marL="2743200" lvl="5" indent="-298450" algn="ctr" rtl="0">
               <a:spcBef>
                 <a:spcPts val="1600"/>
               </a:spcBef>
@@ -3619,7 +3631,7 @@
               <a:buChar char="■"/>
               <a:defRPr/>
             </a:lvl6pPr>
-            <a:lvl7pPr indent="-298450" lvl="6" marL="3200400" rtl="0" algn="ctr">
+            <a:lvl7pPr marL="3200400" lvl="6" indent="-298450" algn="ctr" rtl="0">
               <a:spcBef>
                 <a:spcPts val="1600"/>
               </a:spcBef>
@@ -3630,7 +3642,7 @@
               <a:buChar char="●"/>
               <a:defRPr/>
             </a:lvl7pPr>
-            <a:lvl8pPr indent="-298450" lvl="7" marL="3657600" rtl="0" algn="ctr">
+            <a:lvl8pPr marL="3657600" lvl="7" indent="-298450" algn="ctr" rtl="0">
               <a:spcBef>
                 <a:spcPts val="1600"/>
               </a:spcBef>
@@ -3641,7 +3653,7 @@
               <a:buChar char="○"/>
               <a:defRPr/>
             </a:lvl8pPr>
-            <a:lvl9pPr indent="-298450" lvl="8" marL="4114800" rtl="0" algn="ctr">
+            <a:lvl9pPr marL="4114800" lvl="8" indent="-298450" algn="ctr" rtl="0">
               <a:spcBef>
                 <a:spcPts val="1600"/>
               </a:spcBef>
@@ -3653,15 +3665,19 @@
               <a:defRPr/>
             </a:lvl9pPr>
           </a:lstStyle>
-          <a:p/>
+          <a:p>
+            <a:endParaRPr/>
+          </a:p>
         </p:txBody>
       </p:sp>
       <p:sp>
         <p:nvSpPr>
           <p:cNvPr id="121" name="Google Shape;121;p11"/>
-          <p:cNvSpPr txBox="1"/>
+          <p:cNvSpPr txBox="1">
+            <a:spLocks noGrp="1"/>
+          </p:cNvSpPr>
           <p:nvPr>
-            <p:ph idx="12" type="sldNum"/>
+            <p:ph type="sldNum" idx="12"/>
           </p:nvPr>
         </p:nvSpPr>
         <p:spPr>
@@ -3674,7 +3690,7 @@
           </a:prstGeom>
         </p:spPr>
         <p:txBody>
-          <a:bodyPr anchorCtr="0" anchor="ctr" bIns="91425" lIns="91425" spcFirstLastPara="1" rIns="91425" wrap="square" tIns="91425">
+          <a:bodyPr spcFirstLastPara="1" wrap="square" lIns="91425" tIns="91425" rIns="91425" bIns="91425" anchor="ctr" anchorCtr="0">
             <a:noAutofit/>
           </a:bodyPr>
           <a:lstStyle>
@@ -3716,7 +3732,7 @@
             </a:lvl9pPr>
           </a:lstStyle>
           <a:p>
-            <a:pPr indent="0" lvl="0" marL="0" rtl="0" algn="r">
+            <a:pPr marL="0" lvl="0" indent="0" algn="r" rtl="0">
               <a:spcBef>
                 <a:spcPts val="0"/>
               </a:spcBef>
@@ -3742,11 +3758,11 @@
 </file>
 
 <file path=ppt/slideLayouts/slideLayout11.xml><?xml version="1.0" encoding="utf-8"?>
-<p:sldLayout xmlns:a="http://schemas.openxmlformats.org/drawingml/2006/main" xmlns:r="http://schemas.openxmlformats.org/officeDocument/2006/relationships" xmlns:mc="http://schemas.openxmlformats.org/markup-compatibility/2006" xmlns:mv="urn:schemas-microsoft-com:mac:vml" xmlns:p="http://schemas.openxmlformats.org/presentationml/2006/main" xmlns:c="http://schemas.openxmlformats.org/drawingml/2006/chart" xmlns:dgm="http://schemas.openxmlformats.org/drawingml/2006/diagram" xmlns:o="urn:schemas-microsoft-com:office:office" xmlns:v="urn:schemas-microsoft-com:vml" xmlns:pvml="urn:schemas-microsoft-com:office:powerpoint" xmlns:com="http://schemas.openxmlformats.org/drawingml/2006/compatibility" xmlns:p14="http://schemas.microsoft.com/office/powerpoint/2010/main" xmlns:p15="http://schemas.microsoft.com/office/powerpoint/2012/main" xmlns:ahyp="http://schemas.microsoft.com/office/drawing/2018/hyperlinkcolor" matchingName="Blank" type="blank">
+<p:sldLayout xmlns:a="http://schemas.openxmlformats.org/drawingml/2006/main" xmlns:r="http://schemas.openxmlformats.org/officeDocument/2006/relationships" xmlns:p="http://schemas.openxmlformats.org/presentationml/2006/main" matchingName="Blank" type="blank">
   <p:cSld name="BLANK">
     <p:spTree>
       <p:nvGrpSpPr>
-        <p:cNvPr id="122" name="Shape 122"/>
+        <p:cNvPr id="1" name="Shape 122"/>
         <p:cNvGrpSpPr/>
         <p:nvPr/>
       </p:nvGrpSpPr>
@@ -3761,9 +3777,11 @@
       <p:sp>
         <p:nvSpPr>
           <p:cNvPr id="123" name="Google Shape;123;p12"/>
-          <p:cNvSpPr txBox="1"/>
+          <p:cNvSpPr txBox="1">
+            <a:spLocks noGrp="1"/>
+          </p:cNvSpPr>
           <p:nvPr>
-            <p:ph idx="12" type="sldNum"/>
+            <p:ph type="sldNum" idx="12"/>
           </p:nvPr>
         </p:nvSpPr>
         <p:spPr>
@@ -3776,7 +3794,7 @@
           </a:prstGeom>
         </p:spPr>
         <p:txBody>
-          <a:bodyPr anchorCtr="0" anchor="ctr" bIns="91425" lIns="91425" spcFirstLastPara="1" rIns="91425" wrap="square" tIns="91425">
+          <a:bodyPr spcFirstLastPara="1" wrap="square" lIns="91425" tIns="91425" rIns="91425" bIns="91425" anchor="ctr" anchorCtr="0">
             <a:noAutofit/>
           </a:bodyPr>
           <a:lstStyle>
@@ -3818,7 +3836,7 @@
             </a:lvl9pPr>
           </a:lstStyle>
           <a:p>
-            <a:pPr indent="0" lvl="0" marL="0" rtl="0" algn="r">
+            <a:pPr marL="0" lvl="0" indent="0" algn="r" rtl="0">
               <a:spcBef>
                 <a:spcPts val="0"/>
               </a:spcBef>
@@ -3844,18 +3862,19 @@
 </file>
 
 <file path=ppt/slideLayouts/slideLayout2.xml><?xml version="1.0" encoding="utf-8"?>
-<p:sldLayout xmlns:a="http://schemas.openxmlformats.org/drawingml/2006/main" xmlns:r="http://schemas.openxmlformats.org/officeDocument/2006/relationships" xmlns:mc="http://schemas.openxmlformats.org/markup-compatibility/2006" xmlns:mv="urn:schemas-microsoft-com:mac:vml" xmlns:p="http://schemas.openxmlformats.org/presentationml/2006/main" xmlns:c="http://schemas.openxmlformats.org/drawingml/2006/chart" xmlns:dgm="http://schemas.openxmlformats.org/drawingml/2006/diagram" xmlns:o="urn:schemas-microsoft-com:office:office" xmlns:v="urn:schemas-microsoft-com:vml" xmlns:pvml="urn:schemas-microsoft-com:office:powerpoint" xmlns:com="http://schemas.openxmlformats.org/drawingml/2006/compatibility" xmlns:p14="http://schemas.microsoft.com/office/powerpoint/2010/main" xmlns:p15="http://schemas.microsoft.com/office/powerpoint/2012/main" xmlns:ahyp="http://schemas.microsoft.com/office/drawing/2018/hyperlinkcolor" matchingName="Section header" type="secHead">
+<p:sldLayout xmlns:a="http://schemas.openxmlformats.org/drawingml/2006/main" xmlns:r="http://schemas.openxmlformats.org/officeDocument/2006/relationships" xmlns:p="http://schemas.openxmlformats.org/presentationml/2006/main" matchingName="Section header" type="secHead">
   <p:cSld name="SECTION_HEADER">
     <p:bg>
       <p:bgPr>
         <a:solidFill>
           <a:schemeClr val="accent3"/>
         </a:solidFill>
+        <a:effectLst/>
       </p:bgPr>
     </p:bg>
     <p:spTree>
       <p:nvGrpSpPr>
-        <p:cNvPr id="37" name="Shape 37"/>
+        <p:cNvPr id="1" name="Shape 37"/>
         <p:cNvGrpSpPr/>
         <p:nvPr/>
       </p:nvGrpSpPr>
@@ -3889,12 +3908,12 @@
           </a:ln>
         </p:spPr>
         <p:txBody>
-          <a:bodyPr anchorCtr="0" anchor="ctr" bIns="91425" lIns="91425" spcFirstLastPara="1" rIns="91425" wrap="square" tIns="91425">
+          <a:bodyPr spcFirstLastPara="1" wrap="square" lIns="91425" tIns="91425" rIns="91425" bIns="91425" anchor="ctr" anchorCtr="0">
             <a:noAutofit/>
           </a:bodyPr>
           <a:lstStyle/>
           <a:p>
-            <a:pPr indent="0" lvl="0" marL="0" rtl="0" algn="l">
+            <a:pPr marL="0" lvl="0" indent="0" algn="l" rtl="0">
               <a:spcBef>
                 <a:spcPts val="0"/>
               </a:spcBef>
@@ -3903,9 +3922,6 @@
               </a:spcAft>
               <a:buNone/>
             </a:pPr>
-            <a:r>
-              <a:t/>
-            </a:r>
             <a:endParaRPr/>
           </a:p>
         </p:txBody>
@@ -3937,7 +3953,7 @@
             </a:xfrm>
             <a:prstGeom prst="parallelogram">
               <a:avLst>
-                <a:gd fmla="val 158024" name="adj"/>
+                <a:gd name="adj" fmla="val 158024"/>
               </a:avLst>
             </a:prstGeom>
             <a:solidFill>
@@ -3948,12 +3964,12 @@
             </a:ln>
           </p:spPr>
           <p:txBody>
-            <a:bodyPr anchorCtr="0" anchor="ctr" bIns="91425" lIns="91425" spcFirstLastPara="1" rIns="91425" wrap="square" tIns="91425">
+            <a:bodyPr spcFirstLastPara="1" wrap="square" lIns="91425" tIns="91425" rIns="91425" bIns="91425" anchor="ctr" anchorCtr="0">
               <a:noAutofit/>
             </a:bodyPr>
             <a:lstStyle/>
             <a:p>
-              <a:pPr indent="0" lvl="0" marL="0" rtl="0" algn="l">
+              <a:pPr marL="0" lvl="0" indent="0" algn="l" rtl="0">
                 <a:spcBef>
                   <a:spcPts val="0"/>
                 </a:spcBef>
@@ -3962,9 +3978,6 @@
                 </a:spcAft>
                 <a:buNone/>
               </a:pPr>
-              <a:r>
-                <a:t/>
-              </a:r>
               <a:endParaRPr/>
             </a:p>
           </p:txBody>
@@ -3982,7 +3995,7 @@
             </a:xfrm>
             <a:prstGeom prst="parallelogram">
               <a:avLst>
-                <a:gd fmla="val 158024" name="adj"/>
+                <a:gd name="adj" fmla="val 158024"/>
               </a:avLst>
             </a:prstGeom>
             <a:solidFill>
@@ -3993,12 +4006,12 @@
             </a:ln>
           </p:spPr>
           <p:txBody>
-            <a:bodyPr anchorCtr="0" anchor="ctr" bIns="91425" lIns="91425" spcFirstLastPara="1" rIns="91425" wrap="square" tIns="91425">
+            <a:bodyPr spcFirstLastPara="1" wrap="square" lIns="91425" tIns="91425" rIns="91425" bIns="91425" anchor="ctr" anchorCtr="0">
               <a:noAutofit/>
             </a:bodyPr>
             <a:lstStyle/>
             <a:p>
-              <a:pPr indent="0" lvl="0" marL="0" rtl="0" algn="l">
+              <a:pPr marL="0" lvl="0" indent="0" algn="l" rtl="0">
                 <a:spcBef>
                   <a:spcPts val="0"/>
                 </a:spcBef>
@@ -4007,9 +4020,6 @@
                 </a:spcAft>
                 <a:buNone/>
               </a:pPr>
-              <a:r>
-                <a:t/>
-              </a:r>
               <a:endParaRPr/>
             </a:p>
           </p:txBody>
@@ -4027,7 +4037,7 @@
             </a:xfrm>
             <a:prstGeom prst="parallelogram">
               <a:avLst>
-                <a:gd fmla="val 158024" name="adj"/>
+                <a:gd name="adj" fmla="val 158024"/>
               </a:avLst>
             </a:prstGeom>
             <a:solidFill>
@@ -4038,12 +4048,12 @@
             </a:ln>
           </p:spPr>
           <p:txBody>
-            <a:bodyPr anchorCtr="0" anchor="ctr" bIns="91425" lIns="91425" spcFirstLastPara="1" rIns="91425" wrap="square" tIns="91425">
+            <a:bodyPr spcFirstLastPara="1" wrap="square" lIns="91425" tIns="91425" rIns="91425" bIns="91425" anchor="ctr" anchorCtr="0">
               <a:noAutofit/>
             </a:bodyPr>
             <a:lstStyle/>
             <a:p>
-              <a:pPr indent="0" lvl="0" marL="0" rtl="0" algn="l">
+              <a:pPr marL="0" lvl="0" indent="0" algn="l" rtl="0">
                 <a:spcBef>
                   <a:spcPts val="0"/>
                 </a:spcBef>
@@ -4052,9 +4062,6 @@
                 </a:spcAft>
                 <a:buNone/>
               </a:pPr>
-              <a:r>
-                <a:t/>
-              </a:r>
               <a:endParaRPr/>
             </a:p>
           </p:txBody>
@@ -4087,7 +4094,7 @@
             </a:xfrm>
             <a:prstGeom prst="parallelogram">
               <a:avLst>
-                <a:gd fmla="val 158024" name="adj"/>
+                <a:gd name="adj" fmla="val 158024"/>
               </a:avLst>
             </a:prstGeom>
             <a:solidFill>
@@ -4098,12 +4105,12 @@
             </a:ln>
           </p:spPr>
           <p:txBody>
-            <a:bodyPr anchorCtr="0" anchor="ctr" bIns="91425" lIns="91425" spcFirstLastPara="1" rIns="91425" wrap="square" tIns="91425">
+            <a:bodyPr spcFirstLastPara="1" wrap="square" lIns="91425" tIns="91425" rIns="91425" bIns="91425" anchor="ctr" anchorCtr="0">
               <a:noAutofit/>
             </a:bodyPr>
             <a:lstStyle/>
             <a:p>
-              <a:pPr indent="0" lvl="0" marL="0" rtl="0" algn="l">
+              <a:pPr marL="0" lvl="0" indent="0" algn="l" rtl="0">
                 <a:spcBef>
                   <a:spcPts val="0"/>
                 </a:spcBef>
@@ -4112,9 +4119,6 @@
                 </a:spcAft>
                 <a:buNone/>
               </a:pPr>
-              <a:r>
-                <a:t/>
-              </a:r>
               <a:endParaRPr/>
             </a:p>
           </p:txBody>
@@ -4132,7 +4136,7 @@
             </a:xfrm>
             <a:prstGeom prst="parallelogram">
               <a:avLst>
-                <a:gd fmla="val 158024" name="adj"/>
+                <a:gd name="adj" fmla="val 158024"/>
               </a:avLst>
             </a:prstGeom>
             <a:solidFill>
@@ -4143,12 +4147,12 @@
             </a:ln>
           </p:spPr>
           <p:txBody>
-            <a:bodyPr anchorCtr="0" anchor="ctr" bIns="91425" lIns="91425" spcFirstLastPara="1" rIns="91425" wrap="square" tIns="91425">
+            <a:bodyPr spcFirstLastPara="1" wrap="square" lIns="91425" tIns="91425" rIns="91425" bIns="91425" anchor="ctr" anchorCtr="0">
               <a:noAutofit/>
             </a:bodyPr>
             <a:lstStyle/>
             <a:p>
-              <a:pPr indent="0" lvl="0" marL="0" rtl="0" algn="l">
+              <a:pPr marL="0" lvl="0" indent="0" algn="l" rtl="0">
                 <a:spcBef>
                   <a:spcPts val="0"/>
                 </a:spcBef>
@@ -4157,9 +4161,6 @@
                 </a:spcAft>
                 <a:buNone/>
               </a:pPr>
-              <a:r>
-                <a:t/>
-              </a:r>
               <a:endParaRPr/>
             </a:p>
           </p:txBody>
@@ -4177,7 +4178,7 @@
             </a:xfrm>
             <a:prstGeom prst="parallelogram">
               <a:avLst>
-                <a:gd fmla="val 158024" name="adj"/>
+                <a:gd name="adj" fmla="val 158024"/>
               </a:avLst>
             </a:prstGeom>
             <a:solidFill>
@@ -4188,12 +4189,12 @@
             </a:ln>
           </p:spPr>
           <p:txBody>
-            <a:bodyPr anchorCtr="0" anchor="ctr" bIns="91425" lIns="91425" spcFirstLastPara="1" rIns="91425" wrap="square" tIns="91425">
+            <a:bodyPr spcFirstLastPara="1" wrap="square" lIns="91425" tIns="91425" rIns="91425" bIns="91425" anchor="ctr" anchorCtr="0">
               <a:noAutofit/>
             </a:bodyPr>
             <a:lstStyle/>
             <a:p>
-              <a:pPr indent="0" lvl="0" marL="0" rtl="0" algn="l">
+              <a:pPr marL="0" lvl="0" indent="0" algn="l" rtl="0">
                 <a:spcBef>
                   <a:spcPts val="0"/>
                 </a:spcBef>
@@ -4202,9 +4203,6 @@
                 </a:spcAft>
                 <a:buNone/>
               </a:pPr>
-              <a:r>
-                <a:t/>
-              </a:r>
               <a:endParaRPr/>
             </a:p>
           </p:txBody>
@@ -4213,7 +4211,9 @@
       <p:sp>
         <p:nvSpPr>
           <p:cNvPr id="47" name="Google Shape;47;p3"/>
-          <p:cNvSpPr txBox="1"/>
+          <p:cNvSpPr txBox="1">
+            <a:spLocks noGrp="1"/>
+          </p:cNvSpPr>
           <p:nvPr>
             <p:ph type="title"/>
           </p:nvPr>
@@ -4228,11 +4228,11 @@
           </a:prstGeom>
         </p:spPr>
         <p:txBody>
-          <a:bodyPr anchorCtr="0" anchor="ctr" bIns="91425" lIns="91425" spcFirstLastPara="1" rIns="91425" wrap="square" tIns="91425">
+          <a:bodyPr spcFirstLastPara="1" wrap="square" lIns="91425" tIns="91425" rIns="91425" bIns="91425" anchor="ctr" anchorCtr="0">
             <a:noAutofit/>
           </a:bodyPr>
           <a:lstStyle>
-            <a:lvl1pPr lvl="0" rtl="0" algn="ctr">
+            <a:lvl1pPr lvl="0" algn="ctr" rtl="0">
               <a:spcBef>
                 <a:spcPts val="0"/>
               </a:spcBef>
@@ -4250,7 +4250,7 @@
                 </a:solidFill>
               </a:defRPr>
             </a:lvl1pPr>
-            <a:lvl2pPr lvl="1" rtl="0" algn="ctr">
+            <a:lvl2pPr lvl="1" algn="ctr" rtl="0">
               <a:spcBef>
                 <a:spcPts val="0"/>
               </a:spcBef>
@@ -4268,7 +4268,7 @@
                 </a:solidFill>
               </a:defRPr>
             </a:lvl2pPr>
-            <a:lvl3pPr lvl="2" rtl="0" algn="ctr">
+            <a:lvl3pPr lvl="2" algn="ctr" rtl="0">
               <a:spcBef>
                 <a:spcPts val="0"/>
               </a:spcBef>
@@ -4286,7 +4286,7 @@
                 </a:solidFill>
               </a:defRPr>
             </a:lvl3pPr>
-            <a:lvl4pPr lvl="3" rtl="0" algn="ctr">
+            <a:lvl4pPr lvl="3" algn="ctr" rtl="0">
               <a:spcBef>
                 <a:spcPts val="0"/>
               </a:spcBef>
@@ -4304,7 +4304,7 @@
                 </a:solidFill>
               </a:defRPr>
             </a:lvl4pPr>
-            <a:lvl5pPr lvl="4" rtl="0" algn="ctr">
+            <a:lvl5pPr lvl="4" algn="ctr" rtl="0">
               <a:spcBef>
                 <a:spcPts val="0"/>
               </a:spcBef>
@@ -4322,7 +4322,7 @@
                 </a:solidFill>
               </a:defRPr>
             </a:lvl5pPr>
-            <a:lvl6pPr lvl="5" rtl="0" algn="ctr">
+            <a:lvl6pPr lvl="5" algn="ctr" rtl="0">
               <a:spcBef>
                 <a:spcPts val="0"/>
               </a:spcBef>
@@ -4340,7 +4340,7 @@
                 </a:solidFill>
               </a:defRPr>
             </a:lvl6pPr>
-            <a:lvl7pPr lvl="6" rtl="0" algn="ctr">
+            <a:lvl7pPr lvl="6" algn="ctr" rtl="0">
               <a:spcBef>
                 <a:spcPts val="0"/>
               </a:spcBef>
@@ -4358,7 +4358,7 @@
                 </a:solidFill>
               </a:defRPr>
             </a:lvl7pPr>
-            <a:lvl8pPr lvl="7" rtl="0" algn="ctr">
+            <a:lvl8pPr lvl="7" algn="ctr" rtl="0">
               <a:spcBef>
                 <a:spcPts val="0"/>
               </a:spcBef>
@@ -4376,7 +4376,7 @@
                 </a:solidFill>
               </a:defRPr>
             </a:lvl8pPr>
-            <a:lvl9pPr lvl="8" rtl="0" algn="ctr">
+            <a:lvl9pPr lvl="8" algn="ctr" rtl="0">
               <a:spcBef>
                 <a:spcPts val="0"/>
               </a:spcBef>
@@ -4395,15 +4395,19 @@
               </a:defRPr>
             </a:lvl9pPr>
           </a:lstStyle>
-          <a:p/>
+          <a:p>
+            <a:endParaRPr/>
+          </a:p>
         </p:txBody>
       </p:sp>
       <p:sp>
         <p:nvSpPr>
           <p:cNvPr id="48" name="Google Shape;48;p3"/>
-          <p:cNvSpPr txBox="1"/>
+          <p:cNvSpPr txBox="1">
+            <a:spLocks noGrp="1"/>
+          </p:cNvSpPr>
           <p:nvPr>
-            <p:ph idx="12" type="sldNum"/>
+            <p:ph type="sldNum" idx="12"/>
           </p:nvPr>
         </p:nvSpPr>
         <p:spPr>
@@ -4416,7 +4420,7 @@
           </a:prstGeom>
         </p:spPr>
         <p:txBody>
-          <a:bodyPr anchorCtr="0" anchor="ctr" bIns="91425" lIns="91425" spcFirstLastPara="1" rIns="91425" wrap="square" tIns="91425">
+          <a:bodyPr spcFirstLastPara="1" wrap="square" lIns="91425" tIns="91425" rIns="91425" bIns="91425" anchor="ctr" anchorCtr="0">
             <a:noAutofit/>
           </a:bodyPr>
           <a:lstStyle>
@@ -4458,7 +4462,7 @@
             </a:lvl9pPr>
           </a:lstStyle>
           <a:p>
-            <a:pPr indent="0" lvl="0" marL="0" rtl="0" algn="r">
+            <a:pPr marL="0" lvl="0" indent="0" algn="r" rtl="0">
               <a:spcBef>
                 <a:spcPts val="0"/>
               </a:spcBef>
@@ -4484,18 +4488,19 @@
 </file>
 
 <file path=ppt/slideLayouts/slideLayout3.xml><?xml version="1.0" encoding="utf-8"?>
-<p:sldLayout xmlns:a="http://schemas.openxmlformats.org/drawingml/2006/main" xmlns:r="http://schemas.openxmlformats.org/officeDocument/2006/relationships" xmlns:mc="http://schemas.openxmlformats.org/markup-compatibility/2006" xmlns:mv="urn:schemas-microsoft-com:mac:vml" xmlns:p="http://schemas.openxmlformats.org/presentationml/2006/main" xmlns:c="http://schemas.openxmlformats.org/drawingml/2006/chart" xmlns:dgm="http://schemas.openxmlformats.org/drawingml/2006/diagram" xmlns:o="urn:schemas-microsoft-com:office:office" xmlns:v="urn:schemas-microsoft-com:vml" xmlns:pvml="urn:schemas-microsoft-com:office:powerpoint" xmlns:com="http://schemas.openxmlformats.org/drawingml/2006/compatibility" xmlns:p14="http://schemas.microsoft.com/office/powerpoint/2010/main" xmlns:p15="http://schemas.microsoft.com/office/powerpoint/2012/main" xmlns:ahyp="http://schemas.microsoft.com/office/drawing/2018/hyperlinkcolor" matchingName="Title and body" type="tx">
+<p:sldLayout xmlns:a="http://schemas.openxmlformats.org/drawingml/2006/main" xmlns:r="http://schemas.openxmlformats.org/officeDocument/2006/relationships" xmlns:p="http://schemas.openxmlformats.org/presentationml/2006/main" matchingName="Title and body" type="tx">
   <p:cSld name="TITLE_AND_BODY">
     <p:bg>
       <p:bgPr>
         <a:solidFill>
           <a:schemeClr val="dk2"/>
         </a:solidFill>
+        <a:effectLst/>
       </p:bgPr>
     </p:bg>
     <p:spTree>
       <p:nvGrpSpPr>
-        <p:cNvPr id="49" name="Shape 49"/>
+        <p:cNvPr id="1" name="Shape 49"/>
         <p:cNvGrpSpPr/>
         <p:nvPr/>
       </p:nvGrpSpPr>
@@ -4529,12 +4534,12 @@
           </a:ln>
         </p:spPr>
         <p:txBody>
-          <a:bodyPr anchorCtr="0" anchor="ctr" bIns="91425" lIns="91425" spcFirstLastPara="1" rIns="91425" wrap="square" tIns="91425">
+          <a:bodyPr spcFirstLastPara="1" wrap="square" lIns="91425" tIns="91425" rIns="91425" bIns="91425" anchor="ctr" anchorCtr="0">
             <a:noAutofit/>
           </a:bodyPr>
           <a:lstStyle/>
           <a:p>
-            <a:pPr indent="0" lvl="0" marL="0" rtl="0" algn="l">
+            <a:pPr marL="0" lvl="0" indent="0" algn="l" rtl="0">
               <a:spcBef>
                 <a:spcPts val="0"/>
               </a:spcBef>
@@ -4543,9 +4548,6 @@
               </a:spcAft>
               <a:buNone/>
             </a:pPr>
-            <a:r>
-              <a:t/>
-            </a:r>
             <a:endParaRPr/>
           </a:p>
         </p:txBody>
@@ -4572,12 +4574,12 @@
           </a:ln>
         </p:spPr>
         <p:txBody>
-          <a:bodyPr anchorCtr="0" anchor="ctr" bIns="91425" lIns="91425" spcFirstLastPara="1" rIns="91425" wrap="square" tIns="91425">
+          <a:bodyPr spcFirstLastPara="1" wrap="square" lIns="91425" tIns="91425" rIns="91425" bIns="91425" anchor="ctr" anchorCtr="0">
             <a:noAutofit/>
           </a:bodyPr>
           <a:lstStyle/>
           <a:p>
-            <a:pPr indent="0" lvl="0" marL="0" rtl="0" algn="l">
+            <a:pPr marL="0" lvl="0" indent="0" algn="l" rtl="0">
               <a:spcBef>
                 <a:spcPts val="0"/>
               </a:spcBef>
@@ -4586,9 +4588,6 @@
               </a:spcAft>
               <a:buNone/>
             </a:pPr>
-            <a:r>
-              <a:t/>
-            </a:r>
             <a:endParaRPr/>
           </a:p>
         </p:txBody>
@@ -4614,7 +4613,7 @@
             <a:noFill/>
           </a:ln>
           <a:effectLst>
-            <a:outerShdw blurRad="228600" sx="101000" rotWithShape="0" algn="ctr" sy="101000">
+            <a:outerShdw blurRad="228600" sx="101000" sy="101000" algn="ctr" rotWithShape="0">
               <a:srgbClr val="000000">
                 <a:alpha val="40000"/>
               </a:srgbClr>
@@ -4622,12 +4621,12 @@
           </a:effectLst>
         </p:spPr>
         <p:txBody>
-          <a:bodyPr anchorCtr="0" anchor="ctr" bIns="91425" lIns="91425" spcFirstLastPara="1" rIns="91425" wrap="square" tIns="91425">
+          <a:bodyPr spcFirstLastPara="1" wrap="square" lIns="91425" tIns="91425" rIns="91425" bIns="91425" anchor="ctr" anchorCtr="0">
             <a:noAutofit/>
           </a:bodyPr>
           <a:lstStyle/>
           <a:p>
-            <a:pPr indent="0" lvl="0" marL="0" rtl="0" algn="l">
+            <a:pPr marL="0" lvl="0" indent="0" algn="l" rtl="0">
               <a:spcBef>
                 <a:spcPts val="0"/>
               </a:spcBef>
@@ -4636,9 +4635,6 @@
               </a:spcAft>
               <a:buNone/>
             </a:pPr>
-            <a:r>
-              <a:t/>
-            </a:r>
             <a:endParaRPr/>
           </a:p>
         </p:txBody>
@@ -4646,7 +4642,9 @@
       <p:sp>
         <p:nvSpPr>
           <p:cNvPr id="53" name="Google Shape;53;p4"/>
-          <p:cNvSpPr txBox="1"/>
+          <p:cNvSpPr txBox="1">
+            <a:spLocks noGrp="1"/>
+          </p:cNvSpPr>
           <p:nvPr>
             <p:ph type="title"/>
           </p:nvPr>
@@ -4661,7 +4659,7 @@
           </a:prstGeom>
         </p:spPr>
         <p:txBody>
-          <a:bodyPr anchorCtr="0" anchor="t" bIns="91425" lIns="91425" spcFirstLastPara="1" rIns="91425" wrap="square" tIns="91425">
+          <a:bodyPr spcFirstLastPara="1" wrap="square" lIns="91425" tIns="91425" rIns="91425" bIns="91425" anchor="t" anchorCtr="0">
             <a:noAutofit/>
           </a:bodyPr>
           <a:lstStyle>
@@ -4765,15 +4763,19 @@
               <a:defRPr sz="3000"/>
             </a:lvl9pPr>
           </a:lstStyle>
-          <a:p/>
+          <a:p>
+            <a:endParaRPr/>
+          </a:p>
         </p:txBody>
       </p:sp>
       <p:sp>
         <p:nvSpPr>
           <p:cNvPr id="54" name="Google Shape;54;p4"/>
-          <p:cNvSpPr txBox="1"/>
+          <p:cNvSpPr txBox="1">
+            <a:spLocks noGrp="1"/>
+          </p:cNvSpPr>
           <p:nvPr>
-            <p:ph idx="1" type="body"/>
+            <p:ph type="body" idx="1"/>
           </p:nvPr>
         </p:nvSpPr>
         <p:spPr>
@@ -4786,11 +4788,11 @@
           </a:prstGeom>
         </p:spPr>
         <p:txBody>
-          <a:bodyPr anchorCtr="0" anchor="t" bIns="91425" lIns="91425" spcFirstLastPara="1" rIns="91425" wrap="square" tIns="91425">
+          <a:bodyPr spcFirstLastPara="1" wrap="square" lIns="91425" tIns="91425" rIns="91425" bIns="91425" anchor="t" anchorCtr="0">
             <a:noAutofit/>
           </a:bodyPr>
           <a:lstStyle>
-            <a:lvl1pPr indent="-311150" lvl="0" marL="457200" rtl="0">
+            <a:lvl1pPr marL="457200" lvl="0" indent="-311150" rtl="0">
               <a:spcBef>
                 <a:spcPts val="0"/>
               </a:spcBef>
@@ -4801,7 +4803,7 @@
               <a:buChar char="●"/>
               <a:defRPr/>
             </a:lvl1pPr>
-            <a:lvl2pPr indent="-298450" lvl="1" marL="914400" rtl="0">
+            <a:lvl2pPr marL="914400" lvl="1" indent="-298450" rtl="0">
               <a:spcBef>
                 <a:spcPts val="1600"/>
               </a:spcBef>
@@ -4812,7 +4814,7 @@
               <a:buChar char="○"/>
               <a:defRPr/>
             </a:lvl2pPr>
-            <a:lvl3pPr indent="-298450" lvl="2" marL="1371600" rtl="0">
+            <a:lvl3pPr marL="1371600" lvl="2" indent="-298450" rtl="0">
               <a:spcBef>
                 <a:spcPts val="1600"/>
               </a:spcBef>
@@ -4823,7 +4825,7 @@
               <a:buChar char="■"/>
               <a:defRPr/>
             </a:lvl3pPr>
-            <a:lvl4pPr indent="-298450" lvl="3" marL="1828800" rtl="0">
+            <a:lvl4pPr marL="1828800" lvl="3" indent="-298450" rtl="0">
               <a:spcBef>
                 <a:spcPts val="1600"/>
               </a:spcBef>
@@ -4834,7 +4836,7 @@
               <a:buChar char="●"/>
               <a:defRPr/>
             </a:lvl4pPr>
-            <a:lvl5pPr indent="-298450" lvl="4" marL="2286000" rtl="0">
+            <a:lvl5pPr marL="2286000" lvl="4" indent="-298450" rtl="0">
               <a:spcBef>
                 <a:spcPts val="1600"/>
               </a:spcBef>
@@ -4845,7 +4847,7 @@
               <a:buChar char="○"/>
               <a:defRPr/>
             </a:lvl5pPr>
-            <a:lvl6pPr indent="-298450" lvl="5" marL="2743200" rtl="0">
+            <a:lvl6pPr marL="2743200" lvl="5" indent="-298450" rtl="0">
               <a:spcBef>
                 <a:spcPts val="1600"/>
               </a:spcBef>
@@ -4856,7 +4858,7 @@
               <a:buChar char="■"/>
               <a:defRPr/>
             </a:lvl6pPr>
-            <a:lvl7pPr indent="-298450" lvl="6" marL="3200400" rtl="0">
+            <a:lvl7pPr marL="3200400" lvl="6" indent="-298450" rtl="0">
               <a:spcBef>
                 <a:spcPts val="1600"/>
               </a:spcBef>
@@ -4867,7 +4869,7 @@
               <a:buChar char="●"/>
               <a:defRPr/>
             </a:lvl7pPr>
-            <a:lvl8pPr indent="-298450" lvl="7" marL="3657600" rtl="0">
+            <a:lvl8pPr marL="3657600" lvl="7" indent="-298450" rtl="0">
               <a:spcBef>
                 <a:spcPts val="1600"/>
               </a:spcBef>
@@ -4878,7 +4880,7 @@
               <a:buChar char="○"/>
               <a:defRPr/>
             </a:lvl8pPr>
-            <a:lvl9pPr indent="-298450" lvl="8" marL="4114800" rtl="0">
+            <a:lvl9pPr marL="4114800" lvl="8" indent="-298450" rtl="0">
               <a:spcBef>
                 <a:spcPts val="1600"/>
               </a:spcBef>
@@ -4890,15 +4892,19 @@
               <a:defRPr/>
             </a:lvl9pPr>
           </a:lstStyle>
-          <a:p/>
+          <a:p>
+            <a:endParaRPr/>
+          </a:p>
         </p:txBody>
       </p:sp>
       <p:sp>
         <p:nvSpPr>
           <p:cNvPr id="55" name="Google Shape;55;p4"/>
-          <p:cNvSpPr txBox="1"/>
+          <p:cNvSpPr txBox="1">
+            <a:spLocks noGrp="1"/>
+          </p:cNvSpPr>
           <p:nvPr>
-            <p:ph idx="12" type="sldNum"/>
+            <p:ph type="sldNum" idx="12"/>
           </p:nvPr>
         </p:nvSpPr>
         <p:spPr>
@@ -4911,7 +4917,7 @@
           </a:prstGeom>
         </p:spPr>
         <p:txBody>
-          <a:bodyPr anchorCtr="0" anchor="ctr" bIns="91425" lIns="91425" spcFirstLastPara="1" rIns="91425" wrap="square" tIns="91425">
+          <a:bodyPr spcFirstLastPara="1" wrap="square" lIns="91425" tIns="91425" rIns="91425" bIns="91425" anchor="ctr" anchorCtr="0">
             <a:noAutofit/>
           </a:bodyPr>
           <a:lstStyle>
@@ -4953,7 +4959,7 @@
             </a:lvl9pPr>
           </a:lstStyle>
           <a:p>
-            <a:pPr indent="0" lvl="0" marL="0" rtl="0" algn="r">
+            <a:pPr marL="0" lvl="0" indent="0" algn="r" rtl="0">
               <a:spcBef>
                 <a:spcPts val="0"/>
               </a:spcBef>
@@ -4979,18 +4985,19 @@
 </file>
 
 <file path=ppt/slideLayouts/slideLayout4.xml><?xml version="1.0" encoding="utf-8"?>
-<p:sldLayout xmlns:a="http://schemas.openxmlformats.org/drawingml/2006/main" xmlns:r="http://schemas.openxmlformats.org/officeDocument/2006/relationships" xmlns:mc="http://schemas.openxmlformats.org/markup-compatibility/2006" xmlns:mv="urn:schemas-microsoft-com:mac:vml" xmlns:p="http://schemas.openxmlformats.org/presentationml/2006/main" xmlns:c="http://schemas.openxmlformats.org/drawingml/2006/chart" xmlns:dgm="http://schemas.openxmlformats.org/drawingml/2006/diagram" xmlns:o="urn:schemas-microsoft-com:office:office" xmlns:v="urn:schemas-microsoft-com:vml" xmlns:pvml="urn:schemas-microsoft-com:office:powerpoint" xmlns:com="http://schemas.openxmlformats.org/drawingml/2006/compatibility" xmlns:p14="http://schemas.microsoft.com/office/powerpoint/2010/main" xmlns:p15="http://schemas.microsoft.com/office/powerpoint/2012/main" xmlns:ahyp="http://schemas.microsoft.com/office/drawing/2018/hyperlinkcolor" matchingName="Title and two columns" type="twoColTx">
+<p:sldLayout xmlns:a="http://schemas.openxmlformats.org/drawingml/2006/main" xmlns:r="http://schemas.openxmlformats.org/officeDocument/2006/relationships" xmlns:p="http://schemas.openxmlformats.org/presentationml/2006/main" matchingName="Title and two columns" type="twoColTx">
   <p:cSld name="TITLE_AND_TWO_COLUMNS">
     <p:bg>
       <p:bgPr>
         <a:solidFill>
           <a:schemeClr val="dk2"/>
         </a:solidFill>
+        <a:effectLst/>
       </p:bgPr>
     </p:bg>
     <p:spTree>
       <p:nvGrpSpPr>
-        <p:cNvPr id="56" name="Shape 56"/>
+        <p:cNvPr id="1" name="Shape 56"/>
         <p:cNvGrpSpPr/>
         <p:nvPr/>
       </p:nvGrpSpPr>
@@ -5024,12 +5031,12 @@
           </a:ln>
         </p:spPr>
         <p:txBody>
-          <a:bodyPr anchorCtr="0" anchor="ctr" bIns="91425" lIns="91425" spcFirstLastPara="1" rIns="91425" wrap="square" tIns="91425">
+          <a:bodyPr spcFirstLastPara="1" wrap="square" lIns="91425" tIns="91425" rIns="91425" bIns="91425" anchor="ctr" anchorCtr="0">
             <a:noAutofit/>
           </a:bodyPr>
           <a:lstStyle/>
           <a:p>
-            <a:pPr indent="0" lvl="0" marL="0" rtl="0" algn="l">
+            <a:pPr marL="0" lvl="0" indent="0" algn="l" rtl="0">
               <a:spcBef>
                 <a:spcPts val="0"/>
               </a:spcBef>
@@ -5038,9 +5045,6 @@
               </a:spcAft>
               <a:buNone/>
             </a:pPr>
-            <a:r>
-              <a:t/>
-            </a:r>
             <a:endParaRPr/>
           </a:p>
         </p:txBody>
@@ -5067,12 +5071,12 @@
           </a:ln>
         </p:spPr>
         <p:txBody>
-          <a:bodyPr anchorCtr="0" anchor="ctr" bIns="91425" lIns="91425" spcFirstLastPara="1" rIns="91425" wrap="square" tIns="91425">
+          <a:bodyPr spcFirstLastPara="1" wrap="square" lIns="91425" tIns="91425" rIns="91425" bIns="91425" anchor="ctr" anchorCtr="0">
             <a:noAutofit/>
           </a:bodyPr>
           <a:lstStyle/>
           <a:p>
-            <a:pPr indent="0" lvl="0" marL="0" rtl="0" algn="l">
+            <a:pPr marL="0" lvl="0" indent="0" algn="l" rtl="0">
               <a:spcBef>
                 <a:spcPts val="0"/>
               </a:spcBef>
@@ -5081,9 +5085,6 @@
               </a:spcAft>
               <a:buNone/>
             </a:pPr>
-            <a:r>
-              <a:t/>
-            </a:r>
             <a:endParaRPr/>
           </a:p>
         </p:txBody>
@@ -5109,7 +5110,7 @@
             <a:noFill/>
           </a:ln>
           <a:effectLst>
-            <a:outerShdw blurRad="228600" sx="101000" rotWithShape="0" algn="ctr" sy="101000">
+            <a:outerShdw blurRad="228600" sx="101000" sy="101000" algn="ctr" rotWithShape="0">
               <a:srgbClr val="000000">
                 <a:alpha val="40000"/>
               </a:srgbClr>
@@ -5117,12 +5118,12 @@
           </a:effectLst>
         </p:spPr>
         <p:txBody>
-          <a:bodyPr anchorCtr="0" anchor="ctr" bIns="91425" lIns="91425" spcFirstLastPara="1" rIns="91425" wrap="square" tIns="91425">
+          <a:bodyPr spcFirstLastPara="1" wrap="square" lIns="91425" tIns="91425" rIns="91425" bIns="91425" anchor="ctr" anchorCtr="0">
             <a:noAutofit/>
           </a:bodyPr>
           <a:lstStyle/>
           <a:p>
-            <a:pPr indent="0" lvl="0" marL="0" rtl="0" algn="l">
+            <a:pPr marL="0" lvl="0" indent="0" algn="l" rtl="0">
               <a:spcBef>
                 <a:spcPts val="0"/>
               </a:spcBef>
@@ -5131,9 +5132,6 @@
               </a:spcAft>
               <a:buNone/>
             </a:pPr>
-            <a:r>
-              <a:t/>
-            </a:r>
             <a:endParaRPr/>
           </a:p>
         </p:txBody>
@@ -5141,7 +5139,9 @@
       <p:sp>
         <p:nvSpPr>
           <p:cNvPr id="60" name="Google Shape;60;p5"/>
-          <p:cNvSpPr txBox="1"/>
+          <p:cNvSpPr txBox="1">
+            <a:spLocks noGrp="1"/>
+          </p:cNvSpPr>
           <p:nvPr>
             <p:ph type="title"/>
           </p:nvPr>
@@ -5156,7 +5156,7 @@
           </a:prstGeom>
         </p:spPr>
         <p:txBody>
-          <a:bodyPr anchorCtr="0" anchor="t" bIns="91425" lIns="91425" spcFirstLastPara="1" rIns="91425" wrap="square" tIns="91425">
+          <a:bodyPr spcFirstLastPara="1" wrap="square" lIns="91425" tIns="91425" rIns="91425" bIns="91425" anchor="t" anchorCtr="0">
             <a:noAutofit/>
           </a:bodyPr>
           <a:lstStyle>
@@ -5260,15 +5260,19 @@
               <a:defRPr sz="3000"/>
             </a:lvl9pPr>
           </a:lstStyle>
-          <a:p/>
+          <a:p>
+            <a:endParaRPr/>
+          </a:p>
         </p:txBody>
       </p:sp>
       <p:sp>
         <p:nvSpPr>
           <p:cNvPr id="61" name="Google Shape;61;p5"/>
-          <p:cNvSpPr txBox="1"/>
+          <p:cNvSpPr txBox="1">
+            <a:spLocks noGrp="1"/>
+          </p:cNvSpPr>
           <p:nvPr>
-            <p:ph idx="1" type="body"/>
+            <p:ph type="body" idx="1"/>
           </p:nvPr>
         </p:nvSpPr>
         <p:spPr>
@@ -5281,11 +5285,11 @@
           </a:prstGeom>
         </p:spPr>
         <p:txBody>
-          <a:bodyPr anchorCtr="0" anchor="t" bIns="91425" lIns="91425" spcFirstLastPara="1" rIns="91425" wrap="square" tIns="91425">
+          <a:bodyPr spcFirstLastPara="1" wrap="square" lIns="91425" tIns="91425" rIns="91425" bIns="91425" anchor="t" anchorCtr="0">
             <a:noAutofit/>
           </a:bodyPr>
           <a:lstStyle>
-            <a:lvl1pPr indent="-311150" lvl="0" marL="457200" rtl="0">
+            <a:lvl1pPr marL="457200" lvl="0" indent="-311150" rtl="0">
               <a:spcBef>
                 <a:spcPts val="0"/>
               </a:spcBef>
@@ -5296,7 +5300,7 @@
               <a:buChar char="●"/>
               <a:defRPr/>
             </a:lvl1pPr>
-            <a:lvl2pPr indent="-298450" lvl="1" marL="914400" rtl="0">
+            <a:lvl2pPr marL="914400" lvl="1" indent="-298450" rtl="0">
               <a:spcBef>
                 <a:spcPts val="1600"/>
               </a:spcBef>
@@ -5307,7 +5311,7 @@
               <a:buChar char="○"/>
               <a:defRPr/>
             </a:lvl2pPr>
-            <a:lvl3pPr indent="-298450" lvl="2" marL="1371600" rtl="0">
+            <a:lvl3pPr marL="1371600" lvl="2" indent="-298450" rtl="0">
               <a:spcBef>
                 <a:spcPts val="1600"/>
               </a:spcBef>
@@ -5318,7 +5322,7 @@
               <a:buChar char="■"/>
               <a:defRPr/>
             </a:lvl3pPr>
-            <a:lvl4pPr indent="-298450" lvl="3" marL="1828800" rtl="0">
+            <a:lvl4pPr marL="1828800" lvl="3" indent="-298450" rtl="0">
               <a:spcBef>
                 <a:spcPts val="1600"/>
               </a:spcBef>
@@ -5329,7 +5333,7 @@
               <a:buChar char="●"/>
               <a:defRPr/>
             </a:lvl4pPr>
-            <a:lvl5pPr indent="-298450" lvl="4" marL="2286000" rtl="0">
+            <a:lvl5pPr marL="2286000" lvl="4" indent="-298450" rtl="0">
               <a:spcBef>
                 <a:spcPts val="1600"/>
               </a:spcBef>
@@ -5340,7 +5344,7 @@
               <a:buChar char="○"/>
               <a:defRPr/>
             </a:lvl5pPr>
-            <a:lvl6pPr indent="-298450" lvl="5" marL="2743200" rtl="0">
+            <a:lvl6pPr marL="2743200" lvl="5" indent="-298450" rtl="0">
               <a:spcBef>
                 <a:spcPts val="1600"/>
               </a:spcBef>
@@ -5351,7 +5355,7 @@
               <a:buChar char="■"/>
               <a:defRPr/>
             </a:lvl6pPr>
-            <a:lvl7pPr indent="-298450" lvl="6" marL="3200400" rtl="0">
+            <a:lvl7pPr marL="3200400" lvl="6" indent="-298450" rtl="0">
               <a:spcBef>
                 <a:spcPts val="1600"/>
               </a:spcBef>
@@ -5362,7 +5366,7 @@
               <a:buChar char="●"/>
               <a:defRPr/>
             </a:lvl7pPr>
-            <a:lvl8pPr indent="-298450" lvl="7" marL="3657600" rtl="0">
+            <a:lvl8pPr marL="3657600" lvl="7" indent="-298450" rtl="0">
               <a:spcBef>
                 <a:spcPts val="1600"/>
               </a:spcBef>
@@ -5373,7 +5377,7 @@
               <a:buChar char="○"/>
               <a:defRPr/>
             </a:lvl8pPr>
-            <a:lvl9pPr indent="-298450" lvl="8" marL="4114800" rtl="0">
+            <a:lvl9pPr marL="4114800" lvl="8" indent="-298450" rtl="0">
               <a:spcBef>
                 <a:spcPts val="1600"/>
               </a:spcBef>
@@ -5385,15 +5389,19 @@
               <a:defRPr/>
             </a:lvl9pPr>
           </a:lstStyle>
-          <a:p/>
+          <a:p>
+            <a:endParaRPr/>
+          </a:p>
         </p:txBody>
       </p:sp>
       <p:sp>
         <p:nvSpPr>
           <p:cNvPr id="62" name="Google Shape;62;p5"/>
-          <p:cNvSpPr txBox="1"/>
+          <p:cNvSpPr txBox="1">
+            <a:spLocks noGrp="1"/>
+          </p:cNvSpPr>
           <p:nvPr>
-            <p:ph idx="2" type="body"/>
+            <p:ph type="body" idx="2"/>
           </p:nvPr>
         </p:nvSpPr>
         <p:spPr>
@@ -5406,11 +5414,11 @@
           </a:prstGeom>
         </p:spPr>
         <p:txBody>
-          <a:bodyPr anchorCtr="0" anchor="t" bIns="91425" lIns="91425" spcFirstLastPara="1" rIns="91425" wrap="square" tIns="91425">
+          <a:bodyPr spcFirstLastPara="1" wrap="square" lIns="91425" tIns="91425" rIns="91425" bIns="91425" anchor="t" anchorCtr="0">
             <a:noAutofit/>
           </a:bodyPr>
           <a:lstStyle>
-            <a:lvl1pPr indent="-311150" lvl="0" marL="457200" rtl="0">
+            <a:lvl1pPr marL="457200" lvl="0" indent="-311150" rtl="0">
               <a:spcBef>
                 <a:spcPts val="0"/>
               </a:spcBef>
@@ -5421,7 +5429,7 @@
               <a:buChar char="●"/>
               <a:defRPr/>
             </a:lvl1pPr>
-            <a:lvl2pPr indent="-298450" lvl="1" marL="914400" rtl="0">
+            <a:lvl2pPr marL="914400" lvl="1" indent="-298450" rtl="0">
               <a:spcBef>
                 <a:spcPts val="1600"/>
               </a:spcBef>
@@ -5432,7 +5440,7 @@
               <a:buChar char="○"/>
               <a:defRPr/>
             </a:lvl2pPr>
-            <a:lvl3pPr indent="-298450" lvl="2" marL="1371600" rtl="0">
+            <a:lvl3pPr marL="1371600" lvl="2" indent="-298450" rtl="0">
               <a:spcBef>
                 <a:spcPts val="1600"/>
               </a:spcBef>
@@ -5443,7 +5451,7 @@
               <a:buChar char="■"/>
               <a:defRPr/>
             </a:lvl3pPr>
-            <a:lvl4pPr indent="-298450" lvl="3" marL="1828800" rtl="0">
+            <a:lvl4pPr marL="1828800" lvl="3" indent="-298450" rtl="0">
               <a:spcBef>
                 <a:spcPts val="1600"/>
               </a:spcBef>
@@ -5454,7 +5462,7 @@
               <a:buChar char="●"/>
               <a:defRPr/>
             </a:lvl4pPr>
-            <a:lvl5pPr indent="-298450" lvl="4" marL="2286000" rtl="0">
+            <a:lvl5pPr marL="2286000" lvl="4" indent="-298450" rtl="0">
               <a:spcBef>
                 <a:spcPts val="1600"/>
               </a:spcBef>
@@ -5465,7 +5473,7 @@
               <a:buChar char="○"/>
               <a:defRPr/>
             </a:lvl5pPr>
-            <a:lvl6pPr indent="-298450" lvl="5" marL="2743200" rtl="0">
+            <a:lvl6pPr marL="2743200" lvl="5" indent="-298450" rtl="0">
               <a:spcBef>
                 <a:spcPts val="1600"/>
               </a:spcBef>
@@ -5476,7 +5484,7 @@
               <a:buChar char="■"/>
               <a:defRPr/>
             </a:lvl6pPr>
-            <a:lvl7pPr indent="-298450" lvl="6" marL="3200400" rtl="0">
+            <a:lvl7pPr marL="3200400" lvl="6" indent="-298450" rtl="0">
               <a:spcBef>
                 <a:spcPts val="1600"/>
               </a:spcBef>
@@ -5487,7 +5495,7 @@
               <a:buChar char="●"/>
               <a:defRPr/>
             </a:lvl7pPr>
-            <a:lvl8pPr indent="-298450" lvl="7" marL="3657600" rtl="0">
+            <a:lvl8pPr marL="3657600" lvl="7" indent="-298450" rtl="0">
               <a:spcBef>
                 <a:spcPts val="1600"/>
               </a:spcBef>
@@ -5498,7 +5506,7 @@
               <a:buChar char="○"/>
               <a:defRPr/>
             </a:lvl8pPr>
-            <a:lvl9pPr indent="-298450" lvl="8" marL="4114800" rtl="0">
+            <a:lvl9pPr marL="4114800" lvl="8" indent="-298450" rtl="0">
               <a:spcBef>
                 <a:spcPts val="1600"/>
               </a:spcBef>
@@ -5510,15 +5518,19 @@
               <a:defRPr/>
             </a:lvl9pPr>
           </a:lstStyle>
-          <a:p/>
+          <a:p>
+            <a:endParaRPr/>
+          </a:p>
         </p:txBody>
       </p:sp>
       <p:sp>
         <p:nvSpPr>
           <p:cNvPr id="63" name="Google Shape;63;p5"/>
-          <p:cNvSpPr txBox="1"/>
+          <p:cNvSpPr txBox="1">
+            <a:spLocks noGrp="1"/>
+          </p:cNvSpPr>
           <p:nvPr>
-            <p:ph idx="12" type="sldNum"/>
+            <p:ph type="sldNum" idx="12"/>
           </p:nvPr>
         </p:nvSpPr>
         <p:spPr>
@@ -5531,7 +5543,7 @@
           </a:prstGeom>
         </p:spPr>
         <p:txBody>
-          <a:bodyPr anchorCtr="0" anchor="ctr" bIns="91425" lIns="91425" spcFirstLastPara="1" rIns="91425" wrap="square" tIns="91425">
+          <a:bodyPr spcFirstLastPara="1" wrap="square" lIns="91425" tIns="91425" rIns="91425" bIns="91425" anchor="ctr" anchorCtr="0">
             <a:noAutofit/>
           </a:bodyPr>
           <a:lstStyle>
@@ -5573,7 +5585,7 @@
             </a:lvl9pPr>
           </a:lstStyle>
           <a:p>
-            <a:pPr indent="0" lvl="0" marL="0" rtl="0" algn="r">
+            <a:pPr marL="0" lvl="0" indent="0" algn="r" rtl="0">
               <a:spcBef>
                 <a:spcPts val="0"/>
               </a:spcBef>
@@ -5599,18 +5611,19 @@
 </file>
 
 <file path=ppt/slideLayouts/slideLayout5.xml><?xml version="1.0" encoding="utf-8"?>
-<p:sldLayout xmlns:a="http://schemas.openxmlformats.org/drawingml/2006/main" xmlns:r="http://schemas.openxmlformats.org/officeDocument/2006/relationships" xmlns:mc="http://schemas.openxmlformats.org/markup-compatibility/2006" xmlns:mv="urn:schemas-microsoft-com:mac:vml" xmlns:p="http://schemas.openxmlformats.org/presentationml/2006/main" xmlns:c="http://schemas.openxmlformats.org/drawingml/2006/chart" xmlns:dgm="http://schemas.openxmlformats.org/drawingml/2006/diagram" xmlns:o="urn:schemas-microsoft-com:office:office" xmlns:v="urn:schemas-microsoft-com:vml" xmlns:pvml="urn:schemas-microsoft-com:office:powerpoint" xmlns:com="http://schemas.openxmlformats.org/drawingml/2006/compatibility" xmlns:p14="http://schemas.microsoft.com/office/powerpoint/2010/main" xmlns:p15="http://schemas.microsoft.com/office/powerpoint/2012/main" xmlns:ahyp="http://schemas.microsoft.com/office/drawing/2018/hyperlinkcolor" matchingName="Title only" type="titleOnly">
+<p:sldLayout xmlns:a="http://schemas.openxmlformats.org/drawingml/2006/main" xmlns:r="http://schemas.openxmlformats.org/officeDocument/2006/relationships" xmlns:p="http://schemas.openxmlformats.org/presentationml/2006/main" matchingName="Title only" type="titleOnly">
   <p:cSld name="TITLE_ONLY">
     <p:bg>
       <p:bgPr>
         <a:solidFill>
           <a:schemeClr val="dk2"/>
         </a:solidFill>
+        <a:effectLst/>
       </p:bgPr>
     </p:bg>
     <p:spTree>
       <p:nvGrpSpPr>
-        <p:cNvPr id="64" name="Shape 64"/>
+        <p:cNvPr id="1" name="Shape 64"/>
         <p:cNvGrpSpPr/>
         <p:nvPr/>
       </p:nvGrpSpPr>
@@ -5644,12 +5657,12 @@
           </a:ln>
         </p:spPr>
         <p:txBody>
-          <a:bodyPr anchorCtr="0" anchor="ctr" bIns="91425" lIns="91425" spcFirstLastPara="1" rIns="91425" wrap="square" tIns="91425">
+          <a:bodyPr spcFirstLastPara="1" wrap="square" lIns="91425" tIns="91425" rIns="91425" bIns="91425" anchor="ctr" anchorCtr="0">
             <a:noAutofit/>
           </a:bodyPr>
           <a:lstStyle/>
           <a:p>
-            <a:pPr indent="0" lvl="0" marL="0" rtl="0" algn="l">
+            <a:pPr marL="0" lvl="0" indent="0" algn="l" rtl="0">
               <a:spcBef>
                 <a:spcPts val="0"/>
               </a:spcBef>
@@ -5658,9 +5671,6 @@
               </a:spcAft>
               <a:buNone/>
             </a:pPr>
-            <a:r>
-              <a:t/>
-            </a:r>
             <a:endParaRPr/>
           </a:p>
         </p:txBody>
@@ -5687,12 +5697,12 @@
           </a:ln>
         </p:spPr>
         <p:txBody>
-          <a:bodyPr anchorCtr="0" anchor="ctr" bIns="91425" lIns="91425" spcFirstLastPara="1" rIns="91425" wrap="square" tIns="91425">
+          <a:bodyPr spcFirstLastPara="1" wrap="square" lIns="91425" tIns="91425" rIns="91425" bIns="91425" anchor="ctr" anchorCtr="0">
             <a:noAutofit/>
           </a:bodyPr>
           <a:lstStyle/>
           <a:p>
-            <a:pPr indent="0" lvl="0" marL="0" rtl="0" algn="l">
+            <a:pPr marL="0" lvl="0" indent="0" algn="l" rtl="0">
               <a:spcBef>
                 <a:spcPts val="0"/>
               </a:spcBef>
@@ -5701,9 +5711,6 @@
               </a:spcAft>
               <a:buNone/>
             </a:pPr>
-            <a:r>
-              <a:t/>
-            </a:r>
             <a:endParaRPr/>
           </a:p>
         </p:txBody>
@@ -5729,7 +5736,7 @@
             <a:noFill/>
           </a:ln>
           <a:effectLst>
-            <a:outerShdw blurRad="228600" sx="101000" rotWithShape="0" algn="ctr" sy="101000">
+            <a:outerShdw blurRad="228600" sx="101000" sy="101000" algn="ctr" rotWithShape="0">
               <a:srgbClr val="000000">
                 <a:alpha val="40000"/>
               </a:srgbClr>
@@ -5737,12 +5744,12 @@
           </a:effectLst>
         </p:spPr>
         <p:txBody>
-          <a:bodyPr anchorCtr="0" anchor="ctr" bIns="91425" lIns="91425" spcFirstLastPara="1" rIns="91425" wrap="square" tIns="91425">
+          <a:bodyPr spcFirstLastPara="1" wrap="square" lIns="91425" tIns="91425" rIns="91425" bIns="91425" anchor="ctr" anchorCtr="0">
             <a:noAutofit/>
           </a:bodyPr>
           <a:lstStyle/>
           <a:p>
-            <a:pPr indent="0" lvl="0" marL="0" rtl="0" algn="l">
+            <a:pPr marL="0" lvl="0" indent="0" algn="l" rtl="0">
               <a:spcBef>
                 <a:spcPts val="0"/>
               </a:spcBef>
@@ -5751,9 +5758,6 @@
               </a:spcAft>
               <a:buNone/>
             </a:pPr>
-            <a:r>
-              <a:t/>
-            </a:r>
             <a:endParaRPr/>
           </a:p>
         </p:txBody>
@@ -5761,7 +5765,9 @@
       <p:sp>
         <p:nvSpPr>
           <p:cNvPr id="68" name="Google Shape;68;p6"/>
-          <p:cNvSpPr txBox="1"/>
+          <p:cNvSpPr txBox="1">
+            <a:spLocks noGrp="1"/>
+          </p:cNvSpPr>
           <p:nvPr>
             <p:ph type="title"/>
           </p:nvPr>
@@ -5776,7 +5782,7 @@
           </a:prstGeom>
         </p:spPr>
         <p:txBody>
-          <a:bodyPr anchorCtr="0" anchor="t" bIns="91425" lIns="91425" spcFirstLastPara="1" rIns="91425" wrap="square" tIns="91425">
+          <a:bodyPr spcFirstLastPara="1" wrap="square" lIns="91425" tIns="91425" rIns="91425" bIns="91425" anchor="t" anchorCtr="0">
             <a:noAutofit/>
           </a:bodyPr>
           <a:lstStyle>
@@ -5880,15 +5886,19 @@
               <a:defRPr sz="3000"/>
             </a:lvl9pPr>
           </a:lstStyle>
-          <a:p/>
+          <a:p>
+            <a:endParaRPr/>
+          </a:p>
         </p:txBody>
       </p:sp>
       <p:sp>
         <p:nvSpPr>
           <p:cNvPr id="69" name="Google Shape;69;p6"/>
-          <p:cNvSpPr txBox="1"/>
+          <p:cNvSpPr txBox="1">
+            <a:spLocks noGrp="1"/>
+          </p:cNvSpPr>
           <p:nvPr>
-            <p:ph idx="12" type="sldNum"/>
+            <p:ph type="sldNum" idx="12"/>
           </p:nvPr>
         </p:nvSpPr>
         <p:spPr>
@@ -5901,7 +5911,7 @@
           </a:prstGeom>
         </p:spPr>
         <p:txBody>
-          <a:bodyPr anchorCtr="0" anchor="ctr" bIns="91425" lIns="91425" spcFirstLastPara="1" rIns="91425" wrap="square" tIns="91425">
+          <a:bodyPr spcFirstLastPara="1" wrap="square" lIns="91425" tIns="91425" rIns="91425" bIns="91425" anchor="ctr" anchorCtr="0">
             <a:noAutofit/>
           </a:bodyPr>
           <a:lstStyle>
@@ -5943,7 +5953,7 @@
             </a:lvl9pPr>
           </a:lstStyle>
           <a:p>
-            <a:pPr indent="0" lvl="0" marL="0" rtl="0" algn="r">
+            <a:pPr marL="0" lvl="0" indent="0" algn="r" rtl="0">
               <a:spcBef>
                 <a:spcPts val="0"/>
               </a:spcBef>
@@ -5969,18 +5979,19 @@
 </file>
 
 <file path=ppt/slideLayouts/slideLayout6.xml><?xml version="1.0" encoding="utf-8"?>
-<p:sldLayout xmlns:a="http://schemas.openxmlformats.org/drawingml/2006/main" xmlns:r="http://schemas.openxmlformats.org/officeDocument/2006/relationships" xmlns:mc="http://schemas.openxmlformats.org/markup-compatibility/2006" xmlns:mv="urn:schemas-microsoft-com:mac:vml" xmlns:p="http://schemas.openxmlformats.org/presentationml/2006/main" xmlns:c="http://schemas.openxmlformats.org/drawingml/2006/chart" xmlns:dgm="http://schemas.openxmlformats.org/drawingml/2006/diagram" xmlns:o="urn:schemas-microsoft-com:office:office" xmlns:v="urn:schemas-microsoft-com:vml" xmlns:pvml="urn:schemas-microsoft-com:office:powerpoint" xmlns:com="http://schemas.openxmlformats.org/drawingml/2006/compatibility" xmlns:p14="http://schemas.microsoft.com/office/powerpoint/2010/main" xmlns:p15="http://schemas.microsoft.com/office/powerpoint/2012/main" xmlns:ahyp="http://schemas.microsoft.com/office/drawing/2018/hyperlinkcolor" matchingName="One column text">
+<p:sldLayout xmlns:a="http://schemas.openxmlformats.org/drawingml/2006/main" xmlns:r="http://schemas.openxmlformats.org/officeDocument/2006/relationships" xmlns:p="http://schemas.openxmlformats.org/presentationml/2006/main" matchingName="One column text">
   <p:cSld name="ONE_COLUMN_TEXT">
     <p:bg>
       <p:bgPr>
         <a:solidFill>
           <a:schemeClr val="accent3"/>
         </a:solidFill>
+        <a:effectLst/>
       </p:bgPr>
     </p:bg>
     <p:spTree>
       <p:nvGrpSpPr>
-        <p:cNvPr id="70" name="Shape 70"/>
+        <p:cNvPr id="1" name="Shape 70"/>
         <p:cNvGrpSpPr/>
         <p:nvPr/>
       </p:nvGrpSpPr>
@@ -6014,12 +6025,12 @@
           </a:ln>
         </p:spPr>
         <p:txBody>
-          <a:bodyPr anchorCtr="0" anchor="ctr" bIns="91425" lIns="91425" spcFirstLastPara="1" rIns="91425" wrap="square" tIns="91425">
+          <a:bodyPr spcFirstLastPara="1" wrap="square" lIns="91425" tIns="91425" rIns="91425" bIns="91425" anchor="ctr" anchorCtr="0">
             <a:noAutofit/>
           </a:bodyPr>
           <a:lstStyle/>
           <a:p>
-            <a:pPr indent="0" lvl="0" marL="0" rtl="0" algn="l">
+            <a:pPr marL="0" lvl="0" indent="0" algn="l" rtl="0">
               <a:spcBef>
                 <a:spcPts val="0"/>
               </a:spcBef>
@@ -6028,9 +6039,6 @@
               </a:spcAft>
               <a:buNone/>
             </a:pPr>
-            <a:r>
-              <a:t/>
-            </a:r>
             <a:endParaRPr/>
           </a:p>
         </p:txBody>
@@ -6057,12 +6065,12 @@
           </a:ln>
         </p:spPr>
         <p:txBody>
-          <a:bodyPr anchorCtr="0" anchor="ctr" bIns="91425" lIns="91425" spcFirstLastPara="1" rIns="91425" wrap="square" tIns="91425">
+          <a:bodyPr spcFirstLastPara="1" wrap="square" lIns="91425" tIns="91425" rIns="91425" bIns="91425" anchor="ctr" anchorCtr="0">
             <a:noAutofit/>
           </a:bodyPr>
           <a:lstStyle/>
           <a:p>
-            <a:pPr indent="0" lvl="0" marL="0" rtl="0" algn="l">
+            <a:pPr marL="0" lvl="0" indent="0" algn="l" rtl="0">
               <a:spcBef>
                 <a:spcPts val="0"/>
               </a:spcBef>
@@ -6071,9 +6079,6 @@
               </a:spcAft>
               <a:buNone/>
             </a:pPr>
-            <a:r>
-              <a:t/>
-            </a:r>
             <a:endParaRPr/>
           </a:p>
         </p:txBody>
@@ -6099,7 +6104,7 @@
             <a:noFill/>
           </a:ln>
           <a:effectLst>
-            <a:outerShdw blurRad="228600" sx="101000" rotWithShape="0" algn="ctr" sy="101000">
+            <a:outerShdw blurRad="228600" sx="101000" sy="101000" algn="ctr" rotWithShape="0">
               <a:srgbClr val="000000">
                 <a:alpha val="40000"/>
               </a:srgbClr>
@@ -6107,12 +6112,12 @@
           </a:effectLst>
         </p:spPr>
         <p:txBody>
-          <a:bodyPr anchorCtr="0" anchor="ctr" bIns="91425" lIns="91425" spcFirstLastPara="1" rIns="91425" wrap="square" tIns="91425">
+          <a:bodyPr spcFirstLastPara="1" wrap="square" lIns="91425" tIns="91425" rIns="91425" bIns="91425" anchor="ctr" anchorCtr="0">
             <a:noAutofit/>
           </a:bodyPr>
           <a:lstStyle/>
           <a:p>
-            <a:pPr indent="0" lvl="0" marL="0" rtl="0" algn="l">
+            <a:pPr marL="0" lvl="0" indent="0" algn="l" rtl="0">
               <a:spcBef>
                 <a:spcPts val="0"/>
               </a:spcBef>
@@ -6121,9 +6126,6 @@
               </a:spcAft>
               <a:buNone/>
             </a:pPr>
-            <a:r>
-              <a:t/>
-            </a:r>
             <a:endParaRPr/>
           </a:p>
         </p:txBody>
@@ -6131,7 +6133,9 @@
       <p:sp>
         <p:nvSpPr>
           <p:cNvPr id="74" name="Google Shape;74;p7"/>
-          <p:cNvSpPr txBox="1"/>
+          <p:cNvSpPr txBox="1">
+            <a:spLocks noGrp="1"/>
+          </p:cNvSpPr>
           <p:nvPr>
             <p:ph type="title"/>
           </p:nvPr>
@@ -6146,7 +6150,7 @@
           </a:prstGeom>
         </p:spPr>
         <p:txBody>
-          <a:bodyPr anchorCtr="0" anchor="t" bIns="91425" lIns="91425" spcFirstLastPara="1" rIns="91425" wrap="square" tIns="91425">
+          <a:bodyPr spcFirstLastPara="1" wrap="square" lIns="91425" tIns="91425" rIns="91425" bIns="91425" anchor="t" anchorCtr="0">
             <a:noAutofit/>
           </a:bodyPr>
           <a:lstStyle>
@@ -6250,15 +6254,19 @@
               <a:defRPr sz="3000"/>
             </a:lvl9pPr>
           </a:lstStyle>
-          <a:p/>
+          <a:p>
+            <a:endParaRPr/>
+          </a:p>
         </p:txBody>
       </p:sp>
       <p:sp>
         <p:nvSpPr>
           <p:cNvPr id="75" name="Google Shape;75;p7"/>
-          <p:cNvSpPr txBox="1"/>
+          <p:cNvSpPr txBox="1">
+            <a:spLocks noGrp="1"/>
+          </p:cNvSpPr>
           <p:nvPr>
-            <p:ph idx="1" type="body"/>
+            <p:ph type="body" idx="1"/>
           </p:nvPr>
         </p:nvSpPr>
         <p:spPr>
@@ -6271,11 +6279,11 @@
           </a:prstGeom>
         </p:spPr>
         <p:txBody>
-          <a:bodyPr anchorCtr="0" anchor="t" bIns="91425" lIns="91425" spcFirstLastPara="1" rIns="91425" wrap="square" tIns="91425">
+          <a:bodyPr spcFirstLastPara="1" wrap="square" lIns="91425" tIns="91425" rIns="91425" bIns="91425" anchor="t" anchorCtr="0">
             <a:noAutofit/>
           </a:bodyPr>
           <a:lstStyle>
-            <a:lvl1pPr indent="-311150" lvl="0" marL="457200" rtl="0">
+            <a:lvl1pPr marL="457200" lvl="0" indent="-311150" rtl="0">
               <a:spcBef>
                 <a:spcPts val="0"/>
               </a:spcBef>
@@ -6286,7 +6294,7 @@
               <a:buChar char="●"/>
               <a:defRPr/>
             </a:lvl1pPr>
-            <a:lvl2pPr indent="-298450" lvl="1" marL="914400" rtl="0">
+            <a:lvl2pPr marL="914400" lvl="1" indent="-298450" rtl="0">
               <a:spcBef>
                 <a:spcPts val="1600"/>
               </a:spcBef>
@@ -6297,7 +6305,7 @@
               <a:buChar char="○"/>
               <a:defRPr/>
             </a:lvl2pPr>
-            <a:lvl3pPr indent="-298450" lvl="2" marL="1371600" rtl="0">
+            <a:lvl3pPr marL="1371600" lvl="2" indent="-298450" rtl="0">
               <a:spcBef>
                 <a:spcPts val="1600"/>
               </a:spcBef>
@@ -6308,7 +6316,7 @@
               <a:buChar char="■"/>
               <a:defRPr/>
             </a:lvl3pPr>
-            <a:lvl4pPr indent="-298450" lvl="3" marL="1828800" rtl="0">
+            <a:lvl4pPr marL="1828800" lvl="3" indent="-298450" rtl="0">
               <a:spcBef>
                 <a:spcPts val="1600"/>
               </a:spcBef>
@@ -6319,7 +6327,7 @@
               <a:buChar char="●"/>
               <a:defRPr/>
             </a:lvl4pPr>
-            <a:lvl5pPr indent="-298450" lvl="4" marL="2286000" rtl="0">
+            <a:lvl5pPr marL="2286000" lvl="4" indent="-298450" rtl="0">
               <a:spcBef>
                 <a:spcPts val="1600"/>
               </a:spcBef>
@@ -6330,7 +6338,7 @@
               <a:buChar char="○"/>
               <a:defRPr/>
             </a:lvl5pPr>
-            <a:lvl6pPr indent="-298450" lvl="5" marL="2743200" rtl="0">
+            <a:lvl6pPr marL="2743200" lvl="5" indent="-298450" rtl="0">
               <a:spcBef>
                 <a:spcPts val="1600"/>
               </a:spcBef>
@@ -6341,7 +6349,7 @@
               <a:buChar char="■"/>
               <a:defRPr/>
             </a:lvl6pPr>
-            <a:lvl7pPr indent="-298450" lvl="6" marL="3200400" rtl="0">
+            <a:lvl7pPr marL="3200400" lvl="6" indent="-298450" rtl="0">
               <a:spcBef>
                 <a:spcPts val="1600"/>
               </a:spcBef>
@@ -6352,7 +6360,7 @@
               <a:buChar char="●"/>
               <a:defRPr/>
             </a:lvl7pPr>
-            <a:lvl8pPr indent="-298450" lvl="7" marL="3657600" rtl="0">
+            <a:lvl8pPr marL="3657600" lvl="7" indent="-298450" rtl="0">
               <a:spcBef>
                 <a:spcPts val="1600"/>
               </a:spcBef>
@@ -6363,7 +6371,7 @@
               <a:buChar char="○"/>
               <a:defRPr/>
             </a:lvl8pPr>
-            <a:lvl9pPr indent="-298450" lvl="8" marL="4114800" rtl="0">
+            <a:lvl9pPr marL="4114800" lvl="8" indent="-298450" rtl="0">
               <a:spcBef>
                 <a:spcPts val="1600"/>
               </a:spcBef>
@@ -6375,15 +6383,19 @@
               <a:defRPr/>
             </a:lvl9pPr>
           </a:lstStyle>
-          <a:p/>
+          <a:p>
+            <a:endParaRPr/>
+          </a:p>
         </p:txBody>
       </p:sp>
       <p:sp>
         <p:nvSpPr>
           <p:cNvPr id="76" name="Google Shape;76;p7"/>
-          <p:cNvSpPr txBox="1"/>
+          <p:cNvSpPr txBox="1">
+            <a:spLocks noGrp="1"/>
+          </p:cNvSpPr>
           <p:nvPr>
-            <p:ph idx="12" type="sldNum"/>
+            <p:ph type="sldNum" idx="12"/>
           </p:nvPr>
         </p:nvSpPr>
         <p:spPr>
@@ -6396,7 +6408,7 @@
           </a:prstGeom>
         </p:spPr>
         <p:txBody>
-          <a:bodyPr anchorCtr="0" anchor="ctr" bIns="91425" lIns="91425" spcFirstLastPara="1" rIns="91425" wrap="square" tIns="91425">
+          <a:bodyPr spcFirstLastPara="1" wrap="square" lIns="91425" tIns="91425" rIns="91425" bIns="91425" anchor="ctr" anchorCtr="0">
             <a:noAutofit/>
           </a:bodyPr>
           <a:lstStyle>
@@ -6438,7 +6450,7 @@
             </a:lvl9pPr>
           </a:lstStyle>
           <a:p>
-            <a:pPr indent="0" lvl="0" marL="0" rtl="0" algn="r">
+            <a:pPr marL="0" lvl="0" indent="0" algn="r" rtl="0">
               <a:spcBef>
                 <a:spcPts val="0"/>
               </a:spcBef>
@@ -6464,18 +6476,19 @@
 </file>
 
 <file path=ppt/slideLayouts/slideLayout7.xml><?xml version="1.0" encoding="utf-8"?>
-<p:sldLayout xmlns:a="http://schemas.openxmlformats.org/drawingml/2006/main" xmlns:r="http://schemas.openxmlformats.org/officeDocument/2006/relationships" xmlns:mc="http://schemas.openxmlformats.org/markup-compatibility/2006" xmlns:mv="urn:schemas-microsoft-com:mac:vml" xmlns:p="http://schemas.openxmlformats.org/presentationml/2006/main" xmlns:c="http://schemas.openxmlformats.org/drawingml/2006/chart" xmlns:dgm="http://schemas.openxmlformats.org/drawingml/2006/diagram" xmlns:o="urn:schemas-microsoft-com:office:office" xmlns:v="urn:schemas-microsoft-com:vml" xmlns:pvml="urn:schemas-microsoft-com:office:powerpoint" xmlns:com="http://schemas.openxmlformats.org/drawingml/2006/compatibility" xmlns:p14="http://schemas.microsoft.com/office/powerpoint/2010/main" xmlns:p15="http://schemas.microsoft.com/office/powerpoint/2012/main" xmlns:ahyp="http://schemas.microsoft.com/office/drawing/2018/hyperlinkcolor" matchingName="Main point">
+<p:sldLayout xmlns:a="http://schemas.openxmlformats.org/drawingml/2006/main" xmlns:r="http://schemas.openxmlformats.org/officeDocument/2006/relationships" xmlns:p="http://schemas.openxmlformats.org/presentationml/2006/main" matchingName="Main point">
   <p:cSld name="MAIN_POINT">
     <p:bg>
       <p:bgPr>
         <a:solidFill>
           <a:schemeClr val="accent1"/>
         </a:solidFill>
+        <a:effectLst/>
       </p:bgPr>
     </p:bg>
     <p:spTree>
       <p:nvGrpSpPr>
-        <p:cNvPr id="77" name="Shape 77"/>
+        <p:cNvPr id="1" name="Shape 77"/>
         <p:cNvGrpSpPr/>
         <p:nvPr/>
       </p:nvGrpSpPr>
@@ -6509,12 +6522,12 @@
           </a:ln>
         </p:spPr>
         <p:txBody>
-          <a:bodyPr anchorCtr="0" anchor="ctr" bIns="91425" lIns="91425" spcFirstLastPara="1" rIns="91425" wrap="square" tIns="91425">
+          <a:bodyPr spcFirstLastPara="1" wrap="square" lIns="91425" tIns="91425" rIns="91425" bIns="91425" anchor="ctr" anchorCtr="0">
             <a:noAutofit/>
           </a:bodyPr>
           <a:lstStyle/>
           <a:p>
-            <a:pPr indent="0" lvl="0" marL="0" rtl="0" algn="l">
+            <a:pPr marL="0" lvl="0" indent="0" algn="l" rtl="0">
               <a:spcBef>
                 <a:spcPts val="0"/>
               </a:spcBef>
@@ -6523,9 +6536,6 @@
               </a:spcAft>
               <a:buNone/>
             </a:pPr>
-            <a:r>
-              <a:t/>
-            </a:r>
             <a:endParaRPr/>
           </a:p>
         </p:txBody>
@@ -6552,12 +6562,12 @@
           </a:ln>
         </p:spPr>
         <p:txBody>
-          <a:bodyPr anchorCtr="0" anchor="ctr" bIns="91425" lIns="91425" spcFirstLastPara="1" rIns="91425" wrap="square" tIns="91425">
+          <a:bodyPr spcFirstLastPara="1" wrap="square" lIns="91425" tIns="91425" rIns="91425" bIns="91425" anchor="ctr" anchorCtr="0">
             <a:noAutofit/>
           </a:bodyPr>
           <a:lstStyle/>
           <a:p>
-            <a:pPr indent="0" lvl="0" marL="0" rtl="0" algn="l">
+            <a:pPr marL="0" lvl="0" indent="0" algn="l" rtl="0">
               <a:spcBef>
                 <a:spcPts val="0"/>
               </a:spcBef>
@@ -6566,9 +6576,6 @@
               </a:spcAft>
               <a:buNone/>
             </a:pPr>
-            <a:r>
-              <a:t/>
-            </a:r>
             <a:endParaRPr/>
           </a:p>
         </p:txBody>
@@ -6600,7 +6607,7 @@
             </a:xfrm>
             <a:prstGeom prst="parallelogram">
               <a:avLst>
-                <a:gd fmla="val 153193" name="adj"/>
+                <a:gd name="adj" fmla="val 153193"/>
               </a:avLst>
             </a:prstGeom>
             <a:solidFill>
@@ -6611,12 +6618,12 @@
             </a:ln>
           </p:spPr>
           <p:txBody>
-            <a:bodyPr anchorCtr="0" anchor="ctr" bIns="91425" lIns="91425" spcFirstLastPara="1" rIns="91425" wrap="square" tIns="91425">
+            <a:bodyPr spcFirstLastPara="1" wrap="square" lIns="91425" tIns="91425" rIns="91425" bIns="91425" anchor="ctr" anchorCtr="0">
               <a:noAutofit/>
             </a:bodyPr>
             <a:lstStyle/>
             <a:p>
-              <a:pPr indent="0" lvl="0" marL="0" rtl="0" algn="l">
+              <a:pPr marL="0" lvl="0" indent="0" algn="l" rtl="0">
                 <a:spcBef>
                   <a:spcPts val="0"/>
                 </a:spcBef>
@@ -6625,9 +6632,6 @@
                 </a:spcAft>
                 <a:buNone/>
               </a:pPr>
-              <a:r>
-                <a:t/>
-              </a:r>
               <a:endParaRPr/>
             </a:p>
           </p:txBody>
@@ -6645,7 +6649,7 @@
             </a:xfrm>
             <a:prstGeom prst="parallelogram">
               <a:avLst>
-                <a:gd fmla="val 153193" name="adj"/>
+                <a:gd name="adj" fmla="val 153193"/>
               </a:avLst>
             </a:prstGeom>
             <a:solidFill>
@@ -6656,12 +6660,12 @@
             </a:ln>
           </p:spPr>
           <p:txBody>
-            <a:bodyPr anchorCtr="0" anchor="ctr" bIns="91425" lIns="91425" spcFirstLastPara="1" rIns="91425" wrap="square" tIns="91425">
+            <a:bodyPr spcFirstLastPara="1" wrap="square" lIns="91425" tIns="91425" rIns="91425" bIns="91425" anchor="ctr" anchorCtr="0">
               <a:noAutofit/>
             </a:bodyPr>
             <a:lstStyle/>
             <a:p>
-              <a:pPr indent="0" lvl="0" marL="0" rtl="0" algn="l">
+              <a:pPr marL="0" lvl="0" indent="0" algn="l" rtl="0">
                 <a:spcBef>
                   <a:spcPts val="0"/>
                 </a:spcBef>
@@ -6670,9 +6674,6 @@
                 </a:spcAft>
                 <a:buNone/>
               </a:pPr>
-              <a:r>
-                <a:t/>
-              </a:r>
               <a:endParaRPr/>
             </a:p>
           </p:txBody>
@@ -6690,7 +6691,7 @@
             </a:xfrm>
             <a:prstGeom prst="parallelogram">
               <a:avLst>
-                <a:gd fmla="val 153193" name="adj"/>
+                <a:gd name="adj" fmla="val 153193"/>
               </a:avLst>
             </a:prstGeom>
             <a:solidFill>
@@ -6701,12 +6702,12 @@
             </a:ln>
           </p:spPr>
           <p:txBody>
-            <a:bodyPr anchorCtr="0" anchor="ctr" bIns="91425" lIns="91425" spcFirstLastPara="1" rIns="91425" wrap="square" tIns="91425">
+            <a:bodyPr spcFirstLastPara="1" wrap="square" lIns="91425" tIns="91425" rIns="91425" bIns="91425" anchor="ctr" anchorCtr="0">
               <a:noAutofit/>
             </a:bodyPr>
             <a:lstStyle/>
             <a:p>
-              <a:pPr indent="0" lvl="0" marL="0" rtl="0" algn="l">
+              <a:pPr marL="0" lvl="0" indent="0" algn="l" rtl="0">
                 <a:spcBef>
                   <a:spcPts val="0"/>
                 </a:spcBef>
@@ -6715,9 +6716,6 @@
                 </a:spcAft>
                 <a:buNone/>
               </a:pPr>
-              <a:r>
-                <a:t/>
-              </a:r>
               <a:endParaRPr/>
             </a:p>
           </p:txBody>
@@ -6744,7 +6742,7 @@
             <a:noFill/>
           </a:ln>
           <a:effectLst>
-            <a:outerShdw blurRad="228600" sx="101000" rotWithShape="0" algn="ctr" sy="101000">
+            <a:outerShdw blurRad="228600" sx="101000" sy="101000" algn="ctr" rotWithShape="0">
               <a:srgbClr val="000000">
                 <a:alpha val="40000"/>
               </a:srgbClr>
@@ -6752,12 +6750,12 @@
           </a:effectLst>
         </p:spPr>
         <p:txBody>
-          <a:bodyPr anchorCtr="0" anchor="ctr" bIns="91425" lIns="91425" spcFirstLastPara="1" rIns="91425" wrap="square" tIns="91425">
+          <a:bodyPr spcFirstLastPara="1" wrap="square" lIns="91425" tIns="91425" rIns="91425" bIns="91425" anchor="ctr" anchorCtr="0">
             <a:noAutofit/>
           </a:bodyPr>
           <a:lstStyle/>
           <a:p>
-            <a:pPr indent="0" lvl="0" marL="0" rtl="0" algn="l">
+            <a:pPr marL="0" lvl="0" indent="0" algn="l" rtl="0">
               <a:spcBef>
                 <a:spcPts val="0"/>
               </a:spcBef>
@@ -6766,9 +6764,6 @@
               </a:spcAft>
               <a:buNone/>
             </a:pPr>
-            <a:r>
-              <a:t/>
-            </a:r>
             <a:endParaRPr/>
           </a:p>
         </p:txBody>
@@ -6800,7 +6795,7 @@
             </a:xfrm>
             <a:prstGeom prst="parallelogram">
               <a:avLst>
-                <a:gd fmla="val 158024" name="adj"/>
+                <a:gd name="adj" fmla="val 158024"/>
               </a:avLst>
             </a:prstGeom>
             <a:solidFill>
@@ -6811,12 +6806,12 @@
             </a:ln>
           </p:spPr>
           <p:txBody>
-            <a:bodyPr anchorCtr="0" anchor="ctr" bIns="91425" lIns="91425" spcFirstLastPara="1" rIns="91425" wrap="square" tIns="91425">
+            <a:bodyPr spcFirstLastPara="1" wrap="square" lIns="91425" tIns="91425" rIns="91425" bIns="91425" anchor="ctr" anchorCtr="0">
               <a:noAutofit/>
             </a:bodyPr>
             <a:lstStyle/>
             <a:p>
-              <a:pPr indent="0" lvl="0" marL="0" rtl="0" algn="l">
+              <a:pPr marL="0" lvl="0" indent="0" algn="l" rtl="0">
                 <a:spcBef>
                   <a:spcPts val="0"/>
                 </a:spcBef>
@@ -6825,9 +6820,6 @@
                 </a:spcAft>
                 <a:buNone/>
               </a:pPr>
-              <a:r>
-                <a:t/>
-              </a:r>
               <a:endParaRPr/>
             </a:p>
           </p:txBody>
@@ -6845,7 +6837,7 @@
             </a:xfrm>
             <a:prstGeom prst="parallelogram">
               <a:avLst>
-                <a:gd fmla="val 158024" name="adj"/>
+                <a:gd name="adj" fmla="val 158024"/>
               </a:avLst>
             </a:prstGeom>
             <a:solidFill>
@@ -6856,12 +6848,12 @@
             </a:ln>
           </p:spPr>
           <p:txBody>
-            <a:bodyPr anchorCtr="0" anchor="ctr" bIns="91425" lIns="91425" spcFirstLastPara="1" rIns="91425" wrap="square" tIns="91425">
+            <a:bodyPr spcFirstLastPara="1" wrap="square" lIns="91425" tIns="91425" rIns="91425" bIns="91425" anchor="ctr" anchorCtr="0">
               <a:noAutofit/>
             </a:bodyPr>
             <a:lstStyle/>
             <a:p>
-              <a:pPr indent="0" lvl="0" marL="0" rtl="0" algn="l">
+              <a:pPr marL="0" lvl="0" indent="0" algn="l" rtl="0">
                 <a:spcBef>
                   <a:spcPts val="0"/>
                 </a:spcBef>
@@ -6870,9 +6862,6 @@
                 </a:spcAft>
                 <a:buNone/>
               </a:pPr>
-              <a:r>
-                <a:t/>
-              </a:r>
               <a:endParaRPr/>
             </a:p>
           </p:txBody>
@@ -6890,7 +6879,7 @@
             </a:xfrm>
             <a:prstGeom prst="parallelogram">
               <a:avLst>
-                <a:gd fmla="val 158024" name="adj"/>
+                <a:gd name="adj" fmla="val 158024"/>
               </a:avLst>
             </a:prstGeom>
             <a:solidFill>
@@ -6901,12 +6890,12 @@
             </a:ln>
           </p:spPr>
           <p:txBody>
-            <a:bodyPr anchorCtr="0" anchor="ctr" bIns="91425" lIns="91425" spcFirstLastPara="1" rIns="91425" wrap="square" tIns="91425">
+            <a:bodyPr spcFirstLastPara="1" wrap="square" lIns="91425" tIns="91425" rIns="91425" bIns="91425" anchor="ctr" anchorCtr="0">
               <a:noAutofit/>
             </a:bodyPr>
             <a:lstStyle/>
             <a:p>
-              <a:pPr indent="0" lvl="0" marL="0" rtl="0" algn="l">
+              <a:pPr marL="0" lvl="0" indent="0" algn="l" rtl="0">
                 <a:spcBef>
                   <a:spcPts val="0"/>
                 </a:spcBef>
@@ -6915,9 +6904,6 @@
                 </a:spcAft>
                 <a:buNone/>
               </a:pPr>
-              <a:r>
-                <a:t/>
-              </a:r>
               <a:endParaRPr/>
             </a:p>
           </p:txBody>
@@ -6950,7 +6936,7 @@
             </a:xfrm>
             <a:prstGeom prst="parallelogram">
               <a:avLst>
-                <a:gd fmla="val 158024" name="adj"/>
+                <a:gd name="adj" fmla="val 158024"/>
               </a:avLst>
             </a:prstGeom>
             <a:solidFill>
@@ -6961,12 +6947,12 @@
             </a:ln>
           </p:spPr>
           <p:txBody>
-            <a:bodyPr anchorCtr="0" anchor="ctr" bIns="91425" lIns="91425" spcFirstLastPara="1" rIns="91425" wrap="square" tIns="91425">
+            <a:bodyPr spcFirstLastPara="1" wrap="square" lIns="91425" tIns="91425" rIns="91425" bIns="91425" anchor="ctr" anchorCtr="0">
               <a:noAutofit/>
             </a:bodyPr>
             <a:lstStyle/>
             <a:p>
-              <a:pPr indent="0" lvl="0" marL="0" rtl="0" algn="l">
+              <a:pPr marL="0" lvl="0" indent="0" algn="l" rtl="0">
                 <a:spcBef>
                   <a:spcPts val="0"/>
                 </a:spcBef>
@@ -6975,9 +6961,6 @@
                 </a:spcAft>
                 <a:buNone/>
               </a:pPr>
-              <a:r>
-                <a:t/>
-              </a:r>
               <a:endParaRPr/>
             </a:p>
           </p:txBody>
@@ -6995,7 +6978,7 @@
             </a:xfrm>
             <a:prstGeom prst="parallelogram">
               <a:avLst>
-                <a:gd fmla="val 158024" name="adj"/>
+                <a:gd name="adj" fmla="val 158024"/>
               </a:avLst>
             </a:prstGeom>
             <a:solidFill>
@@ -7006,12 +6989,12 @@
             </a:ln>
           </p:spPr>
           <p:txBody>
-            <a:bodyPr anchorCtr="0" anchor="ctr" bIns="91425" lIns="91425" spcFirstLastPara="1" rIns="91425" wrap="square" tIns="91425">
+            <a:bodyPr spcFirstLastPara="1" wrap="square" lIns="91425" tIns="91425" rIns="91425" bIns="91425" anchor="ctr" anchorCtr="0">
               <a:noAutofit/>
             </a:bodyPr>
             <a:lstStyle/>
             <a:p>
-              <a:pPr indent="0" lvl="0" marL="0" rtl="0" algn="l">
+              <a:pPr marL="0" lvl="0" indent="0" algn="l" rtl="0">
                 <a:spcBef>
                   <a:spcPts val="0"/>
                 </a:spcBef>
@@ -7020,9 +7003,6 @@
                 </a:spcAft>
                 <a:buNone/>
               </a:pPr>
-              <a:r>
-                <a:t/>
-              </a:r>
               <a:endParaRPr/>
             </a:p>
           </p:txBody>
@@ -7040,7 +7020,7 @@
             </a:xfrm>
             <a:prstGeom prst="parallelogram">
               <a:avLst>
-                <a:gd fmla="val 158024" name="adj"/>
+                <a:gd name="adj" fmla="val 158024"/>
               </a:avLst>
             </a:prstGeom>
             <a:solidFill>
@@ -7051,12 +7031,12 @@
             </a:ln>
           </p:spPr>
           <p:txBody>
-            <a:bodyPr anchorCtr="0" anchor="ctr" bIns="91425" lIns="91425" spcFirstLastPara="1" rIns="91425" wrap="square" tIns="91425">
+            <a:bodyPr spcFirstLastPara="1" wrap="square" lIns="91425" tIns="91425" rIns="91425" bIns="91425" anchor="ctr" anchorCtr="0">
               <a:noAutofit/>
             </a:bodyPr>
             <a:lstStyle/>
             <a:p>
-              <a:pPr indent="0" lvl="0" marL="0" rtl="0" algn="l">
+              <a:pPr marL="0" lvl="0" indent="0" algn="l" rtl="0">
                 <a:spcBef>
                   <a:spcPts val="0"/>
                 </a:spcBef>
@@ -7065,9 +7045,6 @@
                 </a:spcAft>
                 <a:buNone/>
               </a:pPr>
-              <a:r>
-                <a:t/>
-              </a:r>
               <a:endParaRPr/>
             </a:p>
           </p:txBody>
@@ -7076,7 +7053,9 @@
       <p:sp>
         <p:nvSpPr>
           <p:cNvPr id="93" name="Google Shape;93;p8"/>
-          <p:cNvSpPr txBox="1"/>
+          <p:cNvSpPr txBox="1">
+            <a:spLocks noGrp="1"/>
+          </p:cNvSpPr>
           <p:nvPr>
             <p:ph type="title"/>
           </p:nvPr>
@@ -7091,11 +7070,11 @@
           </a:prstGeom>
         </p:spPr>
         <p:txBody>
-          <a:bodyPr anchorCtr="0" anchor="ctr" bIns="91425" lIns="91425" spcFirstLastPara="1" rIns="91425" wrap="square" tIns="91425">
+          <a:bodyPr spcFirstLastPara="1" wrap="square" lIns="91425" tIns="91425" rIns="91425" bIns="91425" anchor="ctr" anchorCtr="0">
             <a:noAutofit/>
           </a:bodyPr>
           <a:lstStyle>
-            <a:lvl1pPr lvl="0" rtl="0" algn="ctr">
+            <a:lvl1pPr lvl="0" algn="ctr" rtl="0">
               <a:spcBef>
                 <a:spcPts val="0"/>
               </a:spcBef>
@@ -7106,7 +7085,7 @@
               <a:buNone/>
               <a:defRPr sz="3200"/>
             </a:lvl1pPr>
-            <a:lvl2pPr lvl="1" rtl="0" algn="ctr">
+            <a:lvl2pPr lvl="1" algn="ctr" rtl="0">
               <a:spcBef>
                 <a:spcPts val="0"/>
               </a:spcBef>
@@ -7117,7 +7096,7 @@
               <a:buNone/>
               <a:defRPr sz="3200"/>
             </a:lvl2pPr>
-            <a:lvl3pPr lvl="2" rtl="0" algn="ctr">
+            <a:lvl3pPr lvl="2" algn="ctr" rtl="0">
               <a:spcBef>
                 <a:spcPts val="0"/>
               </a:spcBef>
@@ -7128,7 +7107,7 @@
               <a:buNone/>
               <a:defRPr sz="3200"/>
             </a:lvl3pPr>
-            <a:lvl4pPr lvl="3" rtl="0" algn="ctr">
+            <a:lvl4pPr lvl="3" algn="ctr" rtl="0">
               <a:spcBef>
                 <a:spcPts val="0"/>
               </a:spcBef>
@@ -7139,7 +7118,7 @@
               <a:buNone/>
               <a:defRPr sz="3200"/>
             </a:lvl4pPr>
-            <a:lvl5pPr lvl="4" rtl="0" algn="ctr">
+            <a:lvl5pPr lvl="4" algn="ctr" rtl="0">
               <a:spcBef>
                 <a:spcPts val="0"/>
               </a:spcBef>
@@ -7150,7 +7129,7 @@
               <a:buNone/>
               <a:defRPr sz="3200"/>
             </a:lvl5pPr>
-            <a:lvl6pPr lvl="5" rtl="0" algn="ctr">
+            <a:lvl6pPr lvl="5" algn="ctr" rtl="0">
               <a:spcBef>
                 <a:spcPts val="0"/>
               </a:spcBef>
@@ -7161,7 +7140,7 @@
               <a:buNone/>
               <a:defRPr sz="3200"/>
             </a:lvl6pPr>
-            <a:lvl7pPr lvl="6" rtl="0" algn="ctr">
+            <a:lvl7pPr lvl="6" algn="ctr" rtl="0">
               <a:spcBef>
                 <a:spcPts val="0"/>
               </a:spcBef>
@@ -7172,7 +7151,7 @@
               <a:buNone/>
               <a:defRPr sz="3200"/>
             </a:lvl7pPr>
-            <a:lvl8pPr lvl="7" rtl="0" algn="ctr">
+            <a:lvl8pPr lvl="7" algn="ctr" rtl="0">
               <a:spcBef>
                 <a:spcPts val="0"/>
               </a:spcBef>
@@ -7183,7 +7162,7 @@
               <a:buNone/>
               <a:defRPr sz="3200"/>
             </a:lvl8pPr>
-            <a:lvl9pPr lvl="8" rtl="0" algn="ctr">
+            <a:lvl9pPr lvl="8" algn="ctr" rtl="0">
               <a:spcBef>
                 <a:spcPts val="0"/>
               </a:spcBef>
@@ -7195,15 +7174,19 @@
               <a:defRPr sz="3200"/>
             </a:lvl9pPr>
           </a:lstStyle>
-          <a:p/>
+          <a:p>
+            <a:endParaRPr/>
+          </a:p>
         </p:txBody>
       </p:sp>
       <p:sp>
         <p:nvSpPr>
           <p:cNvPr id="94" name="Google Shape;94;p8"/>
-          <p:cNvSpPr txBox="1"/>
+          <p:cNvSpPr txBox="1">
+            <a:spLocks noGrp="1"/>
+          </p:cNvSpPr>
           <p:nvPr>
-            <p:ph idx="12" type="sldNum"/>
+            <p:ph type="sldNum" idx="12"/>
           </p:nvPr>
         </p:nvSpPr>
         <p:spPr>
@@ -7216,7 +7199,7 @@
           </a:prstGeom>
         </p:spPr>
         <p:txBody>
-          <a:bodyPr anchorCtr="0" anchor="ctr" bIns="91425" lIns="91425" spcFirstLastPara="1" rIns="91425" wrap="square" tIns="91425">
+          <a:bodyPr spcFirstLastPara="1" wrap="square" lIns="91425" tIns="91425" rIns="91425" bIns="91425" anchor="ctr" anchorCtr="0">
             <a:noAutofit/>
           </a:bodyPr>
           <a:lstStyle>
@@ -7258,7 +7241,7 @@
             </a:lvl9pPr>
           </a:lstStyle>
           <a:p>
-            <a:pPr indent="0" lvl="0" marL="0" rtl="0" algn="r">
+            <a:pPr marL="0" lvl="0" indent="0" algn="r" rtl="0">
               <a:spcBef>
                 <a:spcPts val="0"/>
               </a:spcBef>
@@ -7284,18 +7267,19 @@
 </file>
 
 <file path=ppt/slideLayouts/slideLayout8.xml><?xml version="1.0" encoding="utf-8"?>
-<p:sldLayout xmlns:a="http://schemas.openxmlformats.org/drawingml/2006/main" xmlns:r="http://schemas.openxmlformats.org/officeDocument/2006/relationships" xmlns:mc="http://schemas.openxmlformats.org/markup-compatibility/2006" xmlns:mv="urn:schemas-microsoft-com:mac:vml" xmlns:p="http://schemas.openxmlformats.org/presentationml/2006/main" xmlns:c="http://schemas.openxmlformats.org/drawingml/2006/chart" xmlns:dgm="http://schemas.openxmlformats.org/drawingml/2006/diagram" xmlns:o="urn:schemas-microsoft-com:office:office" xmlns:v="urn:schemas-microsoft-com:vml" xmlns:pvml="urn:schemas-microsoft-com:office:powerpoint" xmlns:com="http://schemas.openxmlformats.org/drawingml/2006/compatibility" xmlns:p14="http://schemas.microsoft.com/office/powerpoint/2010/main" xmlns:p15="http://schemas.microsoft.com/office/powerpoint/2012/main" xmlns:ahyp="http://schemas.microsoft.com/office/drawing/2018/hyperlinkcolor" matchingName="Section title and description">
+<p:sldLayout xmlns:a="http://schemas.openxmlformats.org/drawingml/2006/main" xmlns:r="http://schemas.openxmlformats.org/officeDocument/2006/relationships" xmlns:p="http://schemas.openxmlformats.org/presentationml/2006/main" matchingName="Section title and description">
   <p:cSld name="SECTION_TITLE_AND_DESCRIPTION">
     <p:bg>
       <p:bgPr>
         <a:solidFill>
           <a:schemeClr val="dk2"/>
         </a:solidFill>
+        <a:effectLst/>
       </p:bgPr>
     </p:bg>
     <p:spTree>
       <p:nvGrpSpPr>
-        <p:cNvPr id="95" name="Shape 95"/>
+        <p:cNvPr id="1" name="Shape 95"/>
         <p:cNvGrpSpPr/>
         <p:nvPr/>
       </p:nvGrpSpPr>
@@ -7329,12 +7313,12 @@
           </a:ln>
         </p:spPr>
         <p:txBody>
-          <a:bodyPr anchorCtr="0" anchor="ctr" bIns="91425" lIns="91425" spcFirstLastPara="1" rIns="91425" wrap="square" tIns="91425">
+          <a:bodyPr spcFirstLastPara="1" wrap="square" lIns="91425" tIns="91425" rIns="91425" bIns="91425" anchor="ctr" anchorCtr="0">
             <a:noAutofit/>
           </a:bodyPr>
           <a:lstStyle/>
           <a:p>
-            <a:pPr indent="0" lvl="0" marL="0" rtl="0" algn="l">
+            <a:pPr marL="0" lvl="0" indent="0" algn="l" rtl="0">
               <a:spcBef>
                 <a:spcPts val="0"/>
               </a:spcBef>
@@ -7343,9 +7327,6 @@
               </a:spcAft>
               <a:buNone/>
             </a:pPr>
-            <a:r>
-              <a:t/>
-            </a:r>
             <a:endParaRPr/>
           </a:p>
         </p:txBody>
@@ -7372,12 +7353,12 @@
           </a:ln>
         </p:spPr>
         <p:txBody>
-          <a:bodyPr anchorCtr="0" anchor="ctr" bIns="91425" lIns="91425" spcFirstLastPara="1" rIns="91425" wrap="square" tIns="91425">
+          <a:bodyPr spcFirstLastPara="1" wrap="square" lIns="91425" tIns="91425" rIns="91425" bIns="91425" anchor="ctr" anchorCtr="0">
             <a:noAutofit/>
           </a:bodyPr>
           <a:lstStyle/>
           <a:p>
-            <a:pPr indent="0" lvl="0" marL="0" rtl="0" algn="l">
+            <a:pPr marL="0" lvl="0" indent="0" algn="l" rtl="0">
               <a:spcBef>
                 <a:spcPts val="0"/>
               </a:spcBef>
@@ -7386,9 +7367,6 @@
               </a:spcAft>
               <a:buNone/>
             </a:pPr>
-            <a:r>
-              <a:t/>
-            </a:r>
             <a:endParaRPr/>
           </a:p>
         </p:txBody>
@@ -7414,7 +7392,7 @@
             <a:noFill/>
           </a:ln>
           <a:effectLst>
-            <a:outerShdw blurRad="228600" sx="101000" rotWithShape="0" algn="ctr" sy="101000">
+            <a:outerShdw blurRad="228600" sx="101000" sy="101000" algn="ctr" rotWithShape="0">
               <a:srgbClr val="000000">
                 <a:alpha val="40000"/>
               </a:srgbClr>
@@ -7422,12 +7400,12 @@
           </a:effectLst>
         </p:spPr>
         <p:txBody>
-          <a:bodyPr anchorCtr="0" anchor="ctr" bIns="91425" lIns="91425" spcFirstLastPara="1" rIns="91425" wrap="square" tIns="91425">
+          <a:bodyPr spcFirstLastPara="1" wrap="square" lIns="91425" tIns="91425" rIns="91425" bIns="91425" anchor="ctr" anchorCtr="0">
             <a:noAutofit/>
           </a:bodyPr>
           <a:lstStyle/>
           <a:p>
-            <a:pPr indent="0" lvl="0" marL="0" rtl="0" algn="l">
+            <a:pPr marL="0" lvl="0" indent="0" algn="l" rtl="0">
               <a:spcBef>
                 <a:spcPts val="0"/>
               </a:spcBef>
@@ -7436,9 +7414,6 @@
               </a:spcAft>
               <a:buNone/>
             </a:pPr>
-            <a:r>
-              <a:t/>
-            </a:r>
             <a:endParaRPr/>
           </a:p>
         </p:txBody>
@@ -7446,7 +7421,9 @@
       <p:sp>
         <p:nvSpPr>
           <p:cNvPr id="99" name="Google Shape;99;p9"/>
-          <p:cNvSpPr txBox="1"/>
+          <p:cNvSpPr txBox="1">
+            <a:spLocks noGrp="1"/>
+          </p:cNvSpPr>
           <p:nvPr>
             <p:ph type="title"/>
           </p:nvPr>
@@ -7461,7 +7438,7 @@
           </a:prstGeom>
         </p:spPr>
         <p:txBody>
-          <a:bodyPr anchorCtr="0" anchor="t" bIns="91425" lIns="91425" spcFirstLastPara="1" rIns="91425" wrap="square" tIns="91425">
+          <a:bodyPr spcFirstLastPara="1" wrap="square" lIns="91425" tIns="91425" rIns="91425" bIns="91425" anchor="t" anchorCtr="0">
             <a:noAutofit/>
           </a:bodyPr>
           <a:lstStyle>
@@ -7565,15 +7542,19 @@
               <a:defRPr sz="3000"/>
             </a:lvl9pPr>
           </a:lstStyle>
-          <a:p/>
+          <a:p>
+            <a:endParaRPr/>
+          </a:p>
         </p:txBody>
       </p:sp>
       <p:sp>
         <p:nvSpPr>
           <p:cNvPr id="100" name="Google Shape;100;p9"/>
-          <p:cNvSpPr txBox="1"/>
+          <p:cNvSpPr txBox="1">
+            <a:spLocks noGrp="1"/>
+          </p:cNvSpPr>
           <p:nvPr>
-            <p:ph idx="1" type="subTitle"/>
+            <p:ph type="subTitle" idx="1"/>
           </p:nvPr>
         </p:nvSpPr>
         <p:spPr>
@@ -7586,7 +7567,7 @@
           </a:prstGeom>
         </p:spPr>
         <p:txBody>
-          <a:bodyPr anchorCtr="0" anchor="t" bIns="91425" lIns="91425" spcFirstLastPara="1" rIns="91425" wrap="square" tIns="91425">
+          <a:bodyPr spcFirstLastPara="1" wrap="square" lIns="91425" tIns="91425" rIns="91425" bIns="91425" anchor="t" anchorCtr="0">
             <a:noAutofit/>
           </a:bodyPr>
           <a:lstStyle>
@@ -7780,15 +7761,19 @@
               </a:defRPr>
             </a:lvl9pPr>
           </a:lstStyle>
-          <a:p/>
+          <a:p>
+            <a:endParaRPr/>
+          </a:p>
         </p:txBody>
       </p:sp>
       <p:sp>
         <p:nvSpPr>
           <p:cNvPr id="101" name="Google Shape;101;p9"/>
-          <p:cNvSpPr txBox="1"/>
+          <p:cNvSpPr txBox="1">
+            <a:spLocks noGrp="1"/>
+          </p:cNvSpPr>
           <p:nvPr>
-            <p:ph idx="2" type="body"/>
+            <p:ph type="body" idx="2"/>
           </p:nvPr>
         </p:nvSpPr>
         <p:spPr>
@@ -7801,11 +7786,11 @@
           </a:prstGeom>
         </p:spPr>
         <p:txBody>
-          <a:bodyPr anchorCtr="0" anchor="t" bIns="91425" lIns="91425" spcFirstLastPara="1" rIns="91425" wrap="square" tIns="91425">
+          <a:bodyPr spcFirstLastPara="1" wrap="square" lIns="91425" tIns="91425" rIns="91425" bIns="91425" anchor="t" anchorCtr="0">
             <a:noAutofit/>
           </a:bodyPr>
           <a:lstStyle>
-            <a:lvl1pPr indent="-311150" lvl="0" marL="457200" rtl="0">
+            <a:lvl1pPr marL="457200" lvl="0" indent="-311150" rtl="0">
               <a:spcBef>
                 <a:spcPts val="0"/>
               </a:spcBef>
@@ -7816,7 +7801,7 @@
               <a:buChar char="●"/>
               <a:defRPr/>
             </a:lvl1pPr>
-            <a:lvl2pPr indent="-298450" lvl="1" marL="914400" rtl="0">
+            <a:lvl2pPr marL="914400" lvl="1" indent="-298450" rtl="0">
               <a:spcBef>
                 <a:spcPts val="1600"/>
               </a:spcBef>
@@ -7827,7 +7812,7 @@
               <a:buChar char="○"/>
               <a:defRPr/>
             </a:lvl2pPr>
-            <a:lvl3pPr indent="-298450" lvl="2" marL="1371600" rtl="0">
+            <a:lvl3pPr marL="1371600" lvl="2" indent="-298450" rtl="0">
               <a:spcBef>
                 <a:spcPts val="1600"/>
               </a:spcBef>
@@ -7838,7 +7823,7 @@
               <a:buChar char="■"/>
               <a:defRPr/>
             </a:lvl3pPr>
-            <a:lvl4pPr indent="-298450" lvl="3" marL="1828800" rtl="0">
+            <a:lvl4pPr marL="1828800" lvl="3" indent="-298450" rtl="0">
               <a:spcBef>
                 <a:spcPts val="1600"/>
               </a:spcBef>
@@ -7849,7 +7834,7 @@
               <a:buChar char="●"/>
               <a:defRPr/>
             </a:lvl4pPr>
-            <a:lvl5pPr indent="-298450" lvl="4" marL="2286000" rtl="0">
+            <a:lvl5pPr marL="2286000" lvl="4" indent="-298450" rtl="0">
               <a:spcBef>
                 <a:spcPts val="1600"/>
               </a:spcBef>
@@ -7860,7 +7845,7 @@
               <a:buChar char="○"/>
               <a:defRPr/>
             </a:lvl5pPr>
-            <a:lvl6pPr indent="-298450" lvl="5" marL="2743200" rtl="0">
+            <a:lvl6pPr marL="2743200" lvl="5" indent="-298450" rtl="0">
               <a:spcBef>
                 <a:spcPts val="1600"/>
               </a:spcBef>
@@ -7871,7 +7856,7 @@
               <a:buChar char="■"/>
               <a:defRPr/>
             </a:lvl6pPr>
-            <a:lvl7pPr indent="-298450" lvl="6" marL="3200400" rtl="0">
+            <a:lvl7pPr marL="3200400" lvl="6" indent="-298450" rtl="0">
               <a:spcBef>
                 <a:spcPts val="1600"/>
               </a:spcBef>
@@ -7882,7 +7867,7 @@
               <a:buChar char="●"/>
               <a:defRPr/>
             </a:lvl7pPr>
-            <a:lvl8pPr indent="-298450" lvl="7" marL="3657600" rtl="0">
+            <a:lvl8pPr marL="3657600" lvl="7" indent="-298450" rtl="0">
               <a:spcBef>
                 <a:spcPts val="1600"/>
               </a:spcBef>
@@ -7893,7 +7878,7 @@
               <a:buChar char="○"/>
               <a:defRPr/>
             </a:lvl8pPr>
-            <a:lvl9pPr indent="-298450" lvl="8" marL="4114800" rtl="0">
+            <a:lvl9pPr marL="4114800" lvl="8" indent="-298450" rtl="0">
               <a:spcBef>
                 <a:spcPts val="1600"/>
               </a:spcBef>
@@ -7905,15 +7890,19 @@
               <a:defRPr/>
             </a:lvl9pPr>
           </a:lstStyle>
-          <a:p/>
+          <a:p>
+            <a:endParaRPr/>
+          </a:p>
         </p:txBody>
       </p:sp>
       <p:sp>
         <p:nvSpPr>
           <p:cNvPr id="102" name="Google Shape;102;p9"/>
-          <p:cNvSpPr txBox="1"/>
+          <p:cNvSpPr txBox="1">
+            <a:spLocks noGrp="1"/>
+          </p:cNvSpPr>
           <p:nvPr>
-            <p:ph idx="12" type="sldNum"/>
+            <p:ph type="sldNum" idx="12"/>
           </p:nvPr>
         </p:nvSpPr>
         <p:spPr>
@@ -7926,7 +7915,7 @@
           </a:prstGeom>
         </p:spPr>
         <p:txBody>
-          <a:bodyPr anchorCtr="0" anchor="ctr" bIns="91425" lIns="91425" spcFirstLastPara="1" rIns="91425" wrap="square" tIns="91425">
+          <a:bodyPr spcFirstLastPara="1" wrap="square" lIns="91425" tIns="91425" rIns="91425" bIns="91425" anchor="ctr" anchorCtr="0">
             <a:noAutofit/>
           </a:bodyPr>
           <a:lstStyle>
@@ -7968,7 +7957,7 @@
             </a:lvl9pPr>
           </a:lstStyle>
           <a:p>
-            <a:pPr indent="0" lvl="0" marL="0" rtl="0" algn="r">
+            <a:pPr marL="0" lvl="0" indent="0" algn="r" rtl="0">
               <a:spcBef>
                 <a:spcPts val="0"/>
               </a:spcBef>
@@ -7994,18 +7983,19 @@
 </file>
 
 <file path=ppt/slideLayouts/slideLayout9.xml><?xml version="1.0" encoding="utf-8"?>
-<p:sldLayout xmlns:a="http://schemas.openxmlformats.org/drawingml/2006/main" xmlns:r="http://schemas.openxmlformats.org/officeDocument/2006/relationships" xmlns:mc="http://schemas.openxmlformats.org/markup-compatibility/2006" xmlns:mv="urn:schemas-microsoft-com:mac:vml" xmlns:p="http://schemas.openxmlformats.org/presentationml/2006/main" xmlns:c="http://schemas.openxmlformats.org/drawingml/2006/chart" xmlns:dgm="http://schemas.openxmlformats.org/drawingml/2006/diagram" xmlns:o="urn:schemas-microsoft-com:office:office" xmlns:v="urn:schemas-microsoft-com:vml" xmlns:pvml="urn:schemas-microsoft-com:office:powerpoint" xmlns:com="http://schemas.openxmlformats.org/drawingml/2006/compatibility" xmlns:p14="http://schemas.microsoft.com/office/powerpoint/2010/main" xmlns:p15="http://schemas.microsoft.com/office/powerpoint/2012/main" xmlns:ahyp="http://schemas.microsoft.com/office/drawing/2018/hyperlinkcolor" matchingName="Caption">
+<p:sldLayout xmlns:a="http://schemas.openxmlformats.org/drawingml/2006/main" xmlns:r="http://schemas.openxmlformats.org/officeDocument/2006/relationships" xmlns:p="http://schemas.openxmlformats.org/presentationml/2006/main" matchingName="Caption">
   <p:cSld name="CAPTION_ONLY">
     <p:bg>
       <p:bgPr>
         <a:solidFill>
           <a:schemeClr val="accent1"/>
         </a:solidFill>
+        <a:effectLst/>
       </p:bgPr>
     </p:bg>
     <p:spTree>
       <p:nvGrpSpPr>
-        <p:cNvPr id="103" name="Shape 103"/>
+        <p:cNvPr id="1" name="Shape 103"/>
         <p:cNvGrpSpPr/>
         <p:nvPr/>
       </p:nvGrpSpPr>
@@ -8039,12 +8029,12 @@
           </a:ln>
         </p:spPr>
         <p:txBody>
-          <a:bodyPr anchorCtr="0" anchor="ctr" bIns="91425" lIns="91425" spcFirstLastPara="1" rIns="91425" wrap="square" tIns="91425">
+          <a:bodyPr spcFirstLastPara="1" wrap="square" lIns="91425" tIns="91425" rIns="91425" bIns="91425" anchor="ctr" anchorCtr="0">
             <a:noAutofit/>
           </a:bodyPr>
           <a:lstStyle/>
           <a:p>
-            <a:pPr indent="0" lvl="0" marL="0" rtl="0" algn="l">
+            <a:pPr marL="0" lvl="0" indent="0" algn="l" rtl="0">
               <a:spcBef>
                 <a:spcPts val="0"/>
               </a:spcBef>
@@ -8053,9 +8043,6 @@
               </a:spcAft>
               <a:buNone/>
             </a:pPr>
-            <a:r>
-              <a:t/>
-            </a:r>
             <a:endParaRPr/>
           </a:p>
         </p:txBody>
@@ -8082,12 +8069,12 @@
           </a:ln>
         </p:spPr>
         <p:txBody>
-          <a:bodyPr anchorCtr="0" anchor="ctr" bIns="91425" lIns="91425" spcFirstLastPara="1" rIns="91425" wrap="square" tIns="91425">
+          <a:bodyPr spcFirstLastPara="1" wrap="square" lIns="91425" tIns="91425" rIns="91425" bIns="91425" anchor="ctr" anchorCtr="0">
             <a:noAutofit/>
           </a:bodyPr>
           <a:lstStyle/>
           <a:p>
-            <a:pPr indent="0" lvl="0" marL="0" rtl="0" algn="l">
+            <a:pPr marL="0" lvl="0" indent="0" algn="l" rtl="0">
               <a:spcBef>
                 <a:spcPts val="0"/>
               </a:spcBef>
@@ -8096,9 +8083,6 @@
               </a:spcAft>
               <a:buNone/>
             </a:pPr>
-            <a:r>
-              <a:t/>
-            </a:r>
             <a:endParaRPr/>
           </a:p>
         </p:txBody>
@@ -8124,7 +8108,7 @@
             <a:noFill/>
           </a:ln>
           <a:effectLst>
-            <a:outerShdw blurRad="228600" sx="101000" rotWithShape="0" algn="ctr" sy="101000">
+            <a:outerShdw blurRad="228600" sx="101000" sy="101000" algn="ctr" rotWithShape="0">
               <a:srgbClr val="000000">
                 <a:alpha val="40000"/>
               </a:srgbClr>
@@ -8132,12 +8116,12 @@
           </a:effectLst>
         </p:spPr>
         <p:txBody>
-          <a:bodyPr anchorCtr="0" anchor="ctr" bIns="91425" lIns="91425" spcFirstLastPara="1" rIns="91425" wrap="square" tIns="91425">
+          <a:bodyPr spcFirstLastPara="1" wrap="square" lIns="91425" tIns="91425" rIns="91425" bIns="91425" anchor="ctr" anchorCtr="0">
             <a:noAutofit/>
           </a:bodyPr>
           <a:lstStyle/>
           <a:p>
-            <a:pPr indent="0" lvl="0" marL="0" rtl="0" algn="l">
+            <a:pPr marL="0" lvl="0" indent="0" algn="l" rtl="0">
               <a:spcBef>
                 <a:spcPts val="0"/>
               </a:spcBef>
@@ -8146,9 +8130,6 @@
               </a:spcAft>
               <a:buNone/>
             </a:pPr>
-            <a:r>
-              <a:t/>
-            </a:r>
             <a:endParaRPr/>
           </a:p>
         </p:txBody>
@@ -8156,9 +8137,11 @@
       <p:sp>
         <p:nvSpPr>
           <p:cNvPr id="107" name="Google Shape;107;p10"/>
-          <p:cNvSpPr txBox="1"/>
+          <p:cNvSpPr txBox="1">
+            <a:spLocks noGrp="1"/>
+          </p:cNvSpPr>
           <p:nvPr>
-            <p:ph idx="1" type="body"/>
+            <p:ph type="body" idx="1"/>
           </p:nvPr>
         </p:nvSpPr>
         <p:spPr>
@@ -8171,11 +8154,11 @@
           </a:prstGeom>
         </p:spPr>
         <p:txBody>
-          <a:bodyPr anchorCtr="0" anchor="b" bIns="91425" lIns="91425" spcFirstLastPara="1" rIns="91425" wrap="square" tIns="91425">
+          <a:bodyPr spcFirstLastPara="1" wrap="square" lIns="91425" tIns="91425" rIns="91425" bIns="91425" anchor="b" anchorCtr="0">
             <a:noAutofit/>
           </a:bodyPr>
           <a:lstStyle>
-            <a:lvl1pPr indent="-228600" lvl="0" marL="457200" rtl="0">
+            <a:lvl1pPr marL="457200" lvl="0" indent="-228600" rtl="0">
               <a:lnSpc>
                 <a:spcPct val="100000"/>
               </a:lnSpc>
@@ -8190,15 +8173,19 @@
               <a:defRPr/>
             </a:lvl1pPr>
           </a:lstStyle>
-          <a:p/>
+          <a:p>
+            <a:endParaRPr/>
+          </a:p>
         </p:txBody>
       </p:sp>
       <p:sp>
         <p:nvSpPr>
           <p:cNvPr id="108" name="Google Shape;108;p10"/>
-          <p:cNvSpPr txBox="1"/>
+          <p:cNvSpPr txBox="1">
+            <a:spLocks noGrp="1"/>
+          </p:cNvSpPr>
           <p:nvPr>
-            <p:ph idx="12" type="sldNum"/>
+            <p:ph type="sldNum" idx="12"/>
           </p:nvPr>
         </p:nvSpPr>
         <p:spPr>
@@ -8211,7 +8198,7 @@
           </a:prstGeom>
         </p:spPr>
         <p:txBody>
-          <a:bodyPr anchorCtr="0" anchor="ctr" bIns="91425" lIns="91425" spcFirstLastPara="1" rIns="91425" wrap="square" tIns="91425">
+          <a:bodyPr spcFirstLastPara="1" wrap="square" lIns="91425" tIns="91425" rIns="91425" bIns="91425" anchor="ctr" anchorCtr="0">
             <a:noAutofit/>
           </a:bodyPr>
           <a:lstStyle>
@@ -8253,7 +8240,7 @@
             </a:lvl9pPr>
           </a:lstStyle>
           <a:p>
-            <a:pPr indent="0" lvl="0" marL="0" rtl="0" algn="r">
+            <a:pPr marL="0" lvl="0" indent="0" algn="r" rtl="0">
               <a:spcBef>
                 <a:spcPts val="0"/>
               </a:spcBef>
@@ -8279,18 +8266,19 @@
 </file>
 
 <file path=ppt/slideMasters/slideMaster1.xml><?xml version="1.0" encoding="utf-8"?>
-<p:sldMaster xmlns:a="http://schemas.openxmlformats.org/drawingml/2006/main" xmlns:r="http://schemas.openxmlformats.org/officeDocument/2006/relationships" xmlns:mc="http://schemas.openxmlformats.org/markup-compatibility/2006" xmlns:mv="urn:schemas-microsoft-com:mac:vml" xmlns:p="http://schemas.openxmlformats.org/presentationml/2006/main" xmlns:c="http://schemas.openxmlformats.org/drawingml/2006/chart" xmlns:dgm="http://schemas.openxmlformats.org/drawingml/2006/diagram" xmlns:o="urn:schemas-microsoft-com:office:office" xmlns:v="urn:schemas-microsoft-com:vml" xmlns:pvml="urn:schemas-microsoft-com:office:powerpoint" xmlns:com="http://schemas.openxmlformats.org/drawingml/2006/compatibility" xmlns:p14="http://schemas.microsoft.com/office/powerpoint/2010/main" xmlns:p15="http://schemas.microsoft.com/office/powerpoint/2012/main" xmlns:ahyp="http://schemas.microsoft.com/office/drawing/2018/hyperlinkcolor">
+<p:sldMaster xmlns:a="http://schemas.openxmlformats.org/drawingml/2006/main" xmlns:r="http://schemas.openxmlformats.org/officeDocument/2006/relationships" xmlns:p="http://schemas.openxmlformats.org/presentationml/2006/main">
   <p:cSld name="shift">
     <p:bg>
       <p:bgPr>
         <a:solidFill>
           <a:schemeClr val="dk1"/>
         </a:solidFill>
+        <a:effectLst/>
       </p:bgPr>
     </p:bg>
     <p:spTree>
       <p:nvGrpSpPr>
-        <p:cNvPr id="5" name="Shape 5"/>
+        <p:cNvPr id="1" name="Shape 5"/>
         <p:cNvGrpSpPr/>
         <p:nvPr/>
       </p:nvGrpSpPr>
@@ -8305,7 +8293,9 @@
       <p:sp>
         <p:nvSpPr>
           <p:cNvPr id="6" name="Google Shape;6;p1"/>
-          <p:cNvSpPr txBox="1"/>
+          <p:cNvSpPr txBox="1">
+            <a:spLocks noGrp="1"/>
+          </p:cNvSpPr>
           <p:nvPr>
             <p:ph type="title"/>
           </p:nvPr>
@@ -8324,7 +8314,7 @@
           </a:ln>
         </p:spPr>
         <p:txBody>
-          <a:bodyPr anchorCtr="0" anchor="t" bIns="91425" lIns="91425" spcFirstLastPara="1" rIns="91425" wrap="square" tIns="91425">
+          <a:bodyPr spcFirstLastPara="1" wrap="square" lIns="91425" tIns="91425" rIns="91425" bIns="91425" anchor="t" anchorCtr="0">
             <a:noAutofit/>
           </a:bodyPr>
           <a:lstStyle>
@@ -8536,15 +8526,19 @@
               </a:defRPr>
             </a:lvl9pPr>
           </a:lstStyle>
-          <a:p/>
+          <a:p>
+            <a:endParaRPr/>
+          </a:p>
         </p:txBody>
       </p:sp>
       <p:sp>
         <p:nvSpPr>
           <p:cNvPr id="7" name="Google Shape;7;p1"/>
-          <p:cNvSpPr txBox="1"/>
+          <p:cNvSpPr txBox="1">
+            <a:spLocks noGrp="1"/>
+          </p:cNvSpPr>
           <p:nvPr>
-            <p:ph idx="1" type="body"/>
+            <p:ph type="body" idx="1"/>
           </p:nvPr>
         </p:nvSpPr>
         <p:spPr>
@@ -8561,11 +8555,11 @@
           </a:ln>
         </p:spPr>
         <p:txBody>
-          <a:bodyPr anchorCtr="0" anchor="t" bIns="91425" lIns="91425" spcFirstLastPara="1" rIns="91425" wrap="square" tIns="91425">
+          <a:bodyPr spcFirstLastPara="1" wrap="square" lIns="91425" tIns="91425" rIns="91425" bIns="91425" anchor="t" anchorCtr="0">
             <a:noAutofit/>
           </a:bodyPr>
           <a:lstStyle>
-            <a:lvl1pPr indent="-311150" lvl="0" marL="457200" rtl="0">
+            <a:lvl1pPr marL="457200" lvl="0" indent="-311150" rtl="0">
               <a:lnSpc>
                 <a:spcPct val="115000"/>
               </a:lnSpc>
@@ -8591,7 +8585,7 @@
                 <a:sym typeface="Calibri"/>
               </a:defRPr>
             </a:lvl1pPr>
-            <a:lvl2pPr indent="-298450" lvl="1" marL="914400" rtl="0">
+            <a:lvl2pPr marL="914400" lvl="1" indent="-298450" rtl="0">
               <a:lnSpc>
                 <a:spcPct val="115000"/>
               </a:lnSpc>
@@ -8617,7 +8611,7 @@
                 <a:sym typeface="Calibri"/>
               </a:defRPr>
             </a:lvl2pPr>
-            <a:lvl3pPr indent="-298450" lvl="2" marL="1371600" rtl="0">
+            <a:lvl3pPr marL="1371600" lvl="2" indent="-298450" rtl="0">
               <a:lnSpc>
                 <a:spcPct val="115000"/>
               </a:lnSpc>
@@ -8643,7 +8637,7 @@
                 <a:sym typeface="Calibri"/>
               </a:defRPr>
             </a:lvl3pPr>
-            <a:lvl4pPr indent="-298450" lvl="3" marL="1828800" rtl="0">
+            <a:lvl4pPr marL="1828800" lvl="3" indent="-298450" rtl="0">
               <a:lnSpc>
                 <a:spcPct val="115000"/>
               </a:lnSpc>
@@ -8669,7 +8663,7 @@
                 <a:sym typeface="Calibri"/>
               </a:defRPr>
             </a:lvl4pPr>
-            <a:lvl5pPr indent="-298450" lvl="4" marL="2286000" rtl="0">
+            <a:lvl5pPr marL="2286000" lvl="4" indent="-298450" rtl="0">
               <a:lnSpc>
                 <a:spcPct val="115000"/>
               </a:lnSpc>
@@ -8695,7 +8689,7 @@
                 <a:sym typeface="Calibri"/>
               </a:defRPr>
             </a:lvl5pPr>
-            <a:lvl6pPr indent="-298450" lvl="5" marL="2743200" rtl="0">
+            <a:lvl6pPr marL="2743200" lvl="5" indent="-298450" rtl="0">
               <a:lnSpc>
                 <a:spcPct val="115000"/>
               </a:lnSpc>
@@ -8721,7 +8715,7 @@
                 <a:sym typeface="Calibri"/>
               </a:defRPr>
             </a:lvl6pPr>
-            <a:lvl7pPr indent="-298450" lvl="6" marL="3200400" rtl="0">
+            <a:lvl7pPr marL="3200400" lvl="6" indent="-298450" rtl="0">
               <a:lnSpc>
                 <a:spcPct val="115000"/>
               </a:lnSpc>
@@ -8747,7 +8741,7 @@
                 <a:sym typeface="Calibri"/>
               </a:defRPr>
             </a:lvl7pPr>
-            <a:lvl8pPr indent="-298450" lvl="7" marL="3657600" rtl="0">
+            <a:lvl8pPr marL="3657600" lvl="7" indent="-298450" rtl="0">
               <a:lnSpc>
                 <a:spcPct val="115000"/>
               </a:lnSpc>
@@ -8773,7 +8767,7 @@
                 <a:sym typeface="Calibri"/>
               </a:defRPr>
             </a:lvl8pPr>
-            <a:lvl9pPr indent="-298450" lvl="8" marL="4114800" rtl="0">
+            <a:lvl9pPr marL="4114800" lvl="8" indent="-298450" rtl="0">
               <a:lnSpc>
                 <a:spcPct val="115000"/>
               </a:lnSpc>
@@ -8800,15 +8794,19 @@
               </a:defRPr>
             </a:lvl9pPr>
           </a:lstStyle>
-          <a:p/>
+          <a:p>
+            <a:endParaRPr/>
+          </a:p>
         </p:txBody>
       </p:sp>
       <p:sp>
         <p:nvSpPr>
           <p:cNvPr id="8" name="Google Shape;8;p1"/>
-          <p:cNvSpPr txBox="1"/>
+          <p:cNvSpPr txBox="1">
+            <a:spLocks noGrp="1"/>
+          </p:cNvSpPr>
           <p:nvPr>
-            <p:ph idx="12" type="sldNum"/>
+            <p:ph type="sldNum" idx="12"/>
           </p:nvPr>
         </p:nvSpPr>
         <p:spPr>
@@ -8825,11 +8823,11 @@
           </a:ln>
         </p:spPr>
         <p:txBody>
-          <a:bodyPr anchorCtr="0" anchor="ctr" bIns="91425" lIns="91425" spcFirstLastPara="1" rIns="91425" wrap="square" tIns="91425">
+          <a:bodyPr spcFirstLastPara="1" wrap="square" lIns="91425" tIns="91425" rIns="91425" bIns="91425" anchor="ctr" anchorCtr="0">
             <a:noAutofit/>
           </a:bodyPr>
           <a:lstStyle>
-            <a:lvl1pPr lvl="0" rtl="0" algn="r">
+            <a:lvl1pPr lvl="0" algn="r" rtl="0">
               <a:buNone/>
               <a:defRPr sz="1000">
                 <a:solidFill>
@@ -8841,7 +8839,7 @@
                 <a:sym typeface="Nunito"/>
               </a:defRPr>
             </a:lvl1pPr>
-            <a:lvl2pPr lvl="1" rtl="0" algn="r">
+            <a:lvl2pPr lvl="1" algn="r" rtl="0">
               <a:buNone/>
               <a:defRPr sz="1000">
                 <a:solidFill>
@@ -8853,7 +8851,7 @@
                 <a:sym typeface="Nunito"/>
               </a:defRPr>
             </a:lvl2pPr>
-            <a:lvl3pPr lvl="2" rtl="0" algn="r">
+            <a:lvl3pPr lvl="2" algn="r" rtl="0">
               <a:buNone/>
               <a:defRPr sz="1000">
                 <a:solidFill>
@@ -8865,7 +8863,7 @@
                 <a:sym typeface="Nunito"/>
               </a:defRPr>
             </a:lvl3pPr>
-            <a:lvl4pPr lvl="3" rtl="0" algn="r">
+            <a:lvl4pPr lvl="3" algn="r" rtl="0">
               <a:buNone/>
               <a:defRPr sz="1000">
                 <a:solidFill>
@@ -8877,7 +8875,7 @@
                 <a:sym typeface="Nunito"/>
               </a:defRPr>
             </a:lvl4pPr>
-            <a:lvl5pPr lvl="4" rtl="0" algn="r">
+            <a:lvl5pPr lvl="4" algn="r" rtl="0">
               <a:buNone/>
               <a:defRPr sz="1000">
                 <a:solidFill>
@@ -8889,7 +8887,7 @@
                 <a:sym typeface="Nunito"/>
               </a:defRPr>
             </a:lvl5pPr>
-            <a:lvl6pPr lvl="5" rtl="0" algn="r">
+            <a:lvl6pPr lvl="5" algn="r" rtl="0">
               <a:buNone/>
               <a:defRPr sz="1000">
                 <a:solidFill>
@@ -8901,7 +8899,7 @@
                 <a:sym typeface="Nunito"/>
               </a:defRPr>
             </a:lvl6pPr>
-            <a:lvl7pPr lvl="6" rtl="0" algn="r">
+            <a:lvl7pPr lvl="6" algn="r" rtl="0">
               <a:buNone/>
               <a:defRPr sz="1000">
                 <a:solidFill>
@@ -8913,7 +8911,7 @@
                 <a:sym typeface="Nunito"/>
               </a:defRPr>
             </a:lvl7pPr>
-            <a:lvl8pPr lvl="7" rtl="0" algn="r">
+            <a:lvl8pPr lvl="7" algn="r" rtl="0">
               <a:buNone/>
               <a:defRPr sz="1000">
                 <a:solidFill>
@@ -8925,7 +8923,7 @@
                 <a:sym typeface="Nunito"/>
               </a:defRPr>
             </a:lvl8pPr>
-            <a:lvl9pPr lvl="8" rtl="0" algn="r">
+            <a:lvl9pPr lvl="8" algn="r" rtl="0">
               <a:buNone/>
               <a:defRPr sz="1000">
                 <a:solidFill>
@@ -8939,7 +8937,7 @@
             </a:lvl9pPr>
           </a:lstStyle>
           <a:p>
-            <a:pPr indent="0" lvl="0" marL="0" rtl="0" algn="r">
+            <a:pPr marL="0" lvl="0" indent="0" algn="r" rtl="0">
               <a:spcBef>
                 <a:spcPts val="0"/>
               </a:spcBef>
@@ -8958,7 +8956,7 @@
       </p:sp>
     </p:spTree>
   </p:cSld>
-  <p:clrMap accent1="accent1" accent2="accent2" accent3="accent3" accent4="accent4" accent5="accent5" accent6="accent6" bg1="lt1" bg2="dk2" tx1="dk1" tx2="lt2" folHlink="folHlink" hlink="hlink"/>
+  <p:clrMap bg1="lt1" tx1="dk1" bg2="dk2" tx2="lt2" accent1="accent1" accent2="accent2" accent3="accent3" accent4="accent4" accent5="accent5" accent6="accent6" hlink="hlink" folHlink="folHlink"/>
   <p:sldLayoutIdLst>
     <p:sldLayoutId id="2147483648" r:id="rId1"/>
     <p:sldLayoutId id="2147483649" r:id="rId2"/>
@@ -8972,10 +8970,10 @@
     <p:sldLayoutId id="2147483657" r:id="rId10"/>
     <p:sldLayoutId id="2147483658" r:id="rId11"/>
   </p:sldLayoutIdLst>
-  <p:hf dt="0" ftr="0" hdr="0" sldNum="0"/>
+  <p:hf sldNum="0" hdr="0" ftr="0" dt="0"/>
   <p:txStyles>
     <p:titleStyle>
-      <a:defPPr lvl="0" marR="0" rtl="0" algn="l">
+      <a:defPPr marR="0" lvl="0" algn="l" rtl="0">
         <a:lnSpc>
           <a:spcPct val="100000"/>
         </a:lnSpc>
@@ -8986,7 +8984,7 @@
           <a:spcPts val="0"/>
         </a:spcAft>
       </a:defPPr>
-      <a:lvl1pPr lvl="0" marR="0" rtl="0" algn="l">
+      <a:lvl1pPr marR="0" lvl="0" algn="l" rtl="0">
         <a:lnSpc>
           <a:spcPct val="100000"/>
         </a:lnSpc>
@@ -9000,7 +8998,7 @@
           <a:srgbClr val="000000"/>
         </a:buClr>
         <a:buFont typeface="Arial"/>
-        <a:defRPr b="0" i="0" sz="1400" u="none" cap="none" strike="noStrike">
+        <a:defRPr sz="1400" b="0" i="0" u="none" strike="noStrike" cap="none">
           <a:solidFill>
             <a:srgbClr val="000000"/>
           </a:solidFill>
@@ -9010,7 +9008,7 @@
           <a:sym typeface="Arial"/>
         </a:defRPr>
       </a:lvl1pPr>
-      <a:lvl2pPr lvl="1" marR="0" rtl="0" algn="l">
+      <a:lvl2pPr marR="0" lvl="1" algn="l" rtl="0">
         <a:lnSpc>
           <a:spcPct val="100000"/>
         </a:lnSpc>
@@ -9024,7 +9022,7 @@
           <a:srgbClr val="000000"/>
         </a:buClr>
         <a:buFont typeface="Arial"/>
-        <a:defRPr b="0" i="0" sz="1400" u="none" cap="none" strike="noStrike">
+        <a:defRPr sz="1400" b="0" i="0" u="none" strike="noStrike" cap="none">
           <a:solidFill>
             <a:srgbClr val="000000"/>
           </a:solidFill>
@@ -9034,7 +9032,7 @@
           <a:sym typeface="Arial"/>
         </a:defRPr>
       </a:lvl2pPr>
-      <a:lvl3pPr lvl="2" marR="0" rtl="0" algn="l">
+      <a:lvl3pPr marR="0" lvl="2" algn="l" rtl="0">
         <a:lnSpc>
           <a:spcPct val="100000"/>
         </a:lnSpc>
@@ -9048,7 +9046,7 @@
           <a:srgbClr val="000000"/>
         </a:buClr>
         <a:buFont typeface="Arial"/>
-        <a:defRPr b="0" i="0" sz="1400" u="none" cap="none" strike="noStrike">
+        <a:defRPr sz="1400" b="0" i="0" u="none" strike="noStrike" cap="none">
           <a:solidFill>
             <a:srgbClr val="000000"/>
           </a:solidFill>
@@ -9058,7 +9056,7 @@
           <a:sym typeface="Arial"/>
         </a:defRPr>
       </a:lvl3pPr>
-      <a:lvl4pPr lvl="3" marR="0" rtl="0" algn="l">
+      <a:lvl4pPr marR="0" lvl="3" algn="l" rtl="0">
         <a:lnSpc>
           <a:spcPct val="100000"/>
         </a:lnSpc>
@@ -9072,7 +9070,7 @@
           <a:srgbClr val="000000"/>
         </a:buClr>
         <a:buFont typeface="Arial"/>
-        <a:defRPr b="0" i="0" sz="1400" u="none" cap="none" strike="noStrike">
+        <a:defRPr sz="1400" b="0" i="0" u="none" strike="noStrike" cap="none">
           <a:solidFill>
             <a:srgbClr val="000000"/>
           </a:solidFill>
@@ -9082,7 +9080,7 @@
           <a:sym typeface="Arial"/>
         </a:defRPr>
       </a:lvl4pPr>
-      <a:lvl5pPr lvl="4" marR="0" rtl="0" algn="l">
+      <a:lvl5pPr marR="0" lvl="4" algn="l" rtl="0">
         <a:lnSpc>
           <a:spcPct val="100000"/>
         </a:lnSpc>
@@ -9096,7 +9094,7 @@
           <a:srgbClr val="000000"/>
         </a:buClr>
         <a:buFont typeface="Arial"/>
-        <a:defRPr b="0" i="0" sz="1400" u="none" cap="none" strike="noStrike">
+        <a:defRPr sz="1400" b="0" i="0" u="none" strike="noStrike" cap="none">
           <a:solidFill>
             <a:srgbClr val="000000"/>
           </a:solidFill>
@@ -9106,7 +9104,7 @@
           <a:sym typeface="Arial"/>
         </a:defRPr>
       </a:lvl5pPr>
-      <a:lvl6pPr lvl="5" marR="0" rtl="0" algn="l">
+      <a:lvl6pPr marR="0" lvl="5" algn="l" rtl="0">
         <a:lnSpc>
           <a:spcPct val="100000"/>
         </a:lnSpc>
@@ -9120,7 +9118,7 @@
           <a:srgbClr val="000000"/>
         </a:buClr>
         <a:buFont typeface="Arial"/>
-        <a:defRPr b="0" i="0" sz="1400" u="none" cap="none" strike="noStrike">
+        <a:defRPr sz="1400" b="0" i="0" u="none" strike="noStrike" cap="none">
           <a:solidFill>
             <a:srgbClr val="000000"/>
           </a:solidFill>
@@ -9130,7 +9128,7 @@
           <a:sym typeface="Arial"/>
         </a:defRPr>
       </a:lvl6pPr>
-      <a:lvl7pPr lvl="6" marR="0" rtl="0" algn="l">
+      <a:lvl7pPr marR="0" lvl="6" algn="l" rtl="0">
         <a:lnSpc>
           <a:spcPct val="100000"/>
         </a:lnSpc>
@@ -9144,7 +9142,7 @@
           <a:srgbClr val="000000"/>
         </a:buClr>
         <a:buFont typeface="Arial"/>
-        <a:defRPr b="0" i="0" sz="1400" u="none" cap="none" strike="noStrike">
+        <a:defRPr sz="1400" b="0" i="0" u="none" strike="noStrike" cap="none">
           <a:solidFill>
             <a:srgbClr val="000000"/>
           </a:solidFill>
@@ -9154,7 +9152,7 @@
           <a:sym typeface="Arial"/>
         </a:defRPr>
       </a:lvl7pPr>
-      <a:lvl8pPr lvl="7" marR="0" rtl="0" algn="l">
+      <a:lvl8pPr marR="0" lvl="7" algn="l" rtl="0">
         <a:lnSpc>
           <a:spcPct val="100000"/>
         </a:lnSpc>
@@ -9168,7 +9166,7 @@
           <a:srgbClr val="000000"/>
         </a:buClr>
         <a:buFont typeface="Arial"/>
-        <a:defRPr b="0" i="0" sz="1400" u="none" cap="none" strike="noStrike">
+        <a:defRPr sz="1400" b="0" i="0" u="none" strike="noStrike" cap="none">
           <a:solidFill>
             <a:srgbClr val="000000"/>
           </a:solidFill>
@@ -9178,7 +9176,7 @@
           <a:sym typeface="Arial"/>
         </a:defRPr>
       </a:lvl8pPr>
-      <a:lvl9pPr lvl="8" marR="0" rtl="0" algn="l">
+      <a:lvl9pPr marR="0" lvl="8" algn="l" rtl="0">
         <a:lnSpc>
           <a:spcPct val="100000"/>
         </a:lnSpc>
@@ -9192,7 +9190,7 @@
           <a:srgbClr val="000000"/>
         </a:buClr>
         <a:buFont typeface="Arial"/>
-        <a:defRPr b="0" i="0" sz="1400" u="none" cap="none" strike="noStrike">
+        <a:defRPr sz="1400" b="0" i="0" u="none" strike="noStrike" cap="none">
           <a:solidFill>
             <a:srgbClr val="000000"/>
           </a:solidFill>
@@ -9204,7 +9202,7 @@
       </a:lvl9pPr>
     </p:titleStyle>
     <p:bodyStyle>
-      <a:defPPr lvl="0" marR="0" rtl="0" algn="l">
+      <a:defPPr marR="0" lvl="0" algn="l" rtl="0">
         <a:lnSpc>
           <a:spcPct val="100000"/>
         </a:lnSpc>
@@ -9215,7 +9213,7 @@
           <a:spcPts val="0"/>
         </a:spcAft>
       </a:defPPr>
-      <a:lvl1pPr lvl="0" marR="0" rtl="0" algn="l">
+      <a:lvl1pPr marR="0" lvl="0" algn="l" rtl="0">
         <a:lnSpc>
           <a:spcPct val="100000"/>
         </a:lnSpc>
@@ -9229,7 +9227,7 @@
           <a:srgbClr val="000000"/>
         </a:buClr>
         <a:buFont typeface="Arial"/>
-        <a:defRPr b="0" i="0" sz="1400" u="none" cap="none" strike="noStrike">
+        <a:defRPr sz="1400" b="0" i="0" u="none" strike="noStrike" cap="none">
           <a:solidFill>
             <a:srgbClr val="000000"/>
           </a:solidFill>
@@ -9239,7 +9237,7 @@
           <a:sym typeface="Arial"/>
         </a:defRPr>
       </a:lvl1pPr>
-      <a:lvl2pPr lvl="1" marR="0" rtl="0" algn="l">
+      <a:lvl2pPr marR="0" lvl="1" algn="l" rtl="0">
         <a:lnSpc>
           <a:spcPct val="100000"/>
         </a:lnSpc>
@@ -9253,7 +9251,7 @@
           <a:srgbClr val="000000"/>
         </a:buClr>
         <a:buFont typeface="Arial"/>
-        <a:defRPr b="0" i="0" sz="1400" u="none" cap="none" strike="noStrike">
+        <a:defRPr sz="1400" b="0" i="0" u="none" strike="noStrike" cap="none">
           <a:solidFill>
             <a:srgbClr val="000000"/>
           </a:solidFill>
@@ -9263,7 +9261,7 @@
           <a:sym typeface="Arial"/>
         </a:defRPr>
       </a:lvl2pPr>
-      <a:lvl3pPr lvl="2" marR="0" rtl="0" algn="l">
+      <a:lvl3pPr marR="0" lvl="2" algn="l" rtl="0">
         <a:lnSpc>
           <a:spcPct val="100000"/>
         </a:lnSpc>
@@ -9277,7 +9275,7 @@
           <a:srgbClr val="000000"/>
         </a:buClr>
         <a:buFont typeface="Arial"/>
-        <a:defRPr b="0" i="0" sz="1400" u="none" cap="none" strike="noStrike">
+        <a:defRPr sz="1400" b="0" i="0" u="none" strike="noStrike" cap="none">
           <a:solidFill>
             <a:srgbClr val="000000"/>
           </a:solidFill>
@@ -9287,7 +9285,7 @@
           <a:sym typeface="Arial"/>
         </a:defRPr>
       </a:lvl3pPr>
-      <a:lvl4pPr lvl="3" marR="0" rtl="0" algn="l">
+      <a:lvl4pPr marR="0" lvl="3" algn="l" rtl="0">
         <a:lnSpc>
           <a:spcPct val="100000"/>
         </a:lnSpc>
@@ -9301,7 +9299,7 @@
           <a:srgbClr val="000000"/>
         </a:buClr>
         <a:buFont typeface="Arial"/>
-        <a:defRPr b="0" i="0" sz="1400" u="none" cap="none" strike="noStrike">
+        <a:defRPr sz="1400" b="0" i="0" u="none" strike="noStrike" cap="none">
           <a:solidFill>
             <a:srgbClr val="000000"/>
           </a:solidFill>
@@ -9311,7 +9309,7 @@
           <a:sym typeface="Arial"/>
         </a:defRPr>
       </a:lvl4pPr>
-      <a:lvl5pPr lvl="4" marR="0" rtl="0" algn="l">
+      <a:lvl5pPr marR="0" lvl="4" algn="l" rtl="0">
         <a:lnSpc>
           <a:spcPct val="100000"/>
         </a:lnSpc>
@@ -9325,7 +9323,7 @@
           <a:srgbClr val="000000"/>
         </a:buClr>
         <a:buFont typeface="Arial"/>
-        <a:defRPr b="0" i="0" sz="1400" u="none" cap="none" strike="noStrike">
+        <a:defRPr sz="1400" b="0" i="0" u="none" strike="noStrike" cap="none">
           <a:solidFill>
             <a:srgbClr val="000000"/>
           </a:solidFill>
@@ -9335,7 +9333,7 @@
           <a:sym typeface="Arial"/>
         </a:defRPr>
       </a:lvl5pPr>
-      <a:lvl6pPr lvl="5" marR="0" rtl="0" algn="l">
+      <a:lvl6pPr marR="0" lvl="5" algn="l" rtl="0">
         <a:lnSpc>
           <a:spcPct val="100000"/>
         </a:lnSpc>
@@ -9349,7 +9347,7 @@
           <a:srgbClr val="000000"/>
         </a:buClr>
         <a:buFont typeface="Arial"/>
-        <a:defRPr b="0" i="0" sz="1400" u="none" cap="none" strike="noStrike">
+        <a:defRPr sz="1400" b="0" i="0" u="none" strike="noStrike" cap="none">
           <a:solidFill>
             <a:srgbClr val="000000"/>
           </a:solidFill>
@@ -9359,7 +9357,7 @@
           <a:sym typeface="Arial"/>
         </a:defRPr>
       </a:lvl6pPr>
-      <a:lvl7pPr lvl="6" marR="0" rtl="0" algn="l">
+      <a:lvl7pPr marR="0" lvl="6" algn="l" rtl="0">
         <a:lnSpc>
           <a:spcPct val="100000"/>
         </a:lnSpc>
@@ -9373,7 +9371,7 @@
           <a:srgbClr val="000000"/>
         </a:buClr>
         <a:buFont typeface="Arial"/>
-        <a:defRPr b="0" i="0" sz="1400" u="none" cap="none" strike="noStrike">
+        <a:defRPr sz="1400" b="0" i="0" u="none" strike="noStrike" cap="none">
           <a:solidFill>
             <a:srgbClr val="000000"/>
           </a:solidFill>
@@ -9383,7 +9381,7 @@
           <a:sym typeface="Arial"/>
         </a:defRPr>
       </a:lvl7pPr>
-      <a:lvl8pPr lvl="7" marR="0" rtl="0" algn="l">
+      <a:lvl8pPr marR="0" lvl="7" algn="l" rtl="0">
         <a:lnSpc>
           <a:spcPct val="100000"/>
         </a:lnSpc>
@@ -9397,7 +9395,7 @@
           <a:srgbClr val="000000"/>
         </a:buClr>
         <a:buFont typeface="Arial"/>
-        <a:defRPr b="0" i="0" sz="1400" u="none" cap="none" strike="noStrike">
+        <a:defRPr sz="1400" b="0" i="0" u="none" strike="noStrike" cap="none">
           <a:solidFill>
             <a:srgbClr val="000000"/>
           </a:solidFill>
@@ -9407,7 +9405,7 @@
           <a:sym typeface="Arial"/>
         </a:defRPr>
       </a:lvl8pPr>
-      <a:lvl9pPr lvl="8" marR="0" rtl="0" algn="l">
+      <a:lvl9pPr marR="0" lvl="8" algn="l" rtl="0">
         <a:lnSpc>
           <a:spcPct val="100000"/>
         </a:lnSpc>
@@ -9421,7 +9419,7 @@
           <a:srgbClr val="000000"/>
         </a:buClr>
         <a:buFont typeface="Arial"/>
-        <a:defRPr b="0" i="0" sz="1400" u="none" cap="none" strike="noStrike">
+        <a:defRPr sz="1400" b="0" i="0" u="none" strike="noStrike" cap="none">
           <a:solidFill>
             <a:srgbClr val="000000"/>
           </a:solidFill>
@@ -9433,7 +9431,7 @@
       </a:lvl9pPr>
     </p:bodyStyle>
     <p:otherStyle>
-      <a:defPPr lvl="0" marR="0" rtl="0" algn="l">
+      <a:defPPr marR="0" lvl="0" algn="l" rtl="0">
         <a:lnSpc>
           <a:spcPct val="100000"/>
         </a:lnSpc>
@@ -9444,7 +9442,7 @@
           <a:spcPts val="0"/>
         </a:spcAft>
       </a:defPPr>
-      <a:lvl1pPr lvl="0" marR="0" rtl="0" algn="l">
+      <a:lvl1pPr marR="0" lvl="0" algn="l" rtl="0">
         <a:lnSpc>
           <a:spcPct val="100000"/>
         </a:lnSpc>
@@ -9458,7 +9456,7 @@
           <a:srgbClr val="000000"/>
         </a:buClr>
         <a:buFont typeface="Arial"/>
-        <a:defRPr b="0" i="0" sz="1400" u="none" cap="none" strike="noStrike">
+        <a:defRPr sz="1400" b="0" i="0" u="none" strike="noStrike" cap="none">
           <a:solidFill>
             <a:srgbClr val="000000"/>
           </a:solidFill>
@@ -9468,7 +9466,7 @@
           <a:sym typeface="Arial"/>
         </a:defRPr>
       </a:lvl1pPr>
-      <a:lvl2pPr lvl="1" marR="0" rtl="0" algn="l">
+      <a:lvl2pPr marR="0" lvl="1" algn="l" rtl="0">
         <a:lnSpc>
           <a:spcPct val="100000"/>
         </a:lnSpc>
@@ -9482,7 +9480,7 @@
           <a:srgbClr val="000000"/>
         </a:buClr>
         <a:buFont typeface="Arial"/>
-        <a:defRPr b="0" i="0" sz="1400" u="none" cap="none" strike="noStrike">
+        <a:defRPr sz="1400" b="0" i="0" u="none" strike="noStrike" cap="none">
           <a:solidFill>
             <a:srgbClr val="000000"/>
           </a:solidFill>
@@ -9492,7 +9490,7 @@
           <a:sym typeface="Arial"/>
         </a:defRPr>
       </a:lvl2pPr>
-      <a:lvl3pPr lvl="2" marR="0" rtl="0" algn="l">
+      <a:lvl3pPr marR="0" lvl="2" algn="l" rtl="0">
         <a:lnSpc>
           <a:spcPct val="100000"/>
         </a:lnSpc>
@@ -9506,7 +9504,7 @@
           <a:srgbClr val="000000"/>
         </a:buClr>
         <a:buFont typeface="Arial"/>
-        <a:defRPr b="0" i="0" sz="1400" u="none" cap="none" strike="noStrike">
+        <a:defRPr sz="1400" b="0" i="0" u="none" strike="noStrike" cap="none">
           <a:solidFill>
             <a:srgbClr val="000000"/>
           </a:solidFill>
@@ -9516,7 +9514,7 @@
           <a:sym typeface="Arial"/>
         </a:defRPr>
       </a:lvl3pPr>
-      <a:lvl4pPr lvl="3" marR="0" rtl="0" algn="l">
+      <a:lvl4pPr marR="0" lvl="3" algn="l" rtl="0">
         <a:lnSpc>
           <a:spcPct val="100000"/>
         </a:lnSpc>
@@ -9530,7 +9528,7 @@
           <a:srgbClr val="000000"/>
         </a:buClr>
         <a:buFont typeface="Arial"/>
-        <a:defRPr b="0" i="0" sz="1400" u="none" cap="none" strike="noStrike">
+        <a:defRPr sz="1400" b="0" i="0" u="none" strike="noStrike" cap="none">
           <a:solidFill>
             <a:srgbClr val="000000"/>
           </a:solidFill>
@@ -9540,7 +9538,7 @@
           <a:sym typeface="Arial"/>
         </a:defRPr>
       </a:lvl4pPr>
-      <a:lvl5pPr lvl="4" marR="0" rtl="0" algn="l">
+      <a:lvl5pPr marR="0" lvl="4" algn="l" rtl="0">
         <a:lnSpc>
           <a:spcPct val="100000"/>
         </a:lnSpc>
@@ -9554,7 +9552,7 @@
           <a:srgbClr val="000000"/>
         </a:buClr>
         <a:buFont typeface="Arial"/>
-        <a:defRPr b="0" i="0" sz="1400" u="none" cap="none" strike="noStrike">
+        <a:defRPr sz="1400" b="0" i="0" u="none" strike="noStrike" cap="none">
           <a:solidFill>
             <a:srgbClr val="000000"/>
           </a:solidFill>
@@ -9564,7 +9562,7 @@
           <a:sym typeface="Arial"/>
         </a:defRPr>
       </a:lvl5pPr>
-      <a:lvl6pPr lvl="5" marR="0" rtl="0" algn="l">
+      <a:lvl6pPr marR="0" lvl="5" algn="l" rtl="0">
         <a:lnSpc>
           <a:spcPct val="100000"/>
         </a:lnSpc>
@@ -9578,7 +9576,7 @@
           <a:srgbClr val="000000"/>
         </a:buClr>
         <a:buFont typeface="Arial"/>
-        <a:defRPr b="0" i="0" sz="1400" u="none" cap="none" strike="noStrike">
+        <a:defRPr sz="1400" b="0" i="0" u="none" strike="noStrike" cap="none">
           <a:solidFill>
             <a:srgbClr val="000000"/>
           </a:solidFill>
@@ -9588,7 +9586,7 @@
           <a:sym typeface="Arial"/>
         </a:defRPr>
       </a:lvl6pPr>
-      <a:lvl7pPr lvl="6" marR="0" rtl="0" algn="l">
+      <a:lvl7pPr marR="0" lvl="6" algn="l" rtl="0">
         <a:lnSpc>
           <a:spcPct val="100000"/>
         </a:lnSpc>
@@ -9602,7 +9600,7 @@
           <a:srgbClr val="000000"/>
         </a:buClr>
         <a:buFont typeface="Arial"/>
-        <a:defRPr b="0" i="0" sz="1400" u="none" cap="none" strike="noStrike">
+        <a:defRPr sz="1400" b="0" i="0" u="none" strike="noStrike" cap="none">
           <a:solidFill>
             <a:srgbClr val="000000"/>
           </a:solidFill>
@@ -9612,7 +9610,7 @@
           <a:sym typeface="Arial"/>
         </a:defRPr>
       </a:lvl7pPr>
-      <a:lvl8pPr lvl="7" marR="0" rtl="0" algn="l">
+      <a:lvl8pPr marR="0" lvl="7" algn="l" rtl="0">
         <a:lnSpc>
           <a:spcPct val="100000"/>
         </a:lnSpc>
@@ -9626,7 +9624,7 @@
           <a:srgbClr val="000000"/>
         </a:buClr>
         <a:buFont typeface="Arial"/>
-        <a:defRPr b="0" i="0" sz="1400" u="none" cap="none" strike="noStrike">
+        <a:defRPr sz="1400" b="0" i="0" u="none" strike="noStrike" cap="none">
           <a:solidFill>
             <a:srgbClr val="000000"/>
           </a:solidFill>
@@ -9636,7 +9634,7 @@
           <a:sym typeface="Arial"/>
         </a:defRPr>
       </a:lvl8pPr>
-      <a:lvl9pPr lvl="8" marR="0" rtl="0" algn="l">
+      <a:lvl9pPr marR="0" lvl="8" algn="l" rtl="0">
         <a:lnSpc>
           <a:spcPct val="100000"/>
         </a:lnSpc>
@@ -9650,7 +9648,7 @@
           <a:srgbClr val="000000"/>
         </a:buClr>
         <a:buFont typeface="Arial"/>
-        <a:defRPr b="0" i="0" sz="1400" u="none" cap="none" strike="noStrike">
+        <a:defRPr sz="1400" b="0" i="0" u="none" strike="noStrike" cap="none">
           <a:solidFill>
             <a:srgbClr val="000000"/>
           </a:solidFill>
@@ -9666,11 +9664,11 @@
 </file>
 
 <file path=ppt/slides/slide1.xml><?xml version="1.0" encoding="utf-8"?>
-<p:sld xmlns:a="http://schemas.openxmlformats.org/drawingml/2006/main" xmlns:r="http://schemas.openxmlformats.org/officeDocument/2006/relationships" xmlns:mc="http://schemas.openxmlformats.org/markup-compatibility/2006" xmlns:mv="urn:schemas-microsoft-com:mac:vml" xmlns:p="http://schemas.openxmlformats.org/presentationml/2006/main" xmlns:c="http://schemas.openxmlformats.org/drawingml/2006/chart" xmlns:dgm="http://schemas.openxmlformats.org/drawingml/2006/diagram" xmlns:o="urn:schemas-microsoft-com:office:office" xmlns:v="urn:schemas-microsoft-com:vml" xmlns:pvml="urn:schemas-microsoft-com:office:powerpoint" xmlns:com="http://schemas.openxmlformats.org/drawingml/2006/compatibility" xmlns:p14="http://schemas.microsoft.com/office/powerpoint/2010/main" xmlns:p15="http://schemas.microsoft.com/office/powerpoint/2012/main" xmlns:ahyp="http://schemas.microsoft.com/office/drawing/2018/hyperlinkcolor">
+<p:sld xmlns:a="http://schemas.openxmlformats.org/drawingml/2006/main" xmlns:r="http://schemas.openxmlformats.org/officeDocument/2006/relationships" xmlns:p="http://schemas.openxmlformats.org/presentationml/2006/main">
   <p:cSld>
     <p:spTree>
       <p:nvGrpSpPr>
-        <p:cNvPr id="127" name="Shape 127"/>
+        <p:cNvPr id="1" name="Shape 127"/>
         <p:cNvGrpSpPr/>
         <p:nvPr/>
       </p:nvGrpSpPr>
@@ -9685,7 +9683,9 @@
       <p:sp>
         <p:nvSpPr>
           <p:cNvPr id="128" name="Google Shape;128;p13"/>
-          <p:cNvSpPr txBox="1"/>
+          <p:cNvSpPr txBox="1">
+            <a:spLocks noGrp="1"/>
+          </p:cNvSpPr>
           <p:nvPr>
             <p:ph type="ctrTitle"/>
           </p:nvPr>
@@ -9700,12 +9700,12 @@
           </a:prstGeom>
         </p:spPr>
         <p:txBody>
-          <a:bodyPr anchorCtr="0" anchor="ctr" bIns="91425" lIns="91425" spcFirstLastPara="1" rIns="91425" wrap="square" tIns="91425">
+          <a:bodyPr spcFirstLastPara="1" wrap="square" lIns="91425" tIns="91425" rIns="91425" bIns="91425" anchor="ctr" anchorCtr="0">
             <a:noAutofit/>
           </a:bodyPr>
           <a:lstStyle/>
           <a:p>
-            <a:pPr indent="0" lvl="0" marL="0" rtl="0" algn="ctr">
+            <a:pPr marL="0" lvl="0" indent="0" algn="ctr" rtl="0">
               <a:spcBef>
                 <a:spcPts val="0"/>
               </a:spcBef>
@@ -9716,15 +9716,7 @@
             </a:pPr>
             <a:r>
               <a:rPr lang="pl"/>
-              <a:t>Tworzenie</a:t>
-            </a:r>
-            <a:r>
-              <a:rPr lang="pl"/>
-              <a:t> i Analiza zbioru </a:t>
-            </a:r>
-            <a:r>
-              <a:rPr lang="pl"/>
-              <a:t>Rashomon</a:t>
+              <a:t>Tworzenie i Analiza zbioru Rashomon</a:t>
             </a:r>
             <a:endParaRPr/>
           </a:p>
@@ -9733,9 +9725,11 @@
       <p:sp>
         <p:nvSpPr>
           <p:cNvPr id="129" name="Google Shape;129;p13"/>
-          <p:cNvSpPr txBox="1"/>
+          <p:cNvSpPr txBox="1">
+            <a:spLocks noGrp="1"/>
+          </p:cNvSpPr>
           <p:nvPr>
-            <p:ph idx="1" type="subTitle"/>
+            <p:ph type="subTitle" idx="1"/>
           </p:nvPr>
         </p:nvSpPr>
         <p:spPr>
@@ -9748,12 +9742,12 @@
           </a:prstGeom>
         </p:spPr>
         <p:txBody>
-          <a:bodyPr anchorCtr="0" anchor="t" bIns="91425" lIns="91425" spcFirstLastPara="1" rIns="91425" wrap="square" tIns="91425">
+          <a:bodyPr spcFirstLastPara="1" wrap="square" lIns="91425" tIns="91425" rIns="91425" bIns="91425" anchor="t" anchorCtr="0">
             <a:noAutofit/>
           </a:bodyPr>
           <a:lstStyle/>
           <a:p>
-            <a:pPr indent="0" lvl="0" marL="0" rtl="0" algn="ctr">
+            <a:pPr marL="0" lvl="0" indent="0" algn="ctr" rtl="0">
               <a:spcBef>
                 <a:spcPts val="0"/>
               </a:spcBef>
@@ -9779,11 +9773,11 @@
 </file>
 
 <file path=ppt/slides/slide2.xml><?xml version="1.0" encoding="utf-8"?>
-<p:sld xmlns:a="http://schemas.openxmlformats.org/drawingml/2006/main" xmlns:r="http://schemas.openxmlformats.org/officeDocument/2006/relationships" xmlns:mc="http://schemas.openxmlformats.org/markup-compatibility/2006" xmlns:mv="urn:schemas-microsoft-com:mac:vml" xmlns:p="http://schemas.openxmlformats.org/presentationml/2006/main" xmlns:c="http://schemas.openxmlformats.org/drawingml/2006/chart" xmlns:dgm="http://schemas.openxmlformats.org/drawingml/2006/diagram" xmlns:o="urn:schemas-microsoft-com:office:office" xmlns:v="urn:schemas-microsoft-com:vml" xmlns:pvml="urn:schemas-microsoft-com:office:powerpoint" xmlns:com="http://schemas.openxmlformats.org/drawingml/2006/compatibility" xmlns:p14="http://schemas.microsoft.com/office/powerpoint/2010/main" xmlns:p15="http://schemas.microsoft.com/office/powerpoint/2012/main" xmlns:ahyp="http://schemas.microsoft.com/office/drawing/2018/hyperlinkcolor">
+<p:sld xmlns:a="http://schemas.openxmlformats.org/drawingml/2006/main" xmlns:r="http://schemas.openxmlformats.org/officeDocument/2006/relationships" xmlns:p="http://schemas.openxmlformats.org/presentationml/2006/main">
   <p:cSld>
     <p:spTree>
       <p:nvGrpSpPr>
-        <p:cNvPr id="133" name="Shape 133"/>
+        <p:cNvPr id="1" name="Shape 133"/>
         <p:cNvGrpSpPr/>
         <p:nvPr/>
       </p:nvGrpSpPr>
@@ -9798,7 +9792,9 @@
       <p:sp>
         <p:nvSpPr>
           <p:cNvPr id="134" name="Google Shape;134;p14"/>
-          <p:cNvSpPr txBox="1"/>
+          <p:cNvSpPr txBox="1">
+            <a:spLocks noGrp="1"/>
+          </p:cNvSpPr>
           <p:nvPr>
             <p:ph type="title"/>
           </p:nvPr>
@@ -9813,12 +9809,12 @@
           </a:prstGeom>
         </p:spPr>
         <p:txBody>
-          <a:bodyPr anchorCtr="0" anchor="t" bIns="91425" lIns="91425" spcFirstLastPara="1" rIns="91425" wrap="square" tIns="91425">
+          <a:bodyPr spcFirstLastPara="1" wrap="square" lIns="91425" tIns="91425" rIns="91425" bIns="91425" anchor="t" anchorCtr="0">
             <a:noAutofit/>
           </a:bodyPr>
           <a:lstStyle/>
           <a:p>
-            <a:pPr indent="0" lvl="0" marL="0" rtl="0" algn="l">
+            <a:pPr marL="0" lvl="0" indent="0" algn="l" rtl="0">
               <a:spcBef>
                 <a:spcPts val="0"/>
               </a:spcBef>
@@ -9838,9 +9834,11 @@
       <p:sp>
         <p:nvSpPr>
           <p:cNvPr id="135" name="Google Shape;135;p14"/>
-          <p:cNvSpPr txBox="1"/>
+          <p:cNvSpPr txBox="1">
+            <a:spLocks noGrp="1"/>
+          </p:cNvSpPr>
           <p:nvPr>
-            <p:ph idx="1" type="body"/>
+            <p:ph type="body" idx="1"/>
           </p:nvPr>
         </p:nvSpPr>
         <p:spPr>
@@ -9853,12 +9851,12 @@
           </a:prstGeom>
         </p:spPr>
         <p:txBody>
-          <a:bodyPr anchorCtr="0" anchor="t" bIns="91425" lIns="91425" spcFirstLastPara="1" rIns="91425" wrap="square" tIns="91425">
+          <a:bodyPr spcFirstLastPara="1" wrap="square" lIns="91425" tIns="91425" rIns="91425" bIns="91425" anchor="t" anchorCtr="0">
             <a:noAutofit/>
           </a:bodyPr>
           <a:lstStyle/>
           <a:p>
-            <a:pPr indent="0" lvl="0" marL="0" rtl="0" algn="l">
+            <a:pPr marL="0" lvl="0" indent="0" algn="l" rtl="0">
               <a:spcBef>
                 <a:spcPts val="0"/>
               </a:spcBef>
@@ -9868,59 +9866,79 @@
               <a:buNone/>
             </a:pPr>
             <a:r>
-              <a:rPr lang="pl"/>
-              <a:t>Problem klasyfikacyjny: </a:t>
+              <a:rPr lang="pl-PL" b="0" i="0" dirty="0">
+                <a:solidFill>
+                  <a:srgbClr val="000000"/>
+                </a:solidFill>
+                <a:effectLst/>
+                <a:latin typeface="Source Sans Pro" panose="020B0604020202020204" pitchFamily="34" charset="0"/>
+              </a:rPr>
+              <a:t>Problem klasyfikacyjny:</a:t>
             </a:r>
-            <a:endParaRPr/>
+            <a:endParaRPr lang="en-GB" b="0" i="0" dirty="0">
+              <a:solidFill>
+                <a:srgbClr val="000000"/>
+              </a:solidFill>
+              <a:effectLst/>
+              <a:latin typeface="Source Sans Pro" panose="020B0604020202020204" pitchFamily="34" charset="0"/>
+            </a:endParaRPr>
           </a:p>
           <a:p>
-            <a:pPr indent="0" lvl="0" marL="0" rtl="0" algn="l">
-              <a:spcBef>
-                <a:spcPts val="1600"/>
+            <a:pPr marL="0" lvl="0" indent="0" algn="l" rtl="0">
+              <a:spcBef>
+                <a:spcPts val="0"/>
               </a:spcBef>
               <a:spcAft>
                 <a:spcPts val="0"/>
               </a:spcAft>
               <a:buNone/>
             </a:pPr>
+            <a:br>
+              <a:rPr lang="pl-PL" dirty="0"/>
+            </a:br>
             <a:r>
-              <a:rPr lang="pl"/>
-              <a:t>Określenie czy panjent umrzę na podstawie danych z 72h przed śmiercią/wypisem. Cały </a:t>
+              <a:rPr lang="pl-PL" b="0" i="0" dirty="0">
+                <a:solidFill>
+                  <a:srgbClr val="000000"/>
+                </a:solidFill>
+                <a:effectLst/>
+                <a:latin typeface="Source Sans Pro" panose="020B0604020202020204" pitchFamily="34" charset="0"/>
+              </a:rPr>
+              <a:t>Określenie czy pacjent umrze na podstawie danych z 72h przed śmiercią/wypisem. Cały trening został wykonany na podzbiorze bazy MIMIC liczącym około 1000 wierszy.</a:t>
+            </a:r>
+            <a:endParaRPr lang="en-GB" b="0" i="0" dirty="0">
+              <a:solidFill>
+                <a:srgbClr val="000000"/>
+              </a:solidFill>
+              <a:effectLst/>
+              <a:latin typeface="Source Sans Pro" panose="020B0604020202020204" pitchFamily="34" charset="0"/>
+            </a:endParaRPr>
+          </a:p>
+          <a:p>
+            <a:pPr marL="0" lvl="0" indent="0" algn="l" rtl="0">
+              <a:spcBef>
+                <a:spcPts val="0"/>
+              </a:spcBef>
+              <a:spcAft>
+                <a:spcPts val="0"/>
+              </a:spcAft>
+              <a:buNone/>
+            </a:pPr>
+            <a:br>
+              <a:rPr lang="pl-PL" dirty="0"/>
+            </a:br>
+            <a:r>
+              <a:rPr lang="pl-PL" b="0" i="0" dirty="0">
+                <a:solidFill>
+                  <a:srgbClr val="000000"/>
+                </a:solidFill>
+                <a:effectLst/>
+                <a:latin typeface="Source Sans Pro" panose="020B0604020202020204" pitchFamily="34" charset="0"/>
+              </a:rPr>
+              <a:t>Wykorzystaliśmy algorytm XGB trenowany na parametrach z artykułu. </a:t>
             </a:r>
             <a:r>
-              <a:rPr lang="pl"/>
-              <a:t>trening</a:t>
-            </a:r>
-            <a:r>
-              <a:rPr lang="pl"/>
-              <a:t> został wykonany na podzbiorze bazy MIMIC </a:t>
-            </a:r>
-            <a:r>
-              <a:rPr lang="pl"/>
-              <a:t>liczącym</a:t>
-            </a:r>
-            <a:r>
-              <a:rPr lang="pl"/>
-              <a:t> około 1000 wierszy.</a:t>
-            </a:r>
-            <a:endParaRPr/>
-          </a:p>
-          <a:p>
-            <a:pPr indent="0" lvl="0" marL="0" rtl="0" algn="l">
-              <a:spcBef>
-                <a:spcPts val="1600"/>
-              </a:spcBef>
-              <a:spcAft>
-                <a:spcPts val="1600"/>
-              </a:spcAft>
-              <a:buNone/>
-            </a:pPr>
-            <a:r>
-              <a:rPr lang="pl"/>
-              <a:t>Wykorzystaliśmy algorytm XGB trenowany na parametrach z  artykułu. </a:t>
-            </a:r>
-            <a:r>
-              <a:rPr lang="pl" u="sng">
+              <a:rPr lang="pl" u="sng" dirty="0">
                 <a:solidFill>
                   <a:schemeClr val="hlink"/>
                 </a:solidFill>
@@ -9928,7 +9946,7 @@
               </a:rPr>
               <a:t>https://jmlr.org/papers/volume20/18-444/18-444.pdf</a:t>
             </a:r>
-            <a:endParaRPr/>
+            <a:endParaRPr dirty="0"/>
           </a:p>
         </p:txBody>
       </p:sp>
@@ -9941,11 +9959,11 @@
 </file>
 
 <file path=ppt/slides/slide3.xml><?xml version="1.0" encoding="utf-8"?>
-<p:sld xmlns:a="http://schemas.openxmlformats.org/drawingml/2006/main" xmlns:r="http://schemas.openxmlformats.org/officeDocument/2006/relationships" xmlns:mc="http://schemas.openxmlformats.org/markup-compatibility/2006" xmlns:mv="urn:schemas-microsoft-com:mac:vml" xmlns:p="http://schemas.openxmlformats.org/presentationml/2006/main" xmlns:c="http://schemas.openxmlformats.org/drawingml/2006/chart" xmlns:dgm="http://schemas.openxmlformats.org/drawingml/2006/diagram" xmlns:o="urn:schemas-microsoft-com:office:office" xmlns:v="urn:schemas-microsoft-com:vml" xmlns:pvml="urn:schemas-microsoft-com:office:powerpoint" xmlns:com="http://schemas.openxmlformats.org/drawingml/2006/compatibility" xmlns:p14="http://schemas.microsoft.com/office/powerpoint/2010/main" xmlns:p15="http://schemas.microsoft.com/office/powerpoint/2012/main" xmlns:ahyp="http://schemas.microsoft.com/office/drawing/2018/hyperlinkcolor">
+<p:sld xmlns:a="http://schemas.openxmlformats.org/drawingml/2006/main" xmlns:r="http://schemas.openxmlformats.org/officeDocument/2006/relationships" xmlns:p="http://schemas.openxmlformats.org/presentationml/2006/main">
   <p:cSld>
     <p:spTree>
       <p:nvGrpSpPr>
-        <p:cNvPr id="139" name="Shape 139"/>
+        <p:cNvPr id="1" name="Shape 139"/>
         <p:cNvGrpSpPr/>
         <p:nvPr/>
       </p:nvGrpSpPr>
@@ -9960,7 +9978,9 @@
       <p:sp>
         <p:nvSpPr>
           <p:cNvPr id="140" name="Google Shape;140;p15"/>
-          <p:cNvSpPr txBox="1"/>
+          <p:cNvSpPr txBox="1">
+            <a:spLocks noGrp="1"/>
+          </p:cNvSpPr>
           <p:nvPr>
             <p:ph type="title"/>
           </p:nvPr>
@@ -9975,12 +9995,12 @@
           </a:prstGeom>
         </p:spPr>
         <p:txBody>
-          <a:bodyPr anchorCtr="0" anchor="t" bIns="91425" lIns="91425" spcFirstLastPara="1" rIns="91425" wrap="square" tIns="91425">
+          <a:bodyPr spcFirstLastPara="1" wrap="square" lIns="91425" tIns="91425" rIns="91425" bIns="91425" anchor="t" anchorCtr="0">
             <a:noAutofit/>
           </a:bodyPr>
           <a:lstStyle/>
           <a:p>
-            <a:pPr indent="0" lvl="0" marL="0" rtl="0" algn="l">
+            <a:pPr marL="0" lvl="0" indent="0" algn="l" rtl="0">
               <a:spcBef>
                 <a:spcPts val="0"/>
               </a:spcBef>
@@ -9991,20 +10011,12 @@
             </a:pPr>
             <a:r>
               <a:rPr lang="pl"/>
-              <a:t>Wybór modeli do </a:t>
-            </a:r>
-            <a:r>
-              <a:rPr lang="pl"/>
-              <a:t>dalszych</a:t>
-            </a:r>
-            <a:r>
-              <a:rPr lang="pl"/>
-              <a:t> testów</a:t>
+              <a:t>Wybór modeli do dalszych testów</a:t>
             </a:r>
             <a:endParaRPr/>
           </a:p>
           <a:p>
-            <a:pPr indent="0" lvl="0" marL="0" rtl="0" algn="l">
+            <a:pPr marL="0" lvl="0" indent="0" algn="l" rtl="0">
               <a:spcBef>
                 <a:spcPts val="0"/>
               </a:spcBef>
@@ -10013,9 +10025,6 @@
               </a:spcAft>
               <a:buNone/>
             </a:pPr>
-            <a:r>
-              <a:t/>
-            </a:r>
             <a:endParaRPr/>
           </a:p>
         </p:txBody>
@@ -10023,9 +10032,11 @@
       <p:sp>
         <p:nvSpPr>
           <p:cNvPr id="141" name="Google Shape;141;p15"/>
-          <p:cNvSpPr txBox="1"/>
+          <p:cNvSpPr txBox="1">
+            <a:spLocks noGrp="1"/>
+          </p:cNvSpPr>
           <p:nvPr>
-            <p:ph idx="1" type="body"/>
+            <p:ph type="body" idx="1"/>
           </p:nvPr>
         </p:nvSpPr>
         <p:spPr>
@@ -10038,12 +10049,12 @@
           </a:prstGeom>
         </p:spPr>
         <p:txBody>
-          <a:bodyPr anchorCtr="0" anchor="t" bIns="91425" lIns="91425" spcFirstLastPara="1" rIns="91425" wrap="square" tIns="91425">
+          <a:bodyPr spcFirstLastPara="1" wrap="square" lIns="91425" tIns="91425" rIns="91425" bIns="91425" anchor="t" anchorCtr="0">
             <a:noAutofit/>
           </a:bodyPr>
           <a:lstStyle/>
           <a:p>
-            <a:pPr indent="0" lvl="0" marL="0" rtl="0" algn="l">
+            <a:pPr marL="0" lvl="0" indent="0" algn="l" rtl="0">
               <a:spcBef>
                 <a:spcPts val="0"/>
               </a:spcBef>
@@ -10053,10 +10064,10 @@
               <a:buNone/>
             </a:pPr>
             <a:r>
-              <a:rPr lang="pl"/>
+              <a:rPr lang="pl" dirty="0"/>
               <a:t>Z wykorzystaniem randomSearch stworzyliśmy i przetestowaliśmy 300 modeli xgb. </a:t>
             </a:r>
-            <a:endParaRPr/>
+            <a:endParaRPr dirty="0"/>
           </a:p>
         </p:txBody>
       </p:sp>
@@ -10097,7 +10108,7 @@
         <p:spPr>
           <a:xfrm>
             <a:off x="5464950" y="2085838"/>
-            <a:ext cx="2859900" cy="2401200"/>
+            <a:ext cx="2859900" cy="2400627"/>
           </a:xfrm>
           <a:prstGeom prst="rect">
             <a:avLst/>
@@ -10108,12 +10119,12 @@
           </a:ln>
         </p:spPr>
         <p:txBody>
-          <a:bodyPr anchorCtr="0" anchor="t" bIns="91425" lIns="91425" spcFirstLastPara="1" rIns="91425" wrap="square" tIns="91425">
+          <a:bodyPr spcFirstLastPara="1" wrap="square" lIns="91425" tIns="91425" rIns="91425" bIns="91425" anchor="t" anchorCtr="0">
             <a:spAutoFit/>
           </a:bodyPr>
           <a:lstStyle/>
           <a:p>
-            <a:pPr indent="0" lvl="0" marL="0" rtl="0" algn="l">
+            <a:pPr marL="0" lvl="0" indent="0" algn="l" rtl="0">
               <a:spcBef>
                 <a:spcPts val="0"/>
               </a:spcBef>
@@ -10123,51 +10134,15 @@
               <a:buNone/>
             </a:pPr>
             <a:r>
-              <a:rPr lang="pl" sz="1200">
+              <a:rPr lang="pl-PL" sz="1200" dirty="0">
                 <a:latin typeface="Calibri"/>
                 <a:ea typeface="Calibri"/>
                 <a:cs typeface="Calibri"/>
                 <a:sym typeface="Calibri"/>
               </a:rPr>
-              <a:t>Krzywa przedstawia dość standardowy rozkład wykładniczy gdzie </a:t>
+              <a:t>Krzywa przedstawia dość standardowy rozkład wykładniczy gdzie najlepszych modeli mamy mało w porównaniu z dużą ilością modeli średnich i przeciętnych. Liczba modeli powyżej 0.92 AUC powinna być odpowiednia do dalszych testów. Dla uproszczenia analizy wykorzystam tylko 8 najlepszych modeli.</a:t>
             </a:r>
-            <a:r>
-              <a:rPr lang="pl" sz="1200">
-                <a:latin typeface="Calibri"/>
-                <a:ea typeface="Calibri"/>
-                <a:cs typeface="Calibri"/>
-                <a:sym typeface="Calibri"/>
-              </a:rPr>
-              <a:t>najlepszych</a:t>
-            </a:r>
-            <a:r>
-              <a:rPr lang="pl" sz="1200">
-                <a:latin typeface="Calibri"/>
-                <a:ea typeface="Calibri"/>
-                <a:cs typeface="Calibri"/>
-                <a:sym typeface="Calibri"/>
-              </a:rPr>
-              <a:t> modeli mamy mało w </a:t>
-            </a:r>
-            <a:r>
-              <a:rPr lang="pl" sz="1200">
-                <a:latin typeface="Calibri"/>
-                <a:ea typeface="Calibri"/>
-                <a:cs typeface="Calibri"/>
-                <a:sym typeface="Calibri"/>
-              </a:rPr>
-              <a:t>porównaniu</a:t>
-            </a:r>
-            <a:r>
-              <a:rPr lang="pl" sz="1200">
-                <a:latin typeface="Calibri"/>
-                <a:ea typeface="Calibri"/>
-                <a:cs typeface="Calibri"/>
-                <a:sym typeface="Calibri"/>
-              </a:rPr>
-              <a:t> z dużą ilością modeli średnich i przeciętnych. Liczba modeli powyżej 0.92 AUC powinna być odpowiednia do dalszych testów. Dla uproszczenia analizy wykorzystam tylko 8 najlepszych modeli.</a:t>
-            </a:r>
-            <a:endParaRPr sz="1200">
+            <a:endParaRPr lang="en-GB" sz="1200" dirty="0">
               <a:latin typeface="Calibri"/>
               <a:ea typeface="Calibri"/>
               <a:cs typeface="Calibri"/>
@@ -10175,7 +10150,7 @@
             </a:endParaRPr>
           </a:p>
           <a:p>
-            <a:pPr indent="0" lvl="0" marL="0" rtl="0" algn="l">
+            <a:pPr marL="0" lvl="0" indent="0" algn="l" rtl="0">
               <a:spcBef>
                 <a:spcPts val="0"/>
               </a:spcBef>
@@ -10184,10 +10159,7 @@
               </a:spcAft>
               <a:buNone/>
             </a:pPr>
-            <a:r>
-              <a:t/>
-            </a:r>
-            <a:endParaRPr sz="1200">
+            <a:endParaRPr sz="1200" dirty="0">
               <a:latin typeface="Calibri"/>
               <a:ea typeface="Calibri"/>
               <a:cs typeface="Calibri"/>
@@ -10195,7 +10167,7 @@
             </a:endParaRPr>
           </a:p>
           <a:p>
-            <a:pPr indent="0" lvl="0" marL="0" rtl="0" algn="l">
+            <a:pPr marL="0" lvl="0" indent="0" algn="l" rtl="0">
               <a:spcBef>
                 <a:spcPts val="0"/>
               </a:spcBef>
@@ -10205,7 +10177,7 @@
               <a:buNone/>
             </a:pPr>
             <a:r>
-              <a:rPr lang="pl" sz="1200">
+              <a:rPr lang="pl" sz="1200" dirty="0">
                 <a:latin typeface="Calibri"/>
                 <a:ea typeface="Calibri"/>
                 <a:cs typeface="Calibri"/>
@@ -10213,7 +10185,7 @@
               </a:rPr>
               <a:t>Dokładny punkt odcięcia to 0.924. Wybieramy 2.7% wszystkich utworzonych modeli.</a:t>
             </a:r>
-            <a:endParaRPr sz="1200">
+            <a:endParaRPr sz="1200" dirty="0">
               <a:latin typeface="Calibri"/>
               <a:ea typeface="Calibri"/>
               <a:cs typeface="Calibri"/>
@@ -10231,11 +10203,11 @@
 </file>
 
 <file path=ppt/slides/slide4.xml><?xml version="1.0" encoding="utf-8"?>
-<p:sld xmlns:a="http://schemas.openxmlformats.org/drawingml/2006/main" xmlns:r="http://schemas.openxmlformats.org/officeDocument/2006/relationships" xmlns:mc="http://schemas.openxmlformats.org/markup-compatibility/2006" xmlns:mv="urn:schemas-microsoft-com:mac:vml" xmlns:p="http://schemas.openxmlformats.org/presentationml/2006/main" xmlns:c="http://schemas.openxmlformats.org/drawingml/2006/chart" xmlns:dgm="http://schemas.openxmlformats.org/drawingml/2006/diagram" xmlns:o="urn:schemas-microsoft-com:office:office" xmlns:v="urn:schemas-microsoft-com:vml" xmlns:pvml="urn:schemas-microsoft-com:office:powerpoint" xmlns:com="http://schemas.openxmlformats.org/drawingml/2006/compatibility" xmlns:p14="http://schemas.microsoft.com/office/powerpoint/2010/main" xmlns:p15="http://schemas.microsoft.com/office/powerpoint/2012/main" xmlns:ahyp="http://schemas.microsoft.com/office/drawing/2018/hyperlinkcolor">
+<p:sld xmlns:a="http://schemas.openxmlformats.org/drawingml/2006/main" xmlns:r="http://schemas.openxmlformats.org/officeDocument/2006/relationships" xmlns:p="http://schemas.openxmlformats.org/presentationml/2006/main">
   <p:cSld>
     <p:spTree>
       <p:nvGrpSpPr>
-        <p:cNvPr id="147" name="Shape 147"/>
+        <p:cNvPr id="1" name="Shape 147"/>
         <p:cNvGrpSpPr/>
         <p:nvPr/>
       </p:nvGrpSpPr>
@@ -10250,7 +10222,9 @@
       <p:sp>
         <p:nvSpPr>
           <p:cNvPr id="148" name="Google Shape;148;p16"/>
-          <p:cNvSpPr txBox="1"/>
+          <p:cNvSpPr txBox="1">
+            <a:spLocks noGrp="1"/>
+          </p:cNvSpPr>
           <p:nvPr>
             <p:ph type="title"/>
           </p:nvPr>
@@ -10265,12 +10239,12 @@
           </a:prstGeom>
         </p:spPr>
         <p:txBody>
-          <a:bodyPr anchorCtr="0" anchor="t" bIns="91425" lIns="91425" spcFirstLastPara="1" rIns="91425" wrap="square" tIns="91425">
+          <a:bodyPr spcFirstLastPara="1" wrap="square" lIns="91425" tIns="91425" rIns="91425" bIns="91425" anchor="t" anchorCtr="0">
             <a:noAutofit/>
           </a:bodyPr>
           <a:lstStyle/>
           <a:p>
-            <a:pPr indent="0" lvl="0" marL="0" rtl="0" algn="ctr">
+            <a:pPr marL="0" lvl="0" indent="0" algn="ctr" rtl="0">
               <a:spcBef>
                 <a:spcPts val="0"/>
               </a:spcBef>
@@ -10286,7 +10260,7 @@
             <a:endParaRPr/>
           </a:p>
           <a:p>
-            <a:pPr indent="0" lvl="0" marL="0" rtl="0" algn="l">
+            <a:pPr marL="0" lvl="0" indent="0" algn="l" rtl="0">
               <a:spcBef>
                 <a:spcPts val="0"/>
               </a:spcBef>
@@ -10295,9 +10269,6 @@
               </a:spcAft>
               <a:buNone/>
             </a:pPr>
-            <a:r>
-              <a:t/>
-            </a:r>
             <a:endParaRPr/>
           </a:p>
         </p:txBody>
@@ -10395,7 +10366,7 @@
         <p:spPr>
           <a:xfrm>
             <a:off x="4446975" y="3051800"/>
-            <a:ext cx="4071900" cy="1293000"/>
+            <a:ext cx="4071900" cy="1292631"/>
           </a:xfrm>
           <a:prstGeom prst="rect">
             <a:avLst/>
@@ -10406,12 +10377,12 @@
           </a:ln>
         </p:spPr>
         <p:txBody>
-          <a:bodyPr anchorCtr="0" anchor="t" bIns="91425" lIns="91425" spcFirstLastPara="1" rIns="91425" wrap="square" tIns="91425">
+          <a:bodyPr spcFirstLastPara="1" wrap="square" lIns="91425" tIns="91425" rIns="91425" bIns="91425" anchor="t" anchorCtr="0">
             <a:spAutoFit/>
           </a:bodyPr>
           <a:lstStyle/>
           <a:p>
-            <a:pPr indent="0" lvl="0" marL="0" rtl="0" algn="l">
+            <a:pPr marL="0" lvl="0" indent="0" algn="l" rtl="0">
               <a:spcBef>
                 <a:spcPts val="0"/>
               </a:spcBef>
@@ -10421,15 +10392,15 @@
               <a:buNone/>
             </a:pPr>
             <a:r>
-              <a:rPr lang="pl" sz="1200">
+              <a:rPr lang="pl-PL" sz="1200">
                 <a:latin typeface="Calibri"/>
                 <a:ea typeface="Calibri"/>
                 <a:cs typeface="Calibri"/>
                 <a:sym typeface="Calibri"/>
               </a:rPr>
-              <a:t>Po kilku przedstawionych wykresach istotności widać ,że nie wszystkie modele kierowały się tym samym przy predykcji. Występują zmienne często się powtarzające jak age czy GSC ale ich F-score potrafi się diametralnie różnić. Na przykład zmienna weight najistotniejsza dla modelu 198 w pozostałych modelach nie została uznana za istotną.</a:t>
+              <a:t>Po kilku przedstawionych wykresach istotności widać, że nie wszystkie modele kierowały się tym samym przy predykcji. Występują zmienne często się powtarzające jak age czy GSC ale ich F-score potrafi się diametralnie różnić. Na przykład zmienna weight najistotniejsza dla modelu 198 w pozostałych modelach nie została uznana za istotną.</a:t>
             </a:r>
-            <a:endParaRPr sz="1200">
+            <a:endParaRPr sz="1200" dirty="0">
               <a:latin typeface="Calibri"/>
               <a:ea typeface="Calibri"/>
               <a:cs typeface="Calibri"/>
@@ -10447,11 +10418,11 @@
 </file>
 
 <file path=ppt/slides/slide5.xml><?xml version="1.0" encoding="utf-8"?>
-<p:sld xmlns:a="http://schemas.openxmlformats.org/drawingml/2006/main" xmlns:r="http://schemas.openxmlformats.org/officeDocument/2006/relationships" xmlns:mc="http://schemas.openxmlformats.org/markup-compatibility/2006" xmlns:mv="urn:schemas-microsoft-com:mac:vml" xmlns:p="http://schemas.openxmlformats.org/presentationml/2006/main" xmlns:c="http://schemas.openxmlformats.org/drawingml/2006/chart" xmlns:dgm="http://schemas.openxmlformats.org/drawingml/2006/diagram" xmlns:o="urn:schemas-microsoft-com:office:office" xmlns:v="urn:schemas-microsoft-com:vml" xmlns:pvml="urn:schemas-microsoft-com:office:powerpoint" xmlns:com="http://schemas.openxmlformats.org/drawingml/2006/compatibility" xmlns:p14="http://schemas.microsoft.com/office/powerpoint/2010/main" xmlns:p15="http://schemas.microsoft.com/office/powerpoint/2012/main" xmlns:ahyp="http://schemas.microsoft.com/office/drawing/2018/hyperlinkcolor">
+<p:sld xmlns:a="http://schemas.openxmlformats.org/drawingml/2006/main" xmlns:r="http://schemas.openxmlformats.org/officeDocument/2006/relationships" xmlns:p="http://schemas.openxmlformats.org/presentationml/2006/main">
   <p:cSld>
     <p:spTree>
       <p:nvGrpSpPr>
-        <p:cNvPr id="156" name="Shape 156"/>
+        <p:cNvPr id="1" name="Shape 156"/>
         <p:cNvGrpSpPr/>
         <p:nvPr/>
       </p:nvGrpSpPr>
@@ -10466,7 +10437,9 @@
       <p:sp>
         <p:nvSpPr>
           <p:cNvPr id="157" name="Google Shape;157;p17"/>
-          <p:cNvSpPr txBox="1"/>
+          <p:cNvSpPr txBox="1">
+            <a:spLocks noGrp="1"/>
+          </p:cNvSpPr>
           <p:nvPr>
             <p:ph type="title"/>
           </p:nvPr>
@@ -10481,12 +10454,12 @@
           </a:prstGeom>
         </p:spPr>
         <p:txBody>
-          <a:bodyPr anchorCtr="0" anchor="t" bIns="91425" lIns="91425" spcFirstLastPara="1" rIns="91425" wrap="square" tIns="91425">
+          <a:bodyPr spcFirstLastPara="1" wrap="square" lIns="91425" tIns="91425" rIns="91425" bIns="91425" anchor="t" anchorCtr="0">
             <a:noAutofit/>
           </a:bodyPr>
           <a:lstStyle/>
           <a:p>
-            <a:pPr indent="0" lvl="0" marL="0" rtl="0" algn="ctr">
+            <a:pPr marL="0" lvl="0" indent="0" algn="ctr" rtl="0">
               <a:spcBef>
                 <a:spcPts val="0"/>
               </a:spcBef>
@@ -10506,9 +10479,11 @@
       <p:sp>
         <p:nvSpPr>
           <p:cNvPr id="158" name="Google Shape;158;p17"/>
-          <p:cNvSpPr txBox="1"/>
+          <p:cNvSpPr txBox="1">
+            <a:spLocks noGrp="1"/>
+          </p:cNvSpPr>
           <p:nvPr>
-            <p:ph idx="1" type="body"/>
+            <p:ph type="body" idx="1"/>
           </p:nvPr>
         </p:nvSpPr>
         <p:spPr>
@@ -10521,12 +10496,12 @@
           </a:prstGeom>
         </p:spPr>
         <p:txBody>
-          <a:bodyPr anchorCtr="0" anchor="t" bIns="91425" lIns="91425" spcFirstLastPara="1" rIns="91425" wrap="square" tIns="91425">
+          <a:bodyPr spcFirstLastPara="1" wrap="square" lIns="91425" tIns="91425" rIns="91425" bIns="91425" anchor="t" anchorCtr="0">
             <a:noAutofit/>
           </a:bodyPr>
           <a:lstStyle/>
           <a:p>
-            <a:pPr indent="0" lvl="0" marL="0" rtl="0" algn="l">
+            <a:pPr marL="0" lvl="0" indent="0" algn="l" rtl="0">
               <a:spcBef>
                 <a:spcPts val="0"/>
               </a:spcBef>
@@ -10536,17 +10511,17 @@
               <a:buNone/>
             </a:pPr>
             <a:r>
-              <a:rPr b="1" lang="pl"/>
+              <a:rPr lang="pl" b="1" dirty="0"/>
               <a:t>age </a:t>
             </a:r>
             <a:r>
-              <a:rPr lang="pl"/>
+              <a:rPr lang="pl" dirty="0"/>
               <a:t>- wiek pacjenta </a:t>
             </a:r>
-            <a:endParaRPr/>
+            <a:endParaRPr dirty="0"/>
           </a:p>
           <a:p>
-            <a:pPr indent="0" lvl="0" marL="0" rtl="0" algn="l">
+            <a:pPr marL="0" lvl="0" indent="0" algn="l" rtl="0">
               <a:spcBef>
                 <a:spcPts val="1600"/>
               </a:spcBef>
@@ -10556,17 +10531,17 @@
               <a:buNone/>
             </a:pPr>
             <a:r>
-              <a:rPr b="1" lang="pl"/>
+              <a:rPr lang="pl" b="1" dirty="0"/>
               <a:t>glucose</a:t>
             </a:r>
             <a:r>
-              <a:rPr lang="pl"/>
+              <a:rPr lang="pl" dirty="0"/>
               <a:t> - poziom cukru we krwi </a:t>
             </a:r>
-            <a:endParaRPr/>
+            <a:endParaRPr dirty="0"/>
           </a:p>
           <a:p>
-            <a:pPr indent="0" lvl="0" marL="0" rtl="0" algn="l">
+            <a:pPr marL="0" lvl="0" indent="0" algn="l" rtl="0">
               <a:spcBef>
                 <a:spcPts val="1600"/>
               </a:spcBef>
@@ -10576,17 +10551,17 @@
               <a:buNone/>
             </a:pPr>
             <a:r>
-              <a:rPr b="1" lang="pl"/>
+              <a:rPr lang="pl" b="1" dirty="0"/>
               <a:t>wbc</a:t>
             </a:r>
             <a:r>
-              <a:rPr lang="pl"/>
+              <a:rPr lang="pl" dirty="0"/>
               <a:t> - Liczba leukocytów we krwi</a:t>
             </a:r>
-            <a:endParaRPr/>
+            <a:endParaRPr dirty="0"/>
           </a:p>
           <a:p>
-            <a:pPr indent="0" lvl="0" marL="0" rtl="0" algn="l">
+            <a:pPr marL="0" lvl="0" indent="0" algn="l" rtl="0">
               <a:spcBef>
                 <a:spcPts val="1600"/>
               </a:spcBef>
@@ -10596,17 +10571,17 @@
               <a:buNone/>
             </a:pPr>
             <a:r>
-              <a:rPr b="1" lang="pl"/>
+              <a:rPr lang="pl" b="1" dirty="0"/>
               <a:t>temp</a:t>
             </a:r>
             <a:r>
-              <a:rPr lang="pl"/>
+              <a:rPr lang="pl" dirty="0"/>
               <a:t> - temperatura ciała pacjenta </a:t>
             </a:r>
-            <a:endParaRPr/>
+            <a:endParaRPr dirty="0"/>
           </a:p>
           <a:p>
-            <a:pPr indent="0" lvl="0" marL="0" rtl="0" algn="l">
+            <a:pPr marL="0" lvl="0" indent="0" algn="l" rtl="0">
               <a:spcBef>
                 <a:spcPts val="1600"/>
               </a:spcBef>
@@ -10616,17 +10591,17 @@
               <a:buNone/>
             </a:pPr>
             <a:r>
-              <a:rPr b="1" lang="pl"/>
+              <a:rPr lang="pl" b="1" dirty="0"/>
               <a:t>heartrate</a:t>
             </a:r>
             <a:r>
-              <a:rPr lang="pl"/>
+              <a:rPr lang="pl" dirty="0"/>
               <a:t> - tętno</a:t>
             </a:r>
-            <a:endParaRPr/>
+            <a:endParaRPr dirty="0"/>
           </a:p>
           <a:p>
-            <a:pPr indent="0" lvl="0" marL="0" rtl="0" algn="l">
+            <a:pPr marL="0" lvl="0" indent="0" algn="l" rtl="0">
               <a:spcBef>
                 <a:spcPts val="1600"/>
               </a:spcBef>
@@ -10636,17 +10611,17 @@
               <a:buNone/>
             </a:pPr>
             <a:r>
-              <a:rPr b="1" lang="pl"/>
+              <a:rPr lang="pl" b="1" dirty="0"/>
               <a:t>potassium</a:t>
             </a:r>
             <a:r>
-              <a:rPr lang="pl"/>
+              <a:rPr lang="pl" dirty="0"/>
               <a:t> - poziom potasu we krwi </a:t>
             </a:r>
-            <a:endParaRPr/>
+            <a:endParaRPr dirty="0"/>
           </a:p>
           <a:p>
-            <a:pPr indent="0" lvl="0" marL="0" rtl="0" algn="l">
+            <a:pPr marL="0" lvl="0" indent="0" algn="l" rtl="0">
               <a:spcBef>
                 <a:spcPts val="1600"/>
               </a:spcBef>
@@ -10656,34 +10631,34 @@
               <a:buNone/>
             </a:pPr>
             <a:r>
-              <a:rPr lang="pl"/>
-              <a:t>Ponadto zakładam ,że dopisek </a:t>
+              <a:rPr lang="pl" dirty="0"/>
+              <a:t>Ponadto zakładam,</a:t>
             </a:r>
             <a:r>
-              <a:rPr b="1" lang="pl"/>
+              <a:rPr lang="en-GB" dirty="0"/>
+              <a:t> </a:t>
+            </a:r>
+            <a:r>
+              <a:rPr lang="pl" dirty="0"/>
+              <a:t>że dopisek </a:t>
+            </a:r>
+            <a:r>
+              <a:rPr lang="pl" b="1" dirty="0"/>
               <a:t>last</a:t>
             </a:r>
             <a:r>
-              <a:rPr lang="pl"/>
-              <a:t> oznacza pomiary </a:t>
+              <a:rPr lang="pl" dirty="0"/>
+              <a:t> oznacza pomiary wykonane jako ostatnie  a </a:t>
             </a:r>
             <a:r>
-              <a:rPr lang="pl"/>
-              <a:t>wykonane</a:t>
-            </a:r>
-            <a:r>
-              <a:rPr lang="pl"/>
-              <a:t> jako ostatnie  a </a:t>
-            </a:r>
-            <a:r>
-              <a:rPr b="1" lang="pl"/>
+              <a:rPr lang="pl" b="1" dirty="0"/>
               <a:t>early</a:t>
             </a:r>
             <a:r>
-              <a:rPr lang="pl"/>
+              <a:rPr lang="pl" dirty="0"/>
               <a:t> wykonane rano. </a:t>
             </a:r>
-            <a:endParaRPr/>
+            <a:endParaRPr dirty="0"/>
           </a:p>
         </p:txBody>
       </p:sp>
@@ -10724,11 +10699,11 @@
 </file>
 
 <file path=ppt/slides/slide6.xml><?xml version="1.0" encoding="utf-8"?>
-<p:sld xmlns:a="http://schemas.openxmlformats.org/drawingml/2006/main" xmlns:r="http://schemas.openxmlformats.org/officeDocument/2006/relationships" xmlns:mc="http://schemas.openxmlformats.org/markup-compatibility/2006" xmlns:mv="urn:schemas-microsoft-com:mac:vml" xmlns:p="http://schemas.openxmlformats.org/presentationml/2006/main" xmlns:c="http://schemas.openxmlformats.org/drawingml/2006/chart" xmlns:dgm="http://schemas.openxmlformats.org/drawingml/2006/diagram" xmlns:o="urn:schemas-microsoft-com:office:office" xmlns:v="urn:schemas-microsoft-com:vml" xmlns:pvml="urn:schemas-microsoft-com:office:powerpoint" xmlns:com="http://schemas.openxmlformats.org/drawingml/2006/compatibility" xmlns:p14="http://schemas.microsoft.com/office/powerpoint/2010/main" xmlns:p15="http://schemas.microsoft.com/office/powerpoint/2012/main" xmlns:ahyp="http://schemas.microsoft.com/office/drawing/2018/hyperlinkcolor">
+<p:sld xmlns:a="http://schemas.openxmlformats.org/drawingml/2006/main" xmlns:r="http://schemas.openxmlformats.org/officeDocument/2006/relationships" xmlns:p="http://schemas.openxmlformats.org/presentationml/2006/main">
   <p:cSld>
     <p:spTree>
       <p:nvGrpSpPr>
-        <p:cNvPr id="163" name="Shape 163"/>
+        <p:cNvPr id="1" name="Shape 163"/>
         <p:cNvGrpSpPr/>
         <p:nvPr/>
       </p:nvGrpSpPr>
@@ -10743,7 +10718,9 @@
       <p:sp>
         <p:nvSpPr>
           <p:cNvPr id="164" name="Google Shape;164;p18"/>
-          <p:cNvSpPr txBox="1"/>
+          <p:cNvSpPr txBox="1">
+            <a:spLocks noGrp="1"/>
+          </p:cNvSpPr>
           <p:nvPr>
             <p:ph type="title"/>
           </p:nvPr>
@@ -10758,12 +10735,12 @@
           </a:prstGeom>
         </p:spPr>
         <p:txBody>
-          <a:bodyPr anchorCtr="0" anchor="t" bIns="91425" lIns="91425" spcFirstLastPara="1" rIns="91425" wrap="square" tIns="91425">
+          <a:bodyPr spcFirstLastPara="1" wrap="square" lIns="91425" tIns="91425" rIns="91425" bIns="91425" anchor="t" anchorCtr="0">
             <a:noAutofit/>
           </a:bodyPr>
           <a:lstStyle/>
           <a:p>
-            <a:pPr indent="0" lvl="0" marL="0" rtl="0" algn="l">
+            <a:pPr marL="0" lvl="0" indent="0" algn="l" rtl="0">
               <a:spcBef>
                 <a:spcPts val="0"/>
               </a:spcBef>
@@ -10783,9 +10760,11 @@
       <p:sp>
         <p:nvSpPr>
           <p:cNvPr id="165" name="Google Shape;165;p18"/>
-          <p:cNvSpPr txBox="1"/>
+          <p:cNvSpPr txBox="1">
+            <a:spLocks noGrp="1"/>
+          </p:cNvSpPr>
           <p:nvPr>
-            <p:ph idx="1" type="body"/>
+            <p:ph type="body" idx="1"/>
           </p:nvPr>
         </p:nvSpPr>
         <p:spPr>
@@ -10798,12 +10777,12 @@
           </a:prstGeom>
         </p:spPr>
         <p:txBody>
-          <a:bodyPr anchorCtr="0" anchor="t" bIns="91425" lIns="91425" spcFirstLastPara="1" rIns="91425" wrap="square" tIns="91425">
+          <a:bodyPr spcFirstLastPara="1" wrap="square" lIns="91425" tIns="91425" rIns="91425" bIns="91425" anchor="t" anchorCtr="0">
             <a:noAutofit/>
           </a:bodyPr>
           <a:lstStyle/>
           <a:p>
-            <a:pPr indent="0" lvl="0" marL="0" rtl="0" algn="l">
+            <a:pPr marL="0" lvl="0" indent="0" algn="l" rtl="0">
               <a:spcBef>
                 <a:spcPts val="0"/>
               </a:spcBef>
@@ -10813,42 +10792,18 @@
               <a:buNone/>
             </a:pPr>
             <a:r>
-              <a:rPr lang="pl"/>
-              <a:t>Dwa wybrane modele stosują inne zmienne do </a:t>
+              <a:rPr lang="pl" dirty="0"/>
+              <a:t>Dwa wybrane modele stosują inne zmienne do uzyskania podobnej jakości predykcji</a:t>
             </a:r>
             <a:r>
-              <a:rPr lang="pl"/>
-              <a:t>uzyskania</a:t>
+              <a:rPr lang="en-GB" dirty="0"/>
+              <a:t>,</a:t>
             </a:r>
             <a:r>
-              <a:rPr lang="pl"/>
-              <a:t> </a:t>
+              <a:rPr lang="pl" dirty="0"/>
+              <a:t> co może dać ciekawe efekty w analizie.</a:t>
             </a:r>
-            <a:r>
-              <a:rPr lang="pl"/>
-              <a:t>podobnej</a:t>
-            </a:r>
-            <a:r>
-              <a:rPr lang="pl"/>
-              <a:t> jakości </a:t>
-            </a:r>
-            <a:r>
-              <a:rPr lang="pl"/>
-              <a:t>predykcji</a:t>
-            </a:r>
-            <a:r>
-              <a:rPr lang="pl"/>
-              <a:t> co może dać </a:t>
-            </a:r>
-            <a:r>
-              <a:rPr lang="pl"/>
-              <a:t>ciekawe</a:t>
-            </a:r>
-            <a:r>
-              <a:rPr lang="pl"/>
-              <a:t> efekty w analizie.</a:t>
-            </a:r>
-            <a:endParaRPr/>
+            <a:endParaRPr dirty="0"/>
           </a:p>
         </p:txBody>
       </p:sp>
@@ -10917,11 +10872,11 @@
 </file>
 
 <file path=ppt/slides/slide7.xml><?xml version="1.0" encoding="utf-8"?>
-<p:sld xmlns:a="http://schemas.openxmlformats.org/drawingml/2006/main" xmlns:r="http://schemas.openxmlformats.org/officeDocument/2006/relationships" xmlns:mc="http://schemas.openxmlformats.org/markup-compatibility/2006" xmlns:mv="urn:schemas-microsoft-com:mac:vml" xmlns:p="http://schemas.openxmlformats.org/presentationml/2006/main" xmlns:c="http://schemas.openxmlformats.org/drawingml/2006/chart" xmlns:dgm="http://schemas.openxmlformats.org/drawingml/2006/diagram" xmlns:o="urn:schemas-microsoft-com:office:office" xmlns:v="urn:schemas-microsoft-com:vml" xmlns:pvml="urn:schemas-microsoft-com:office:powerpoint" xmlns:com="http://schemas.openxmlformats.org/drawingml/2006/compatibility" xmlns:p14="http://schemas.microsoft.com/office/powerpoint/2010/main" xmlns:p15="http://schemas.microsoft.com/office/powerpoint/2012/main" xmlns:ahyp="http://schemas.microsoft.com/office/drawing/2018/hyperlinkcolor">
+<p:sld xmlns:a="http://schemas.openxmlformats.org/drawingml/2006/main" xmlns:r="http://schemas.openxmlformats.org/officeDocument/2006/relationships" xmlns:p="http://schemas.openxmlformats.org/presentationml/2006/main">
   <p:cSld>
     <p:spTree>
       <p:nvGrpSpPr>
-        <p:cNvPr id="171" name="Shape 171"/>
+        <p:cNvPr id="1" name="Shape 171"/>
         <p:cNvGrpSpPr/>
         <p:nvPr/>
       </p:nvGrpSpPr>
@@ -10936,14 +10891,16 @@
       <p:sp>
         <p:nvSpPr>
           <p:cNvPr id="172" name="Google Shape;172;p19"/>
-          <p:cNvSpPr txBox="1"/>
+          <p:cNvSpPr txBox="1">
+            <a:spLocks noGrp="1"/>
+          </p:cNvSpPr>
           <p:nvPr>
-            <p:ph idx="1" type="body"/>
+            <p:ph type="body" idx="1"/>
           </p:nvPr>
         </p:nvSpPr>
         <p:spPr>
           <a:xfrm>
-            <a:off x="6215075" y="428625"/>
+            <a:off x="6156081" y="1107050"/>
             <a:ext cx="2668200" cy="4157700"/>
           </a:xfrm>
           <a:prstGeom prst="rect">
@@ -10951,12 +10908,12 @@
           </a:prstGeom>
         </p:spPr>
         <p:txBody>
-          <a:bodyPr anchorCtr="0" anchor="t" bIns="91425" lIns="91425" spcFirstLastPara="1" rIns="91425" wrap="square" tIns="91425">
+          <a:bodyPr spcFirstLastPara="1" wrap="square" lIns="91425" tIns="91425" rIns="91425" bIns="91425" anchor="t" anchorCtr="0">
             <a:noAutofit/>
           </a:bodyPr>
           <a:lstStyle/>
           <a:p>
-            <a:pPr indent="0" lvl="0" marL="0" rtl="0" algn="l">
+            <a:pPr marL="0" lvl="0" indent="0" algn="l" rtl="0">
               <a:spcBef>
                 <a:spcPts val="0"/>
               </a:spcBef>
@@ -10966,46 +10923,10 @@
               <a:buNone/>
             </a:pPr>
             <a:r>
-              <a:rPr lang="pl"/>
-              <a:t>Różnica w niektórych krzywych jest dość wyraźna. Nie występują jednak sytuacje gdzie dana zmienna ma </a:t>
+              <a:rPr lang="pl-PL" dirty="0"/>
+              <a:t>Różnica w niektórych krzywych jest dość wyraźna. Nie występują jednak sytuacje, gdzie dana zmienna ma odwrotny wpływ na predykcję. Najczęściej mamy do czynienia z lekkim zeskanowaniem krzywych o podobnym kształcie. Problemem może być też oczywista (glucose) i nieoczywista (wbc, tempc). Korelacja niektórych zmiennych.</a:t>
             </a:r>
-            <a:r>
-              <a:rPr lang="pl"/>
-              <a:t>odwrotny</a:t>
-            </a:r>
-            <a:r>
-              <a:rPr lang="pl"/>
-              <a:t> wpływ na </a:t>
-            </a:r>
-            <a:r>
-              <a:rPr lang="pl"/>
-              <a:t>predykcję</a:t>
-            </a:r>
-            <a:r>
-              <a:rPr lang="pl"/>
-              <a:t>. Najczęściej mamy </a:t>
-            </a:r>
-            <a:r>
-              <a:rPr lang="pl"/>
-              <a:t>do czynienia</a:t>
-            </a:r>
-            <a:r>
-              <a:rPr lang="pl"/>
-              <a:t> z lekkim </a:t>
-            </a:r>
-            <a:r>
-              <a:rPr lang="pl"/>
-              <a:t>ze skalowaniem</a:t>
-            </a:r>
-            <a:r>
-              <a:rPr lang="pl"/>
-              <a:t> krzywych o podobnym </a:t>
-            </a:r>
-            <a:r>
-              <a:rPr lang="pl"/>
-              <a:t>kształcie. Problemem może być też oczywista ( glucose) i nieoczywista (wbc, tempc). Korelacja niektórych zmiennych.</a:t>
-            </a:r>
-            <a:endParaRPr/>
+            <a:endParaRPr dirty="0"/>
           </a:p>
         </p:txBody>
       </p:sp>
@@ -11046,11 +10967,11 @@
 </file>
 
 <file path=ppt/slides/slide8.xml><?xml version="1.0" encoding="utf-8"?>
-<p:sld xmlns:a="http://schemas.openxmlformats.org/drawingml/2006/main" xmlns:r="http://schemas.openxmlformats.org/officeDocument/2006/relationships" xmlns:mc="http://schemas.openxmlformats.org/markup-compatibility/2006" xmlns:mv="urn:schemas-microsoft-com:mac:vml" xmlns:p="http://schemas.openxmlformats.org/presentationml/2006/main" xmlns:c="http://schemas.openxmlformats.org/drawingml/2006/chart" xmlns:dgm="http://schemas.openxmlformats.org/drawingml/2006/diagram" xmlns:o="urn:schemas-microsoft-com:office:office" xmlns:v="urn:schemas-microsoft-com:vml" xmlns:pvml="urn:schemas-microsoft-com:office:powerpoint" xmlns:com="http://schemas.openxmlformats.org/drawingml/2006/compatibility" xmlns:p14="http://schemas.microsoft.com/office/powerpoint/2010/main" xmlns:p15="http://schemas.microsoft.com/office/powerpoint/2012/main" xmlns:ahyp="http://schemas.microsoft.com/office/drawing/2018/hyperlinkcolor">
+<p:sld xmlns:a="http://schemas.openxmlformats.org/drawingml/2006/main" xmlns:r="http://schemas.openxmlformats.org/officeDocument/2006/relationships" xmlns:p="http://schemas.openxmlformats.org/presentationml/2006/main">
   <p:cSld>
     <p:spTree>
       <p:nvGrpSpPr>
-        <p:cNvPr id="177" name="Shape 177"/>
+        <p:cNvPr id="1" name="Shape 177"/>
         <p:cNvGrpSpPr/>
         <p:nvPr/>
       </p:nvGrpSpPr>
@@ -11093,7 +11014,9 @@
       <p:sp>
         <p:nvSpPr>
           <p:cNvPr id="179" name="Google Shape;179;p20"/>
-          <p:cNvSpPr txBox="1"/>
+          <p:cNvSpPr txBox="1">
+            <a:spLocks noGrp="1"/>
+          </p:cNvSpPr>
           <p:nvPr>
             <p:ph type="title"/>
           </p:nvPr>
@@ -11108,12 +11031,12 @@
           </a:prstGeom>
         </p:spPr>
         <p:txBody>
-          <a:bodyPr anchorCtr="0" anchor="t" bIns="91425" lIns="91425" spcFirstLastPara="1" rIns="91425" wrap="square" tIns="91425">
+          <a:bodyPr spcFirstLastPara="1" wrap="square" lIns="91425" tIns="91425" rIns="91425" bIns="91425" anchor="t" anchorCtr="0">
             <a:noAutofit/>
           </a:bodyPr>
           <a:lstStyle/>
           <a:p>
-            <a:pPr indent="0" lvl="0" marL="0" rtl="0" algn="ctr">
+            <a:pPr marL="0" lvl="0" indent="0" algn="ctr" rtl="0">
               <a:spcBef>
                 <a:spcPts val="0"/>
               </a:spcBef>
@@ -11124,11 +11047,7 @@
             </a:pPr>
             <a:r>
               <a:rPr lang="pl"/>
-              <a:t>Jakość modelu a </a:t>
-            </a:r>
-            <a:r>
-              <a:rPr lang="pl"/>
-              <a:t>hiperparametry</a:t>
+              <a:t>Jakość modelu a hiperparametry</a:t>
             </a:r>
             <a:endParaRPr/>
           </a:p>
@@ -11154,12 +11073,12 @@
           </a:ln>
         </p:spPr>
         <p:txBody>
-          <a:bodyPr anchorCtr="0" anchor="t" bIns="91425" lIns="91425" spcFirstLastPara="1" rIns="91425" wrap="square" tIns="91425">
+          <a:bodyPr spcFirstLastPara="1" wrap="square" lIns="91425" tIns="91425" rIns="91425" bIns="91425" anchor="t" anchorCtr="0">
             <a:spAutoFit/>
           </a:bodyPr>
           <a:lstStyle/>
           <a:p>
-            <a:pPr indent="0" lvl="0" marL="0" rtl="0" algn="l">
+            <a:pPr marL="0" lvl="0" indent="0" algn="l" rtl="0">
               <a:spcBef>
                 <a:spcPts val="0"/>
               </a:spcBef>
@@ -11168,9 +11087,6 @@
               </a:spcAft>
               <a:buNone/>
             </a:pPr>
-            <a:r>
-              <a:t/>
-            </a:r>
             <a:endParaRPr>
               <a:latin typeface="Calibri"/>
               <a:ea typeface="Calibri"/>
@@ -11188,7 +11104,7 @@
         </p:nvSpPr>
         <p:spPr>
           <a:xfrm>
-            <a:off x="5593550" y="1296600"/>
+            <a:off x="5564054" y="1308398"/>
             <a:ext cx="2486100" cy="2339700"/>
           </a:xfrm>
           <a:prstGeom prst="rect">
@@ -11200,12 +11116,12 @@
           </a:ln>
         </p:spPr>
         <p:txBody>
-          <a:bodyPr anchorCtr="0" anchor="t" bIns="91425" lIns="91425" spcFirstLastPara="1" rIns="91425" wrap="square" tIns="91425">
+          <a:bodyPr spcFirstLastPara="1" wrap="square" lIns="91425" tIns="91425" rIns="91425" bIns="91425" anchor="t" anchorCtr="0">
             <a:spAutoFit/>
           </a:bodyPr>
           <a:lstStyle/>
           <a:p>
-            <a:pPr indent="0" lvl="0" marL="0" rtl="0" algn="l">
+            <a:pPr marL="0" lvl="0" indent="0" algn="l" rtl="0">
               <a:spcBef>
                 <a:spcPts val="0"/>
               </a:spcBef>
@@ -11215,51 +11131,15 @@
               <a:buNone/>
             </a:pPr>
             <a:r>
-              <a:rPr lang="pl">
+              <a:rPr lang="pl" dirty="0">
                 <a:latin typeface="Calibri"/>
                 <a:ea typeface="Calibri"/>
                 <a:cs typeface="Calibri"/>
                 <a:sym typeface="Calibri"/>
               </a:rPr>
-              <a:t>Zdecydowaliśmy się na sprawdzenie dwóch parametrów i ich wpływu na jakość modelu. W tym celu przeprowadziliśmy </a:t>
+              <a:t>Zdecydowaliśmy się na sprawdzenie dwóch parametrów i ich wpływu na jakość modelu. W tym celu przeprowadziliśmy dodatkowy gridSearch. Biorąc pod uwagę wielkość zbioru wyniki są dość stabilne choć najlepsze rezultaty uzyskują niskie drzewa o małej minimalnej wadze.</a:t>
             </a:r>
-            <a:r>
-              <a:rPr lang="pl">
-                <a:latin typeface="Calibri"/>
-                <a:ea typeface="Calibri"/>
-                <a:cs typeface="Calibri"/>
-                <a:sym typeface="Calibri"/>
-              </a:rPr>
-              <a:t>dodatkowy</a:t>
-            </a:r>
-            <a:r>
-              <a:rPr lang="pl">
-                <a:latin typeface="Calibri"/>
-                <a:ea typeface="Calibri"/>
-                <a:cs typeface="Calibri"/>
-                <a:sym typeface="Calibri"/>
-              </a:rPr>
-              <a:t> </a:t>
-            </a:r>
-            <a:r>
-              <a:rPr lang="pl">
-                <a:latin typeface="Calibri"/>
-                <a:ea typeface="Calibri"/>
-                <a:cs typeface="Calibri"/>
-                <a:sym typeface="Calibri"/>
-              </a:rPr>
-              <a:t>gridSearch</a:t>
-            </a:r>
-            <a:r>
-              <a:rPr lang="pl">
-                <a:latin typeface="Calibri"/>
-                <a:ea typeface="Calibri"/>
-                <a:cs typeface="Calibri"/>
-                <a:sym typeface="Calibri"/>
-              </a:rPr>
-              <a:t>. Biorąc pod uwagę wielkość zbioru wyniki są dość stabilne choć najlepsze rezultaty uzyskują niskie drzewa o małej minimalnej wadze.</a:t>
-            </a:r>
-            <a:endParaRPr>
+            <a:endParaRPr dirty="0">
               <a:latin typeface="Calibri"/>
               <a:ea typeface="Calibri"/>
               <a:cs typeface="Calibri"/>
@@ -11277,11 +11157,11 @@
 </file>
 
 <file path=ppt/slides/slide9.xml><?xml version="1.0" encoding="utf-8"?>
-<p:sld xmlns:a="http://schemas.openxmlformats.org/drawingml/2006/main" xmlns:r="http://schemas.openxmlformats.org/officeDocument/2006/relationships" xmlns:mc="http://schemas.openxmlformats.org/markup-compatibility/2006" xmlns:mv="urn:schemas-microsoft-com:mac:vml" xmlns:p="http://schemas.openxmlformats.org/presentationml/2006/main" xmlns:c="http://schemas.openxmlformats.org/drawingml/2006/chart" xmlns:dgm="http://schemas.openxmlformats.org/drawingml/2006/diagram" xmlns:o="urn:schemas-microsoft-com:office:office" xmlns:v="urn:schemas-microsoft-com:vml" xmlns:pvml="urn:schemas-microsoft-com:office:powerpoint" xmlns:com="http://schemas.openxmlformats.org/drawingml/2006/compatibility" xmlns:p14="http://schemas.microsoft.com/office/powerpoint/2010/main" xmlns:p15="http://schemas.microsoft.com/office/powerpoint/2012/main" xmlns:ahyp="http://schemas.microsoft.com/office/drawing/2018/hyperlinkcolor">
+<p:sld xmlns:a="http://schemas.openxmlformats.org/drawingml/2006/main" xmlns:r="http://schemas.openxmlformats.org/officeDocument/2006/relationships" xmlns:p="http://schemas.openxmlformats.org/presentationml/2006/main">
   <p:cSld>
     <p:spTree>
       <p:nvGrpSpPr>
-        <p:cNvPr id="185" name="Shape 185"/>
+        <p:cNvPr id="1" name="Shape 185"/>
         <p:cNvGrpSpPr/>
         <p:nvPr/>
       </p:nvGrpSpPr>
@@ -11296,7 +11176,9 @@
       <p:sp>
         <p:nvSpPr>
           <p:cNvPr id="186" name="Google Shape;186;p21"/>
-          <p:cNvSpPr txBox="1"/>
+          <p:cNvSpPr txBox="1">
+            <a:spLocks noGrp="1"/>
+          </p:cNvSpPr>
           <p:nvPr>
             <p:ph type="title"/>
           </p:nvPr>
@@ -11311,12 +11193,12 @@
           </a:prstGeom>
         </p:spPr>
         <p:txBody>
-          <a:bodyPr anchorCtr="0" anchor="t" bIns="91425" lIns="91425" spcFirstLastPara="1" rIns="91425" wrap="square" tIns="91425">
+          <a:bodyPr spcFirstLastPara="1" wrap="square" lIns="91425" tIns="91425" rIns="91425" bIns="91425" anchor="t" anchorCtr="0">
             <a:noAutofit/>
           </a:bodyPr>
           <a:lstStyle/>
           <a:p>
-            <a:pPr indent="0" lvl="0" marL="0" rtl="0" algn="l">
+            <a:pPr marL="0" lvl="0" indent="0" algn="l" rtl="0">
               <a:spcBef>
                 <a:spcPts val="0"/>
               </a:spcBef>
@@ -11327,15 +11209,7 @@
             </a:pPr>
             <a:r>
               <a:rPr lang="pl"/>
-              <a:t>Porównanie </a:t>
-            </a:r>
-            <a:r>
-              <a:rPr lang="pl"/>
-              <a:t>modeli</a:t>
-            </a:r>
-            <a:r>
-              <a:rPr lang="pl"/>
-              <a:t> bez treningu</a:t>
+              <a:t>Porównanie modeli bez treningu</a:t>
             </a:r>
             <a:endParaRPr/>
           </a:p>
@@ -11344,9 +11218,11 @@
       <p:sp>
         <p:nvSpPr>
           <p:cNvPr id="187" name="Google Shape;187;p21"/>
-          <p:cNvSpPr txBox="1"/>
+          <p:cNvSpPr txBox="1">
+            <a:spLocks noGrp="1"/>
+          </p:cNvSpPr>
           <p:nvPr>
-            <p:ph idx="1" type="body"/>
+            <p:ph type="body" idx="1"/>
           </p:nvPr>
         </p:nvSpPr>
         <p:spPr>
@@ -11359,12 +11235,12 @@
           </a:prstGeom>
         </p:spPr>
         <p:txBody>
-          <a:bodyPr anchorCtr="0" anchor="t" bIns="91425" lIns="91425" spcFirstLastPara="1" rIns="91425" wrap="square" tIns="91425">
+          <a:bodyPr spcFirstLastPara="1" wrap="square" lIns="91425" tIns="91425" rIns="91425" bIns="91425" anchor="t" anchorCtr="0">
             <a:noAutofit/>
           </a:bodyPr>
           <a:lstStyle/>
           <a:p>
-            <a:pPr indent="0" lvl="0" marL="0" rtl="0" algn="l">
+            <a:pPr marL="0" lvl="0" indent="0" algn="l" rtl="0">
               <a:spcBef>
                 <a:spcPts val="0"/>
               </a:spcBef>
@@ -11374,18 +11250,10 @@
               <a:buNone/>
             </a:pPr>
             <a:r>
-              <a:rPr lang="pl"/>
-              <a:t>Warto zwłaszcza </a:t>
+              <a:rPr lang="pl" dirty="0"/>
+              <a:t>Warto zwłaszcza spojrzeć na wykresy regresji gdzie widać wyraźną różnicę w działaniu algorytmów.</a:t>
             </a:r>
-            <a:r>
-              <a:rPr lang="pl"/>
-              <a:t>spojrzeć</a:t>
-            </a:r>
-            <a:r>
-              <a:rPr lang="pl"/>
-              <a:t> na wykresy regresji gdzie widać wyraźną różnicę w działaniu algorytmów.</a:t>
-            </a:r>
-            <a:endParaRPr/>
+            <a:endParaRPr dirty="0"/>
           </a:p>
         </p:txBody>
       </p:sp>
@@ -11433,7 +11301,7 @@
         </p:blipFill>
         <p:spPr>
           <a:xfrm>
-            <a:off x="5229250" y="1939500"/>
+            <a:off x="5211552" y="1933601"/>
             <a:ext cx="3696874" cy="2801225"/>
           </a:xfrm>
           <a:prstGeom prst="rect">
@@ -11454,7 +11322,288 @@
 </file>
 
 <file path=ppt/theme/theme1.xml><?xml version="1.0" encoding="utf-8"?>
-<a:theme xmlns:a="http://schemas.openxmlformats.org/drawingml/2006/main" xmlns:r="http://schemas.openxmlformats.org/officeDocument/2006/relationships">
+<a:theme xmlns:a="http://schemas.openxmlformats.org/drawingml/2006/main" name="Shift">
+  <a:themeElements>
+    <a:clrScheme name="Shift">
+      <a:dk1>
+        <a:srgbClr val="FFFFFF"/>
+      </a:dk1>
+      <a:lt1>
+        <a:srgbClr val="AF7B51"/>
+      </a:lt1>
+      <a:dk2>
+        <a:srgbClr val="233A44"/>
+      </a:dk2>
+      <a:lt2>
+        <a:srgbClr val="D9D9D9"/>
+      </a:lt2>
+      <a:accent1>
+        <a:srgbClr val="00796B"/>
+      </a:accent1>
+      <a:accent2>
+        <a:srgbClr val="D9563F"/>
+      </a:accent2>
+      <a:accent3>
+        <a:srgbClr val="C4A15A"/>
+      </a:accent3>
+      <a:accent4>
+        <a:srgbClr val="14F597"/>
+      </a:accent4>
+      <a:accent5>
+        <a:srgbClr val="3D4594"/>
+      </a:accent5>
+      <a:accent6>
+        <a:srgbClr val="163EF5"/>
+      </a:accent6>
+      <a:hlink>
+        <a:srgbClr val="3D4594"/>
+      </a:hlink>
+      <a:folHlink>
+        <a:srgbClr val="3D4594"/>
+      </a:folHlink>
+    </a:clrScheme>
+    <a:fontScheme name="Office">
+      <a:majorFont>
+        <a:latin typeface="Arial"/>
+        <a:ea typeface=""/>
+        <a:cs typeface=""/>
+        <a:font script="Jpan" typeface="ＭＳ Ｐゴシック"/>
+        <a:font script="Hang" typeface="맑은 고딕"/>
+        <a:font script="Hans" typeface="宋体"/>
+        <a:font script="Hant" typeface="新細明體"/>
+        <a:font script="Arab" typeface="Times New Roman"/>
+        <a:font script="Hebr" typeface="Times New Roman"/>
+        <a:font script="Thai" typeface="Angsana New"/>
+        <a:font script="Ethi" typeface="Nyala"/>
+        <a:font script="Beng" typeface="Vrinda"/>
+        <a:font script="Gujr" typeface="Shruti"/>
+        <a:font script="Khmr" typeface="MoolBoran"/>
+        <a:font script="Knda" typeface="Tunga"/>
+        <a:font script="Guru" typeface="Raavi"/>
+        <a:font script="Cans" typeface="Euphemia"/>
+        <a:font script="Cher" typeface="Plantagenet Cherokee"/>
+        <a:font script="Yiii" typeface="Microsoft Yi Baiti"/>
+        <a:font script="Tibt" typeface="Microsoft Himalaya"/>
+        <a:font script="Thaa" typeface="MV Boli"/>
+        <a:font script="Deva" typeface="Mangal"/>
+        <a:font script="Telu" typeface="Gautami"/>
+        <a:font script="Taml" typeface="Latha"/>
+        <a:font script="Syrc" typeface="Estrangelo Edessa"/>
+        <a:font script="Orya" typeface="Kalinga"/>
+        <a:font script="Mlym" typeface="Kartika"/>
+        <a:font script="Laoo" typeface="DokChampa"/>
+        <a:font script="Sinh" typeface="Iskoola Pota"/>
+        <a:font script="Mong" typeface="Mongolian Baiti"/>
+        <a:font script="Viet" typeface="Times New Roman"/>
+        <a:font script="Uigh" typeface="Microsoft Uighur"/>
+        <a:font script="Geor" typeface="Sylfaen"/>
+      </a:majorFont>
+      <a:minorFont>
+        <a:latin typeface="Arial"/>
+        <a:ea typeface=""/>
+        <a:cs typeface=""/>
+        <a:font script="Jpan" typeface="ＭＳ Ｐゴシック"/>
+        <a:font script="Hang" typeface="맑은 고딕"/>
+        <a:font script="Hans" typeface="宋体"/>
+        <a:font script="Hant" typeface="新細明體"/>
+        <a:font script="Arab" typeface="Arial"/>
+        <a:font script="Hebr" typeface="Arial"/>
+        <a:font script="Thai" typeface="Cordia New"/>
+        <a:font script="Ethi" typeface="Nyala"/>
+        <a:font script="Beng" typeface="Vrinda"/>
+        <a:font script="Gujr" typeface="Shruti"/>
+        <a:font script="Khmr" typeface="DaunPenh"/>
+        <a:font script="Knda" typeface="Tunga"/>
+        <a:font script="Guru" typeface="Raavi"/>
+        <a:font script="Cans" typeface="Euphemia"/>
+        <a:font script="Cher" typeface="Plantagenet Cherokee"/>
+        <a:font script="Yiii" typeface="Microsoft Yi Baiti"/>
+        <a:font script="Tibt" typeface="Microsoft Himalaya"/>
+        <a:font script="Thaa" typeface="MV Boli"/>
+        <a:font script="Deva" typeface="Mangal"/>
+        <a:font script="Telu" typeface="Gautami"/>
+        <a:font script="Taml" typeface="Latha"/>
+        <a:font script="Syrc" typeface="Estrangelo Edessa"/>
+        <a:font script="Orya" typeface="Kalinga"/>
+        <a:font script="Mlym" typeface="Kartika"/>
+        <a:font script="Laoo" typeface="DokChampa"/>
+        <a:font script="Sinh" typeface="Iskoola Pota"/>
+        <a:font script="Mong" typeface="Mongolian Baiti"/>
+        <a:font script="Viet" typeface="Arial"/>
+        <a:font script="Uigh" typeface="Microsoft Uighur"/>
+        <a:font script="Geor" typeface="Sylfaen"/>
+      </a:minorFont>
+    </a:fontScheme>
+    <a:fmtScheme name="Office">
+      <a:fillStyleLst>
+        <a:solidFill>
+          <a:schemeClr val="phClr"/>
+        </a:solidFill>
+        <a:gradFill rotWithShape="1">
+          <a:gsLst>
+            <a:gs pos="0">
+              <a:schemeClr val="phClr">
+                <a:tint val="50000"/>
+                <a:satMod val="300000"/>
+              </a:schemeClr>
+            </a:gs>
+            <a:gs pos="35000">
+              <a:schemeClr val="phClr">
+                <a:tint val="37000"/>
+                <a:satMod val="300000"/>
+              </a:schemeClr>
+            </a:gs>
+            <a:gs pos="100000">
+              <a:schemeClr val="phClr">
+                <a:tint val="15000"/>
+                <a:satMod val="350000"/>
+              </a:schemeClr>
+            </a:gs>
+          </a:gsLst>
+          <a:lin ang="16200000" scaled="1"/>
+        </a:gradFill>
+        <a:gradFill rotWithShape="1">
+          <a:gsLst>
+            <a:gs pos="0">
+              <a:schemeClr val="phClr">
+                <a:tint val="100000"/>
+                <a:shade val="100000"/>
+                <a:satMod val="130000"/>
+              </a:schemeClr>
+            </a:gs>
+            <a:gs pos="100000">
+              <a:schemeClr val="phClr">
+                <a:tint val="50000"/>
+                <a:shade val="100000"/>
+                <a:satMod val="350000"/>
+              </a:schemeClr>
+            </a:gs>
+          </a:gsLst>
+          <a:lin ang="16200000" scaled="0"/>
+        </a:gradFill>
+      </a:fillStyleLst>
+      <a:lnStyleLst>
+        <a:ln w="9525" cap="flat" cmpd="sng" algn="ctr">
+          <a:solidFill>
+            <a:schemeClr val="phClr">
+              <a:shade val="95000"/>
+              <a:satMod val="105000"/>
+            </a:schemeClr>
+          </a:solidFill>
+          <a:prstDash val="solid"/>
+        </a:ln>
+        <a:ln w="25400" cap="flat" cmpd="sng" algn="ctr">
+          <a:solidFill>
+            <a:schemeClr val="phClr"/>
+          </a:solidFill>
+          <a:prstDash val="solid"/>
+        </a:ln>
+        <a:ln w="38100" cap="flat" cmpd="sng" algn="ctr">
+          <a:solidFill>
+            <a:schemeClr val="phClr"/>
+          </a:solidFill>
+          <a:prstDash val="solid"/>
+        </a:ln>
+      </a:lnStyleLst>
+      <a:effectStyleLst>
+        <a:effectStyle>
+          <a:effectLst>
+            <a:outerShdw blurRad="40000" dist="20000" dir="5400000" rotWithShape="0">
+              <a:srgbClr val="000000">
+                <a:alpha val="38000"/>
+              </a:srgbClr>
+            </a:outerShdw>
+          </a:effectLst>
+        </a:effectStyle>
+        <a:effectStyle>
+          <a:effectLst>
+            <a:outerShdw blurRad="40000" dist="23000" dir="5400000" rotWithShape="0">
+              <a:srgbClr val="000000">
+                <a:alpha val="35000"/>
+              </a:srgbClr>
+            </a:outerShdw>
+          </a:effectLst>
+        </a:effectStyle>
+        <a:effectStyle>
+          <a:effectLst>
+            <a:outerShdw blurRad="40000" dist="23000" dir="5400000" rotWithShape="0">
+              <a:srgbClr val="000000">
+                <a:alpha val="35000"/>
+              </a:srgbClr>
+            </a:outerShdw>
+          </a:effectLst>
+          <a:scene3d>
+            <a:camera prst="orthographicFront">
+              <a:rot lat="0" lon="0" rev="0"/>
+            </a:camera>
+            <a:lightRig rig="threePt" dir="t">
+              <a:rot lat="0" lon="0" rev="1200000"/>
+            </a:lightRig>
+          </a:scene3d>
+          <a:sp3d>
+            <a:bevelT w="63500" h="25400"/>
+          </a:sp3d>
+        </a:effectStyle>
+      </a:effectStyleLst>
+      <a:bgFillStyleLst>
+        <a:solidFill>
+          <a:schemeClr val="phClr"/>
+        </a:solidFill>
+        <a:gradFill rotWithShape="1">
+          <a:gsLst>
+            <a:gs pos="0">
+              <a:schemeClr val="phClr">
+                <a:tint val="40000"/>
+                <a:satMod val="350000"/>
+              </a:schemeClr>
+            </a:gs>
+            <a:gs pos="40000">
+              <a:schemeClr val="phClr">
+                <a:tint val="45000"/>
+                <a:shade val="99000"/>
+                <a:satMod val="350000"/>
+              </a:schemeClr>
+            </a:gs>
+            <a:gs pos="100000">
+              <a:schemeClr val="phClr">
+                <a:shade val="20000"/>
+                <a:satMod val="255000"/>
+              </a:schemeClr>
+            </a:gs>
+          </a:gsLst>
+          <a:path path="circle">
+            <a:fillToRect l="50000" t="-80000" r="50000" b="180000"/>
+          </a:path>
+        </a:gradFill>
+        <a:gradFill rotWithShape="1">
+          <a:gsLst>
+            <a:gs pos="0">
+              <a:schemeClr val="phClr">
+                <a:tint val="80000"/>
+                <a:satMod val="300000"/>
+              </a:schemeClr>
+            </a:gs>
+            <a:gs pos="100000">
+              <a:schemeClr val="phClr">
+                <a:shade val="30000"/>
+                <a:satMod val="200000"/>
+              </a:schemeClr>
+            </a:gs>
+          </a:gsLst>
+          <a:path path="circle">
+            <a:fillToRect l="50000" t="50000" r="50000" b="50000"/>
+          </a:path>
+        </a:gradFill>
+      </a:bgFillStyleLst>
+    </a:fmtScheme>
+  </a:themeElements>
+  <a:objectDefaults/>
+  <a:extraClrSchemeLst/>
+</a:theme>
+</file>
+
+<file path=ppt/theme/theme2.xml><?xml version="1.0" encoding="utf-8"?>
+<a:theme xmlns:a="http://schemas.openxmlformats.org/drawingml/2006/main">
   <a:themeElements>
     <a:clrScheme name="Default">
       <a:dk1>
@@ -11729,284 +11878,7 @@
       </a:bgFillStyleLst>
     </a:fmtScheme>
   </a:themeElements>
-</a:theme>
-</file>
-
-<file path=ppt/theme/theme2.xml><?xml version="1.0" encoding="utf-8"?>
-<a:theme xmlns:a="http://schemas.openxmlformats.org/drawingml/2006/main" xmlns:r="http://schemas.openxmlformats.org/officeDocument/2006/relationships" name="Shift">
-  <a:themeElements>
-    <a:clrScheme name="Shift">
-      <a:dk1>
-        <a:srgbClr val="FFFFFF"/>
-      </a:dk1>
-      <a:lt1>
-        <a:srgbClr val="AF7B51"/>
-      </a:lt1>
-      <a:dk2>
-        <a:srgbClr val="233A44"/>
-      </a:dk2>
-      <a:lt2>
-        <a:srgbClr val="D9D9D9"/>
-      </a:lt2>
-      <a:accent1>
-        <a:srgbClr val="00796B"/>
-      </a:accent1>
-      <a:accent2>
-        <a:srgbClr val="D9563F"/>
-      </a:accent2>
-      <a:accent3>
-        <a:srgbClr val="C4A15A"/>
-      </a:accent3>
-      <a:accent4>
-        <a:srgbClr val="14F597"/>
-      </a:accent4>
-      <a:accent5>
-        <a:srgbClr val="3D4594"/>
-      </a:accent5>
-      <a:accent6>
-        <a:srgbClr val="163EF5"/>
-      </a:accent6>
-      <a:hlink>
-        <a:srgbClr val="3D4594"/>
-      </a:hlink>
-      <a:folHlink>
-        <a:srgbClr val="3D4594"/>
-      </a:folHlink>
-    </a:clrScheme>
-    <a:fontScheme name="Office">
-      <a:majorFont>
-        <a:latin typeface="Arial"/>
-        <a:ea typeface=""/>
-        <a:cs typeface=""/>
-        <a:font script="Jpan" typeface="ＭＳ Ｐゴシック"/>
-        <a:font script="Hang" typeface="맑은 고딕"/>
-        <a:font script="Hans" typeface="宋体"/>
-        <a:font script="Hant" typeface="新細明體"/>
-        <a:font script="Arab" typeface="Times New Roman"/>
-        <a:font script="Hebr" typeface="Times New Roman"/>
-        <a:font script="Thai" typeface="Angsana New"/>
-        <a:font script="Ethi" typeface="Nyala"/>
-        <a:font script="Beng" typeface="Vrinda"/>
-        <a:font script="Gujr" typeface="Shruti"/>
-        <a:font script="Khmr" typeface="MoolBoran"/>
-        <a:font script="Knda" typeface="Tunga"/>
-        <a:font script="Guru" typeface="Raavi"/>
-        <a:font script="Cans" typeface="Euphemia"/>
-        <a:font script="Cher" typeface="Plantagenet Cherokee"/>
-        <a:font script="Yiii" typeface="Microsoft Yi Baiti"/>
-        <a:font script="Tibt" typeface="Microsoft Himalaya"/>
-        <a:font script="Thaa" typeface="MV Boli"/>
-        <a:font script="Deva" typeface="Mangal"/>
-        <a:font script="Telu" typeface="Gautami"/>
-        <a:font script="Taml" typeface="Latha"/>
-        <a:font script="Syrc" typeface="Estrangelo Edessa"/>
-        <a:font script="Orya" typeface="Kalinga"/>
-        <a:font script="Mlym" typeface="Kartika"/>
-        <a:font script="Laoo" typeface="DokChampa"/>
-        <a:font script="Sinh" typeface="Iskoola Pota"/>
-        <a:font script="Mong" typeface="Mongolian Baiti"/>
-        <a:font script="Viet" typeface="Times New Roman"/>
-        <a:font script="Uigh" typeface="Microsoft Uighur"/>
-        <a:font script="Geor" typeface="Sylfaen"/>
-      </a:majorFont>
-      <a:minorFont>
-        <a:latin typeface="Arial"/>
-        <a:ea typeface=""/>
-        <a:cs typeface=""/>
-        <a:font script="Jpan" typeface="ＭＳ Ｐゴシック"/>
-        <a:font script="Hang" typeface="맑은 고딕"/>
-        <a:font script="Hans" typeface="宋体"/>
-        <a:font script="Hant" typeface="新細明體"/>
-        <a:font script="Arab" typeface="Arial"/>
-        <a:font script="Hebr" typeface="Arial"/>
-        <a:font script="Thai" typeface="Cordia New"/>
-        <a:font script="Ethi" typeface="Nyala"/>
-        <a:font script="Beng" typeface="Vrinda"/>
-        <a:font script="Gujr" typeface="Shruti"/>
-        <a:font script="Khmr" typeface="DaunPenh"/>
-        <a:font script="Knda" typeface="Tunga"/>
-        <a:font script="Guru" typeface="Raavi"/>
-        <a:font script="Cans" typeface="Euphemia"/>
-        <a:font script="Cher" typeface="Plantagenet Cherokee"/>
-        <a:font script="Yiii" typeface="Microsoft Yi Baiti"/>
-        <a:font script="Tibt" typeface="Microsoft Himalaya"/>
-        <a:font script="Thaa" typeface="MV Boli"/>
-        <a:font script="Deva" typeface="Mangal"/>
-        <a:font script="Telu" typeface="Gautami"/>
-        <a:font script="Taml" typeface="Latha"/>
-        <a:font script="Syrc" typeface="Estrangelo Edessa"/>
-        <a:font script="Orya" typeface="Kalinga"/>
-        <a:font script="Mlym" typeface="Kartika"/>
-        <a:font script="Laoo" typeface="DokChampa"/>
-        <a:font script="Sinh" typeface="Iskoola Pota"/>
-        <a:font script="Mong" typeface="Mongolian Baiti"/>
-        <a:font script="Viet" typeface="Arial"/>
-        <a:font script="Uigh" typeface="Microsoft Uighur"/>
-        <a:font script="Geor" typeface="Sylfaen"/>
-      </a:minorFont>
-    </a:fontScheme>
-    <a:fmtScheme name="Office">
-      <a:fillStyleLst>
-        <a:solidFill>
-          <a:schemeClr val="phClr"/>
-        </a:solidFill>
-        <a:gradFill rotWithShape="1">
-          <a:gsLst>
-            <a:gs pos="0">
-              <a:schemeClr val="phClr">
-                <a:tint val="50000"/>
-                <a:satMod val="300000"/>
-              </a:schemeClr>
-            </a:gs>
-            <a:gs pos="35000">
-              <a:schemeClr val="phClr">
-                <a:tint val="37000"/>
-                <a:satMod val="300000"/>
-              </a:schemeClr>
-            </a:gs>
-            <a:gs pos="100000">
-              <a:schemeClr val="phClr">
-                <a:tint val="15000"/>
-                <a:satMod val="350000"/>
-              </a:schemeClr>
-            </a:gs>
-          </a:gsLst>
-          <a:lin ang="16200000" scaled="1"/>
-        </a:gradFill>
-        <a:gradFill rotWithShape="1">
-          <a:gsLst>
-            <a:gs pos="0">
-              <a:schemeClr val="phClr">
-                <a:tint val="100000"/>
-                <a:shade val="100000"/>
-                <a:satMod val="130000"/>
-              </a:schemeClr>
-            </a:gs>
-            <a:gs pos="100000">
-              <a:schemeClr val="phClr">
-                <a:tint val="50000"/>
-                <a:shade val="100000"/>
-                <a:satMod val="350000"/>
-              </a:schemeClr>
-            </a:gs>
-          </a:gsLst>
-          <a:lin ang="16200000" scaled="0"/>
-        </a:gradFill>
-      </a:fillStyleLst>
-      <a:lnStyleLst>
-        <a:ln w="9525" cap="flat" cmpd="sng" algn="ctr">
-          <a:solidFill>
-            <a:schemeClr val="phClr">
-              <a:shade val="95000"/>
-              <a:satMod val="105000"/>
-            </a:schemeClr>
-          </a:solidFill>
-          <a:prstDash val="solid"/>
-        </a:ln>
-        <a:ln w="25400" cap="flat" cmpd="sng" algn="ctr">
-          <a:solidFill>
-            <a:schemeClr val="phClr"/>
-          </a:solidFill>
-          <a:prstDash val="solid"/>
-        </a:ln>
-        <a:ln w="38100" cap="flat" cmpd="sng" algn="ctr">
-          <a:solidFill>
-            <a:schemeClr val="phClr"/>
-          </a:solidFill>
-          <a:prstDash val="solid"/>
-        </a:ln>
-      </a:lnStyleLst>
-      <a:effectStyleLst>
-        <a:effectStyle>
-          <a:effectLst>
-            <a:outerShdw blurRad="40000" dist="20000" dir="5400000" rotWithShape="0">
-              <a:srgbClr val="000000">
-                <a:alpha val="38000"/>
-              </a:srgbClr>
-            </a:outerShdw>
-          </a:effectLst>
-        </a:effectStyle>
-        <a:effectStyle>
-          <a:effectLst>
-            <a:outerShdw blurRad="40000" dist="23000" dir="5400000" rotWithShape="0">
-              <a:srgbClr val="000000">
-                <a:alpha val="35000"/>
-              </a:srgbClr>
-            </a:outerShdw>
-          </a:effectLst>
-        </a:effectStyle>
-        <a:effectStyle>
-          <a:effectLst>
-            <a:outerShdw blurRad="40000" dist="23000" dir="5400000" rotWithShape="0">
-              <a:srgbClr val="000000">
-                <a:alpha val="35000"/>
-              </a:srgbClr>
-            </a:outerShdw>
-          </a:effectLst>
-          <a:scene3d>
-            <a:camera prst="orthographicFront">
-              <a:rot lat="0" lon="0" rev="0"/>
-            </a:camera>
-            <a:lightRig rig="threePt" dir="t">
-              <a:rot lat="0" lon="0" rev="1200000"/>
-            </a:lightRig>
-          </a:scene3d>
-          <a:sp3d>
-            <a:bevelT w="63500" h="25400"/>
-          </a:sp3d>
-        </a:effectStyle>
-      </a:effectStyleLst>
-      <a:bgFillStyleLst>
-        <a:solidFill>
-          <a:schemeClr val="phClr"/>
-        </a:solidFill>
-        <a:gradFill rotWithShape="1">
-          <a:gsLst>
-            <a:gs pos="0">
-              <a:schemeClr val="phClr">
-                <a:tint val="40000"/>
-                <a:satMod val="350000"/>
-              </a:schemeClr>
-            </a:gs>
-            <a:gs pos="40000">
-              <a:schemeClr val="phClr">
-                <a:tint val="45000"/>
-                <a:shade val="99000"/>
-                <a:satMod val="350000"/>
-              </a:schemeClr>
-            </a:gs>
-            <a:gs pos="100000">
-              <a:schemeClr val="phClr">
-                <a:shade val="20000"/>
-                <a:satMod val="255000"/>
-              </a:schemeClr>
-            </a:gs>
-          </a:gsLst>
-          <a:path path="circle">
-            <a:fillToRect l="50000" t="-80000" r="50000" b="180000"/>
-          </a:path>
-        </a:gradFill>
-        <a:gradFill rotWithShape="1">
-          <a:gsLst>
-            <a:gs pos="0">
-              <a:schemeClr val="phClr">
-                <a:tint val="80000"/>
-                <a:satMod val="300000"/>
-              </a:schemeClr>
-            </a:gs>
-            <a:gs pos="100000">
-              <a:schemeClr val="phClr">
-                <a:shade val="30000"/>
-                <a:satMod val="200000"/>
-              </a:schemeClr>
-            </a:gs>
-          </a:gsLst>
-          <a:path path="circle">
-            <a:fillToRect l="50000" t="50000" r="50000" b="50000"/>
-          </a:path>
-        </a:gradFill>
-      </a:bgFillStyleLst>
-    </a:fmtScheme>
-  </a:themeElements>
+  <a:objectDefaults/>
+  <a:extraClrSchemeLst/>
 </a:theme>
 </file>